--- a/What Hacker Do In Their Daily Task/Slides.pptx
+++ b/What Hacker Do In Their Daily Task/Slides.pptx
@@ -7,9 +7,13 @@
   <p:sldIdLst>
     <p:sldId id="256" r:id="rId2"/>
     <p:sldId id="260" r:id="rId3"/>
-    <p:sldId id="257" r:id="rId4"/>
-    <p:sldId id="259" r:id="rId5"/>
-    <p:sldId id="258" r:id="rId6"/>
+    <p:sldId id="261" r:id="rId4"/>
+    <p:sldId id="266" r:id="rId5"/>
+    <p:sldId id="264" r:id="rId6"/>
+    <p:sldId id="262" r:id="rId7"/>
+    <p:sldId id="257" r:id="rId8"/>
+    <p:sldId id="259" r:id="rId9"/>
+    <p:sldId id="258" r:id="rId10"/>
   </p:sldIdLst>
   <p:sldSz cx="12192000" cy="6858000"/>
   <p:notesSz cx="6858000" cy="9144000"/>
@@ -108,7 +112,66 @@
       </a:defRPr>
     </a:lvl9pPr>
   </p:defaultTextStyle>
+  <p:extLst>
+    <p:ext uri="{EFAFB233-063F-42B5-8137-9DF3F51BA10A}">
+      <p15:sldGuideLst xmlns:p15="http://schemas.microsoft.com/office/powerpoint/2012/main"/>
+    </p:ext>
+  </p:extLst>
 </p:presentation>
+</file>
+
+<file path=ppt/commentAuthors.xml><?xml version="1.0" encoding="utf-8"?>
+<p:cmAuthorLst xmlns:a="http://schemas.openxmlformats.org/drawingml/2006/main" xmlns:r="http://schemas.openxmlformats.org/officeDocument/2006/relationships" xmlns:p="http://schemas.openxmlformats.org/presentationml/2006/main">
+  <p:cmAuthor id="1" name="Teh Win Sam" initials="TWS" lastIdx="1" clrIdx="0">
+    <p:extLst>
+      <p:ext uri="{19B8F6BF-5375-455C-9EA6-DF929625EA0E}">
+        <p15:presenceInfo xmlns:p15="http://schemas.microsoft.com/office/powerpoint/2012/main" userId="09eaff824d3b83c9" providerId="Windows Live"/>
+      </p:ext>
+    </p:extLst>
+  </p:cmAuthor>
+</p:cmAuthorLst>
+</file>
+
+<file path=ppt/comments/comment1.xml><?xml version="1.0" encoding="utf-8"?>
+<p:cmLst xmlns:a="http://schemas.openxmlformats.org/drawingml/2006/main" xmlns:r="http://schemas.openxmlformats.org/officeDocument/2006/relationships" xmlns:p="http://schemas.openxmlformats.org/presentationml/2006/main">
+  <p:cm authorId="1" dt="2020-11-29T23:12:28.267" idx="1">
+    <p:pos x="46" y="16"/>
+    <p:text/>
+    <p:extLst>
+      <p:ext uri="{C676402C-5697-4E1C-873F-D02D1690AC5C}">
+        <p15:threadingInfo xmlns:p15="http://schemas.microsoft.com/office/powerpoint/2012/main" timeZoneBias="-480"/>
+      </p:ext>
+    </p:extLst>
+  </p:cm>
+</p:cmLst>
+</file>
+
+<file path=ppt/comments/comment2.xml><?xml version="1.0" encoding="utf-8"?>
+<p:cmLst xmlns:a="http://schemas.openxmlformats.org/drawingml/2006/main" xmlns:r="http://schemas.openxmlformats.org/officeDocument/2006/relationships" xmlns:p="http://schemas.openxmlformats.org/presentationml/2006/main">
+  <p:cm authorId="1" dt="2020-11-29T23:12:28.267" idx="1">
+    <p:pos x="46" y="16"/>
+    <p:text/>
+    <p:extLst>
+      <p:ext uri="{C676402C-5697-4E1C-873F-D02D1690AC5C}">
+        <p15:threadingInfo xmlns:p15="http://schemas.microsoft.com/office/powerpoint/2012/main" timeZoneBias="-480"/>
+      </p:ext>
+    </p:extLst>
+  </p:cm>
+</p:cmLst>
+</file>
+
+<file path=ppt/comments/comment3.xml><?xml version="1.0" encoding="utf-8"?>
+<p:cmLst xmlns:a="http://schemas.openxmlformats.org/drawingml/2006/main" xmlns:r="http://schemas.openxmlformats.org/officeDocument/2006/relationships" xmlns:p="http://schemas.openxmlformats.org/presentationml/2006/main">
+  <p:cm authorId="1" dt="2020-11-29T23:12:28.267" idx="1">
+    <p:pos x="10" y="10"/>
+    <p:text/>
+    <p:extLst>
+      <p:ext uri="{C676402C-5697-4E1C-873F-D02D1690AC5C}">
+        <p15:threadingInfo xmlns:p15="http://schemas.microsoft.com/office/powerpoint/2012/main" timeZoneBias="-480"/>
+      </p:ext>
+    </p:extLst>
+  </p:cm>
+</p:cmLst>
 </file>
 
 <file path=ppt/slideLayouts/slideLayout1.xml><?xml version="1.0" encoding="utf-8"?>
@@ -250,7 +313,7 @@
           <a:p>
             <a:fld id="{78D5F2A6-235C-4FDE-80DE-EAE49DBB97FA}" type="datetimeFigureOut">
               <a:rPr lang="en-US" smtClean="0"/>
-              <a:t>11/29/2020</a:t>
+              <a:t>11/30/2020</a:t>
             </a:fld>
             <a:endParaRPr lang="en-US"/>
           </a:p>
@@ -461,7 +524,7 @@
           <a:p>
             <a:fld id="{78D5F2A6-235C-4FDE-80DE-EAE49DBB97FA}" type="datetimeFigureOut">
               <a:rPr lang="en-US" smtClean="0"/>
-              <a:t>11/29/2020</a:t>
+              <a:t>11/30/2020</a:t>
             </a:fld>
             <a:endParaRPr lang="en-US"/>
           </a:p>
@@ -676,7 +739,7 @@
           <a:p>
             <a:fld id="{78D5F2A6-235C-4FDE-80DE-EAE49DBB97FA}" type="datetimeFigureOut">
               <a:rPr lang="en-US" smtClean="0"/>
-              <a:t>11/29/2020</a:t>
+              <a:t>11/30/2020</a:t>
             </a:fld>
             <a:endParaRPr lang="en-US"/>
           </a:p>
@@ -877,7 +940,7 @@
           <a:p>
             <a:fld id="{78D5F2A6-235C-4FDE-80DE-EAE49DBB97FA}" type="datetimeFigureOut">
               <a:rPr lang="en-US" smtClean="0"/>
-              <a:t>11/29/2020</a:t>
+              <a:t>11/30/2020</a:t>
             </a:fld>
             <a:endParaRPr lang="en-US"/>
           </a:p>
@@ -1156,7 +1219,7 @@
           <a:p>
             <a:fld id="{78D5F2A6-235C-4FDE-80DE-EAE49DBB97FA}" type="datetimeFigureOut">
               <a:rPr lang="en-US" smtClean="0"/>
-              <a:t>11/29/2020</a:t>
+              <a:t>11/30/2020</a:t>
             </a:fld>
             <a:endParaRPr lang="en-US"/>
           </a:p>
@@ -1424,7 +1487,7 @@
           <a:p>
             <a:fld id="{78D5F2A6-235C-4FDE-80DE-EAE49DBB97FA}" type="datetimeFigureOut">
               <a:rPr lang="en-US" smtClean="0"/>
-              <a:t>11/29/2020</a:t>
+              <a:t>11/30/2020</a:t>
             </a:fld>
             <a:endParaRPr lang="en-US"/>
           </a:p>
@@ -1840,7 +1903,7 @@
           <a:p>
             <a:fld id="{78D5F2A6-235C-4FDE-80DE-EAE49DBB97FA}" type="datetimeFigureOut">
               <a:rPr lang="en-US" smtClean="0"/>
-              <a:t>11/29/2020</a:t>
+              <a:t>11/30/2020</a:t>
             </a:fld>
             <a:endParaRPr lang="en-US"/>
           </a:p>
@@ -1989,7 +2052,7 @@
           <a:p>
             <a:fld id="{78D5F2A6-235C-4FDE-80DE-EAE49DBB97FA}" type="datetimeFigureOut">
               <a:rPr lang="en-US" smtClean="0"/>
-              <a:t>11/29/2020</a:t>
+              <a:t>11/30/2020</a:t>
             </a:fld>
             <a:endParaRPr lang="en-US"/>
           </a:p>
@@ -2115,7 +2178,7 @@
           <a:p>
             <a:fld id="{78D5F2A6-235C-4FDE-80DE-EAE49DBB97FA}" type="datetimeFigureOut">
               <a:rPr lang="en-US" smtClean="0"/>
-              <a:t>11/29/2020</a:t>
+              <a:t>11/30/2020</a:t>
             </a:fld>
             <a:endParaRPr lang="en-US"/>
           </a:p>
@@ -2366,7 +2429,7 @@
           <a:p>
             <a:fld id="{78D5F2A6-235C-4FDE-80DE-EAE49DBB97FA}" type="datetimeFigureOut">
               <a:rPr lang="en-US" smtClean="0"/>
-              <a:t>11/29/2020</a:t>
+              <a:t>11/30/2020</a:t>
             </a:fld>
             <a:endParaRPr lang="en-US"/>
           </a:p>
@@ -2811,7 +2874,7 @@
           <a:p>
             <a:fld id="{78D5F2A6-235C-4FDE-80DE-EAE49DBB97FA}" type="datetimeFigureOut">
               <a:rPr lang="en-US" smtClean="0"/>
-              <a:t>11/29/2020</a:t>
+              <a:t>11/30/2020</a:t>
             </a:fld>
             <a:endParaRPr lang="en-US"/>
           </a:p>
@@ -3138,7 +3201,7 @@
           <a:p>
             <a:fld id="{78D5F2A6-235C-4FDE-80DE-EAE49DBB97FA}" type="datetimeFigureOut">
               <a:rPr lang="en-US" smtClean="0"/>
-              <a:t>11/29/2020</a:t>
+              <a:t>11/30/2020</a:t>
             </a:fld>
             <a:endParaRPr lang="en-US"/>
           </a:p>
@@ -3664,29 +3727,35 @@
             </a:r>
             <a:r>
               <a:rPr lang="en-US" dirty="0"/>
-              <a:t>view </a:t>
+              <a:t>DISCLOSED </a:t>
             </a:r>
             <a:r>
               <a:rPr lang="en-US" b="1" dirty="0"/>
-              <a:t>USER B</a:t>
+              <a:t>OTHERS USER </a:t>
             </a:r>
             <a:r>
               <a:rPr lang="en-US" dirty="0"/>
-              <a:t> Credit Card </a:t>
+              <a:t>Credit Card INFO (</a:t>
             </a:r>
             <a:r>
               <a:rPr lang="en-US" dirty="0" err="1"/>
-              <a:t>InfoRmations</a:t>
+              <a:t>idor</a:t>
+            </a:r>
+            <a:r>
+              <a:rPr lang="en-US" dirty="0"/>
+              <a:t>)</a:t>
             </a:r>
             <a:br>
               <a:rPr lang="en-US" dirty="0"/>
             </a:br>
             <a:r>
               <a:rPr lang="en-US" dirty="0"/>
-              <a:t>	2. How we make fake transaction receipt</a:t>
-            </a:r>
-          </a:p>
-          <a:p>
+              <a:t>	2. How we make fake transaction </a:t>
+            </a:r>
+            <a:r>
+              <a:rPr lang="en-US" dirty="0" err="1"/>
+              <a:t>receipT</a:t>
+            </a:r>
             <a:endParaRPr lang="en-US" dirty="0"/>
           </a:p>
         </p:txBody>
@@ -3744,7 +3813,7 @@
           <a:p>
             <a:r>
               <a:rPr lang="en-US" dirty="0"/>
-              <a:t>Lowest hanging fruit</a:t>
+              <a:t>IDOR (Insecure direct object reference)</a:t>
             </a:r>
           </a:p>
         </p:txBody>
@@ -3772,19 +3841,34 @@
           <a:p>
             <a:r>
               <a:rPr lang="en-US" dirty="0"/>
-              <a:t>www.deloitte.com?user=witeh@deloitte.com</a:t>
+              <a:t>Example </a:t>
             </a:r>
           </a:p>
           <a:p>
             <a:r>
               <a:rPr lang="en-US" dirty="0"/>
-              <a:t>Try </a:t>
-            </a:r>
+              <a:t>If Win Sam login as Win Sam and able to Weng Sum Credit Card Information, is this okay? </a:t>
+            </a:r>
+          </a:p>
+          <a:p>
+            <a:endParaRPr lang="en-US" dirty="0"/>
           </a:p>
           <a:p>
             <a:r>
               <a:rPr lang="en-US" dirty="0"/>
-              <a:t>www.deloitte.com?user=alif@deloitte.com</a:t>
+              <a:t>How to perform ?</a:t>
+            </a:r>
+          </a:p>
+          <a:p>
+            <a:r>
+              <a:rPr lang="en-US" dirty="0"/>
+              <a:t>[ Original ] www.deloitte.com?Creditcard=xxxxxxxxxx4332</a:t>
+            </a:r>
+          </a:p>
+          <a:p>
+            <a:r>
+              <a:rPr lang="en-US" dirty="0"/>
+              <a:t>[ Tampered ] www.deloitte.com?Creditcard=xxxxxxxxxx9604</a:t>
             </a:r>
           </a:p>
           <a:p>
@@ -3828,275 +3912,123 @@
           <a:chExt cx="0" cy="0"/>
         </a:xfrm>
       </p:grpSpPr>
-      <p:pic>
-        <p:nvPicPr>
-          <p:cNvPr id="5" name="Content Placeholder 4" descr="A picture containing shape&#10;&#10;Description automatically generated">
-            <a:extLst>
-              <a:ext uri="{FF2B5EF4-FFF2-40B4-BE49-F238E27FC236}">
-                <a16:creationId xmlns:a16="http://schemas.microsoft.com/office/drawing/2014/main" id="{015BC766-1309-4896-891A-88068529CB50}"/>
-              </a:ext>
-            </a:extLst>
-          </p:cNvPr>
-          <p:cNvPicPr>
-            <a:picLocks noGrp="1" noChangeAspect="1"/>
-          </p:cNvPicPr>
+      <p:sp>
+        <p:nvSpPr>
+          <p:cNvPr id="2" name="Title 1">
+            <a:extLst>
+              <a:ext uri="{FF2B5EF4-FFF2-40B4-BE49-F238E27FC236}">
+                <a16:creationId xmlns:a16="http://schemas.microsoft.com/office/drawing/2014/main" id="{E409F8D9-43DC-46EA-8991-472AE4E09B49}"/>
+              </a:ext>
+            </a:extLst>
+          </p:cNvPr>
+          <p:cNvSpPr>
+            <a:spLocks noGrp="1"/>
+          </p:cNvSpPr>
+          <p:nvPr>
+            <p:ph type="title"/>
+          </p:nvPr>
+        </p:nvSpPr>
+        <p:spPr/>
+        <p:txBody>
+          <a:bodyPr/>
+          <a:lstStyle/>
+          <a:p>
+            <a:r>
+              <a:rPr lang="en-US" dirty="0"/>
+              <a:t>Fake Transaction </a:t>
+            </a:r>
+          </a:p>
+        </p:txBody>
+      </p:sp>
+      <p:sp>
+        <p:nvSpPr>
+          <p:cNvPr id="3" name="Content Placeholder 2">
+            <a:extLst>
+              <a:ext uri="{FF2B5EF4-FFF2-40B4-BE49-F238E27FC236}">
+                <a16:creationId xmlns:a16="http://schemas.microsoft.com/office/drawing/2014/main" id="{042EBD63-8A43-4C27-B6F4-610C899C2AB7}"/>
+              </a:ext>
+            </a:extLst>
+          </p:cNvPr>
+          <p:cNvSpPr>
+            <a:spLocks noGrp="1"/>
+          </p:cNvSpPr>
           <p:nvPr>
             <p:ph idx="1"/>
           </p:nvPr>
-        </p:nvPicPr>
-        <p:blipFill>
-          <a:blip r:embed="rId2">
-            <a:extLst>
-              <a:ext uri="{28A0092B-C50C-407E-A947-70E740481C1C}">
-                <a14:useLocalDpi xmlns:a14="http://schemas.microsoft.com/office/drawing/2010/main" val="0"/>
-              </a:ext>
-            </a:extLst>
-          </a:blip>
-          <a:stretch>
-            <a:fillRect/>
-          </a:stretch>
-        </p:blipFill>
-        <p:spPr>
-          <a:xfrm>
-            <a:off x="2805501" y="1653502"/>
-            <a:ext cx="2140237" cy="2140237"/>
-          </a:xfrm>
-        </p:spPr>
-      </p:pic>
-      <p:pic>
-        <p:nvPicPr>
-          <p:cNvPr id="9" name="Picture 8" descr="A picture containing shape&#10;&#10;Description automatically generated">
-            <a:extLst>
-              <a:ext uri="{FF2B5EF4-FFF2-40B4-BE49-F238E27FC236}">
-                <a16:creationId xmlns:a16="http://schemas.microsoft.com/office/drawing/2014/main" id="{5B7495C5-D73B-4359-92BD-D2FC55AE2142}"/>
-              </a:ext>
-            </a:extLst>
-          </p:cNvPr>
-          <p:cNvPicPr>
-            <a:picLocks noChangeAspect="1"/>
-          </p:cNvPicPr>
-          <p:nvPr/>
-        </p:nvPicPr>
-        <p:blipFill>
-          <a:blip r:embed="rId3">
-            <a:extLst>
-              <a:ext uri="{28A0092B-C50C-407E-A947-70E740481C1C}">
-                <a14:useLocalDpi xmlns:a14="http://schemas.microsoft.com/office/drawing/2010/main" val="0"/>
-              </a:ext>
-            </a:extLst>
-          </a:blip>
-          <a:stretch>
-            <a:fillRect/>
-          </a:stretch>
-        </p:blipFill>
-        <p:spPr>
-          <a:xfrm>
-            <a:off x="7085975" y="1797884"/>
-            <a:ext cx="1851471" cy="1851471"/>
-          </a:xfrm>
-          <a:prstGeom prst="rect">
-            <a:avLst/>
-          </a:prstGeom>
-        </p:spPr>
-      </p:pic>
-      <p:cxnSp>
-        <p:nvCxnSpPr>
-          <p:cNvPr id="11" name="Straight Arrow Connector 10">
-            <a:extLst>
-              <a:ext uri="{FF2B5EF4-FFF2-40B4-BE49-F238E27FC236}">
-                <a16:creationId xmlns:a16="http://schemas.microsoft.com/office/drawing/2014/main" id="{14E595CF-E91E-4271-9BD3-54762DA3B3A0}"/>
-              </a:ext>
-            </a:extLst>
-          </p:cNvPr>
-          <p:cNvCxnSpPr>
-            <a:cxnSpLocks/>
-          </p:cNvCxnSpPr>
-          <p:nvPr/>
-        </p:nvCxnSpPr>
-        <p:spPr>
-          <a:xfrm>
-            <a:off x="4945738" y="2723621"/>
-            <a:ext cx="1551144" cy="0"/>
-          </a:xfrm>
-          <a:prstGeom prst="straightConnector1">
-            <a:avLst/>
-          </a:prstGeom>
-          <a:ln>
-            <a:tailEnd type="triangle"/>
-          </a:ln>
-        </p:spPr>
-        <p:style>
-          <a:lnRef idx="1">
-            <a:schemeClr val="accent1"/>
-          </a:lnRef>
-          <a:fillRef idx="0">
-            <a:schemeClr val="accent1"/>
-          </a:fillRef>
-          <a:effectRef idx="0">
-            <a:schemeClr val="accent1"/>
-          </a:effectRef>
-          <a:fontRef idx="minor">
-            <a:schemeClr val="tx1"/>
-          </a:fontRef>
-        </p:style>
-      </p:cxnSp>
-      <p:sp>
-        <p:nvSpPr>
-          <p:cNvPr id="17" name="TextBox 16">
-            <a:extLst>
-              <a:ext uri="{FF2B5EF4-FFF2-40B4-BE49-F238E27FC236}">
-                <a16:creationId xmlns:a16="http://schemas.microsoft.com/office/drawing/2014/main" id="{EAF3C16A-181F-487F-B9A1-83306DB0F217}"/>
-              </a:ext>
-            </a:extLst>
-          </p:cNvPr>
-          <p:cNvSpPr txBox="1"/>
-          <p:nvPr/>
-        </p:nvSpPr>
-        <p:spPr>
-          <a:xfrm>
-            <a:off x="5518085" y="3154434"/>
-            <a:ext cx="1155829" cy="369332"/>
-          </a:xfrm>
-          <a:prstGeom prst="rect">
-            <a:avLst/>
-          </a:prstGeom>
-          <a:noFill/>
-        </p:spPr>
-        <p:txBody>
-          <a:bodyPr wrap="square" rtlCol="0">
-            <a:spAutoFit/>
-          </a:bodyPr>
+        </p:nvSpPr>
+        <p:spPr/>
+        <p:txBody>
+          <a:bodyPr/>
           <a:lstStyle/>
           <a:p>
             <a:r>
               <a:rPr lang="en-US" dirty="0"/>
-              <a:t>I love you </a:t>
-            </a:r>
-          </a:p>
-        </p:txBody>
-      </p:sp>
-      <p:pic>
-        <p:nvPicPr>
-          <p:cNvPr id="19" name="Picture 18" descr="Shape&#10;&#10;Description automatically generated">
-            <a:extLst>
-              <a:ext uri="{FF2B5EF4-FFF2-40B4-BE49-F238E27FC236}">
-                <a16:creationId xmlns:a16="http://schemas.microsoft.com/office/drawing/2014/main" id="{1A3F79A1-A541-4CD8-81E4-2CAAE47A0A46}"/>
-              </a:ext>
-            </a:extLst>
-          </p:cNvPr>
-          <p:cNvPicPr>
-            <a:picLocks noChangeAspect="1"/>
-          </p:cNvPicPr>
-          <p:nvPr/>
-        </p:nvPicPr>
-        <p:blipFill>
-          <a:blip r:embed="rId4">
-            <a:extLst>
-              <a:ext uri="{28A0092B-C50C-407E-A947-70E740481C1C}">
-                <a14:useLocalDpi xmlns:a14="http://schemas.microsoft.com/office/drawing/2010/main" val="0"/>
-              </a:ext>
-            </a:extLst>
-          </a:blip>
-          <a:stretch>
-            <a:fillRect/>
-          </a:stretch>
-        </p:blipFill>
-        <p:spPr>
-          <a:xfrm>
-            <a:off x="5444402" y="2846831"/>
-            <a:ext cx="476876" cy="274566"/>
-          </a:xfrm>
-          <a:prstGeom prst="rect">
-            <a:avLst/>
-          </a:prstGeom>
-        </p:spPr>
-      </p:pic>
-      <p:sp>
-        <p:nvSpPr>
-          <p:cNvPr id="20" name="TextBox 19">
-            <a:extLst>
-              <a:ext uri="{FF2B5EF4-FFF2-40B4-BE49-F238E27FC236}">
-                <a16:creationId xmlns:a16="http://schemas.microsoft.com/office/drawing/2014/main" id="{DD674189-6B31-4E17-8872-F8737400DBBA}"/>
-              </a:ext>
-            </a:extLst>
-          </p:cNvPr>
-          <p:cNvSpPr txBox="1"/>
-          <p:nvPr/>
-        </p:nvSpPr>
-        <p:spPr>
-          <a:xfrm>
-            <a:off x="7601086" y="3649355"/>
-            <a:ext cx="668773" cy="646331"/>
-          </a:xfrm>
-          <a:prstGeom prst="rect">
-            <a:avLst/>
-          </a:prstGeom>
-          <a:noFill/>
-        </p:spPr>
-        <p:txBody>
-          <a:bodyPr wrap="none" rtlCol="0">
-            <a:spAutoFit/>
-          </a:bodyPr>
-          <a:lstStyle/>
+              <a:t>Savings amount MYR 7000.00</a:t>
+            </a:r>
+          </a:p>
           <a:p>
             <a:r>
               <a:rPr lang="en-US" dirty="0"/>
-              <a:t>Mom</a:t>
+              <a:t>But want to buy 2 items </a:t>
+            </a:r>
+            <a:r>
+              <a:rPr lang="en-US" b="1" dirty="0"/>
+              <a:t>PlayStation 5 and iPhone12 Pro Max? </a:t>
+            </a:r>
+          </a:p>
+          <a:p>
+            <a:r>
+              <a:rPr lang="en-US" b="1" dirty="0"/>
+              <a:t>PlayStation 5 = MYR2500.00 </a:t>
+            </a:r>
+          </a:p>
+          <a:p>
+            <a:r>
+              <a:rPr lang="en-US" b="1" dirty="0"/>
+              <a:t>iPhone12 Pro Max = MYR 6000.00</a:t>
             </a:r>
           </a:p>
           <a:p>
             <a:r>
               <a:rPr lang="en-US" dirty="0"/>
-              <a:t> </a:t>
-            </a:r>
-          </a:p>
-        </p:txBody>
-      </p:sp>
-      <p:sp>
-        <p:nvSpPr>
-          <p:cNvPr id="21" name="TextBox 20">
-            <a:extLst>
-              <a:ext uri="{FF2B5EF4-FFF2-40B4-BE49-F238E27FC236}">
-                <a16:creationId xmlns:a16="http://schemas.microsoft.com/office/drawing/2014/main" id="{78B64545-75A3-4DB5-A21A-4CB7F9C6A629}"/>
-              </a:ext>
-            </a:extLst>
-          </p:cNvPr>
-          <p:cNvSpPr txBox="1"/>
-          <p:nvPr/>
-        </p:nvSpPr>
-        <p:spPr>
-          <a:xfrm>
-            <a:off x="3607614" y="3649354"/>
-            <a:ext cx="474810" cy="646331"/>
-          </a:xfrm>
-          <a:prstGeom prst="rect">
-            <a:avLst/>
-          </a:prstGeom>
-          <a:noFill/>
-        </p:spPr>
-        <p:txBody>
-          <a:bodyPr wrap="none" rtlCol="0">
-            <a:spAutoFit/>
-          </a:bodyPr>
-          <a:lstStyle/>
+              <a:t>Insufficient Money? </a:t>
+            </a:r>
+            <a:endParaRPr lang="en-US" b="1" dirty="0"/>
+          </a:p>
           <a:p>
             <a:r>
               <a:rPr lang="en-US" dirty="0"/>
-              <a:t>Me</a:t>
-            </a:r>
-          </a:p>
-          <a:p>
+              <a:t>Let pay </a:t>
+            </a:r>
+            <a:r>
+              <a:rPr lang="en-US" b="1" dirty="0"/>
+              <a:t>MYR 2.00</a:t>
+            </a:r>
             <a:r>
               <a:rPr lang="en-US" dirty="0"/>
-              <a:t> </a:t>
-            </a:r>
+              <a:t> to fake a receipt with </a:t>
+            </a:r>
+            <a:r>
+              <a:rPr lang="en-US" b="1" dirty="0"/>
+              <a:t>MYR 6000.00 and MYR 2500.00 </a:t>
+            </a:r>
+            <a:r>
+              <a:rPr lang="en-US" dirty="0"/>
+              <a:t>of transaction amount.</a:t>
+            </a:r>
+          </a:p>
+          <a:p>
+            <a:endParaRPr lang="en-US" dirty="0"/>
+          </a:p>
+          <a:p>
+            <a:endParaRPr lang="en-US" dirty="0"/>
           </a:p>
         </p:txBody>
       </p:sp>
     </p:spTree>
     <p:extLst>
       <p:ext uri="{BB962C8B-B14F-4D97-AF65-F5344CB8AC3E}">
-        <p14:creationId xmlns:p14="http://schemas.microsoft.com/office/powerpoint/2010/main" val="3042689943"/>
+        <p14:creationId xmlns:p14="http://schemas.microsoft.com/office/powerpoint/2010/main" val="957566777"/>
       </p:ext>
     </p:extLst>
   </p:cSld>
@@ -4125,6 +4057,4411 @@
       </p:grpSpPr>
       <p:pic>
         <p:nvPicPr>
+          <p:cNvPr id="9" name="Picture 8" descr="A picture containing shape&#10;&#10;Description automatically generated">
+            <a:extLst>
+              <a:ext uri="{FF2B5EF4-FFF2-40B4-BE49-F238E27FC236}">
+                <a16:creationId xmlns:a16="http://schemas.microsoft.com/office/drawing/2014/main" id="{640A2ED7-81DC-4F59-BDAE-991A11EC9783}"/>
+              </a:ext>
+            </a:extLst>
+          </p:cNvPr>
+          <p:cNvPicPr>
+            <a:picLocks noChangeAspect="1"/>
+          </p:cNvPicPr>
+          <p:nvPr/>
+        </p:nvPicPr>
+        <p:blipFill>
+          <a:blip r:embed="rId2">
+            <a:extLst>
+              <a:ext uri="{28A0092B-C50C-407E-A947-70E740481C1C}">
+                <a14:useLocalDpi xmlns:a14="http://schemas.microsoft.com/office/drawing/2010/main" val="0"/>
+              </a:ext>
+            </a:extLst>
+          </a:blip>
+          <a:stretch>
+            <a:fillRect/>
+          </a:stretch>
+        </p:blipFill>
+        <p:spPr>
+          <a:xfrm>
+            <a:off x="1081474" y="3119848"/>
+            <a:ext cx="2355014" cy="1206153"/>
+          </a:xfrm>
+          <a:prstGeom prst="rect">
+            <a:avLst/>
+          </a:prstGeom>
+        </p:spPr>
+      </p:pic>
+      <p:pic>
+        <p:nvPicPr>
+          <p:cNvPr id="11" name="Picture 10" descr="A picture containing bed, night, lit, luggage&#10;&#10;Description automatically generated">
+            <a:extLst>
+              <a:ext uri="{FF2B5EF4-FFF2-40B4-BE49-F238E27FC236}">
+                <a16:creationId xmlns:a16="http://schemas.microsoft.com/office/drawing/2014/main" id="{7F52A877-C000-47F4-B95E-9CB834017FB5}"/>
+              </a:ext>
+            </a:extLst>
+          </p:cNvPr>
+          <p:cNvPicPr>
+            <a:picLocks noChangeAspect="1"/>
+          </p:cNvPicPr>
+          <p:nvPr/>
+        </p:nvPicPr>
+        <p:blipFill>
+          <a:blip r:embed="rId3">
+            <a:extLst>
+              <a:ext uri="{28A0092B-C50C-407E-A947-70E740481C1C}">
+                <a14:useLocalDpi xmlns:a14="http://schemas.microsoft.com/office/drawing/2010/main" val="0"/>
+              </a:ext>
+            </a:extLst>
+          </a:blip>
+          <a:stretch>
+            <a:fillRect/>
+          </a:stretch>
+        </p:blipFill>
+        <p:spPr>
+          <a:xfrm>
+            <a:off x="8152437" y="3054933"/>
+            <a:ext cx="1206153" cy="1206153"/>
+          </a:xfrm>
+          <a:prstGeom prst="rect">
+            <a:avLst/>
+          </a:prstGeom>
+        </p:spPr>
+      </p:pic>
+      <p:pic>
+        <p:nvPicPr>
+          <p:cNvPr id="14" name="Picture 13" descr="A picture containing shape&#10;&#10;Description automatically generated">
+            <a:extLst>
+              <a:ext uri="{FF2B5EF4-FFF2-40B4-BE49-F238E27FC236}">
+                <a16:creationId xmlns:a16="http://schemas.microsoft.com/office/drawing/2014/main" id="{1E8F0CEC-B4AB-4AFE-B553-491243E0CAAD}"/>
+              </a:ext>
+            </a:extLst>
+          </p:cNvPr>
+          <p:cNvPicPr>
+            <a:picLocks noChangeAspect="1"/>
+          </p:cNvPicPr>
+          <p:nvPr/>
+        </p:nvPicPr>
+        <p:blipFill>
+          <a:blip r:embed="rId4">
+            <a:extLst>
+              <a:ext uri="{28A0092B-C50C-407E-A947-70E740481C1C}">
+                <a14:useLocalDpi xmlns:a14="http://schemas.microsoft.com/office/drawing/2010/main" val="0"/>
+              </a:ext>
+            </a:extLst>
+          </a:blip>
+          <a:stretch>
+            <a:fillRect/>
+          </a:stretch>
+        </p:blipFill>
+        <p:spPr>
+          <a:xfrm>
+            <a:off x="5163793" y="3184761"/>
+            <a:ext cx="1076325" cy="1076325"/>
+          </a:xfrm>
+          <a:prstGeom prst="rect">
+            <a:avLst/>
+          </a:prstGeom>
+        </p:spPr>
+      </p:pic>
+      <p:sp>
+        <p:nvSpPr>
+          <p:cNvPr id="3" name="TextBox 2">
+            <a:extLst>
+              <a:ext uri="{FF2B5EF4-FFF2-40B4-BE49-F238E27FC236}">
+                <a16:creationId xmlns:a16="http://schemas.microsoft.com/office/drawing/2014/main" id="{5A68BCC8-8330-4B5A-AE84-D84B221E5353}"/>
+              </a:ext>
+            </a:extLst>
+          </p:cNvPr>
+          <p:cNvSpPr txBox="1"/>
+          <p:nvPr/>
+        </p:nvSpPr>
+        <p:spPr>
+          <a:xfrm>
+            <a:off x="1766698" y="2583809"/>
+            <a:ext cx="984565" cy="369332"/>
+          </a:xfrm>
+          <a:prstGeom prst="rect">
+            <a:avLst/>
+          </a:prstGeom>
+          <a:noFill/>
+        </p:spPr>
+        <p:txBody>
+          <a:bodyPr wrap="none" rtlCol="0">
+            <a:spAutoFit/>
+          </a:bodyPr>
+          <a:lstStyle/>
+          <a:p>
+            <a:r>
+              <a:rPr lang="en-US" altLang="zh-CN" dirty="0"/>
+              <a:t>Counter</a:t>
+            </a:r>
+            <a:endParaRPr lang="en-US" dirty="0"/>
+          </a:p>
+        </p:txBody>
+      </p:sp>
+      <p:sp>
+        <p:nvSpPr>
+          <p:cNvPr id="17" name="TextBox 16">
+            <a:extLst>
+              <a:ext uri="{FF2B5EF4-FFF2-40B4-BE49-F238E27FC236}">
+                <a16:creationId xmlns:a16="http://schemas.microsoft.com/office/drawing/2014/main" id="{052DD145-19C4-4819-94F1-0C11EBCFD8DF}"/>
+              </a:ext>
+            </a:extLst>
+          </p:cNvPr>
+          <p:cNvSpPr txBox="1"/>
+          <p:nvPr/>
+        </p:nvSpPr>
+        <p:spPr>
+          <a:xfrm>
+            <a:off x="5163793" y="2583809"/>
+            <a:ext cx="745910" cy="369332"/>
+          </a:xfrm>
+          <a:prstGeom prst="rect">
+            <a:avLst/>
+          </a:prstGeom>
+          <a:noFill/>
+        </p:spPr>
+        <p:txBody>
+          <a:bodyPr wrap="none" rtlCol="0">
+            <a:spAutoFit/>
+          </a:bodyPr>
+          <a:lstStyle/>
+          <a:p>
+            <a:r>
+              <a:rPr lang="en-US" altLang="zh-CN" dirty="0"/>
+              <a:t>Token</a:t>
+            </a:r>
+            <a:endParaRPr lang="en-US" dirty="0"/>
+          </a:p>
+        </p:txBody>
+      </p:sp>
+      <p:sp>
+        <p:nvSpPr>
+          <p:cNvPr id="18" name="TextBox 17">
+            <a:extLst>
+              <a:ext uri="{FF2B5EF4-FFF2-40B4-BE49-F238E27FC236}">
+                <a16:creationId xmlns:a16="http://schemas.microsoft.com/office/drawing/2014/main" id="{69D7A599-2F8C-4D49-91F2-5A76FEF673EB}"/>
+              </a:ext>
+            </a:extLst>
+          </p:cNvPr>
+          <p:cNvSpPr txBox="1"/>
+          <p:nvPr/>
+        </p:nvSpPr>
+        <p:spPr>
+          <a:xfrm>
+            <a:off x="8168889" y="2583809"/>
+            <a:ext cx="1845890" cy="369332"/>
+          </a:xfrm>
+          <a:prstGeom prst="rect">
+            <a:avLst/>
+          </a:prstGeom>
+          <a:noFill/>
+        </p:spPr>
+        <p:txBody>
+          <a:bodyPr wrap="none" rtlCol="0">
+            <a:spAutoFit/>
+          </a:bodyPr>
+          <a:lstStyle/>
+          <a:p>
+            <a:r>
+              <a:rPr lang="en-US" dirty="0"/>
+              <a:t>Payment Gateway</a:t>
+            </a:r>
+          </a:p>
+        </p:txBody>
+      </p:sp>
+    </p:spTree>
+    <p:extLst>
+      <p:ext uri="{BB962C8B-B14F-4D97-AF65-F5344CB8AC3E}">
+        <p14:creationId xmlns:p14="http://schemas.microsoft.com/office/powerpoint/2010/main" val="3450648120"/>
+      </p:ext>
+    </p:extLst>
+  </p:cSld>
+  <p:clrMapOvr>
+    <a:masterClrMapping/>
+  </p:clrMapOvr>
+  <p:timing>
+    <p:tnLst>
+      <p:par>
+        <p:cTn id="1" dur="indefinite" restart="never" nodeType="tmRoot">
+          <p:childTnLst>
+            <p:seq concurrent="1" nextAc="seek">
+              <p:cTn id="2" dur="indefinite" nodeType="mainSeq">
+                <p:childTnLst>
+                  <p:par>
+                    <p:cTn id="3" fill="hold">
+                      <p:stCondLst>
+                        <p:cond delay="indefinite"/>
+                        <p:cond evt="onBegin" delay="0">
+                          <p:tn val="2"/>
+                        </p:cond>
+                      </p:stCondLst>
+                      <p:childTnLst>
+                        <p:par>
+                          <p:cTn id="4" fill="hold">
+                            <p:stCondLst>
+                              <p:cond delay="0"/>
+                            </p:stCondLst>
+                            <p:childTnLst>
+                              <p:par>
+                                <p:cTn id="5" presetID="1" presetClass="entr" presetSubtype="0" fill="hold" nodeType="withEffect">
+                                  <p:stCondLst>
+                                    <p:cond delay="0"/>
+                                  </p:stCondLst>
+                                  <p:childTnLst>
+                                    <p:set>
+                                      <p:cBhvr>
+                                        <p:cTn id="6" dur="1" fill="hold">
+                                          <p:stCondLst>
+                                            <p:cond delay="0"/>
+                                          </p:stCondLst>
+                                        </p:cTn>
+                                        <p:tgtEl>
+                                          <p:spTgt spid="9"/>
+                                        </p:tgtEl>
+                                        <p:attrNameLst>
+                                          <p:attrName>style.visibility</p:attrName>
+                                        </p:attrNameLst>
+                                      </p:cBhvr>
+                                      <p:to>
+                                        <p:strVal val="visible"/>
+                                      </p:to>
+                                    </p:set>
+                                  </p:childTnLst>
+                                </p:cTn>
+                              </p:par>
+                              <p:par>
+                                <p:cTn id="7" presetID="1" presetClass="entr" presetSubtype="0" fill="hold" nodeType="withEffect">
+                                  <p:stCondLst>
+                                    <p:cond delay="0"/>
+                                  </p:stCondLst>
+                                  <p:childTnLst>
+                                    <p:set>
+                                      <p:cBhvr>
+                                        <p:cTn id="8" dur="1" fill="hold">
+                                          <p:stCondLst>
+                                            <p:cond delay="0"/>
+                                          </p:stCondLst>
+                                        </p:cTn>
+                                        <p:tgtEl>
+                                          <p:spTgt spid="14"/>
+                                        </p:tgtEl>
+                                        <p:attrNameLst>
+                                          <p:attrName>style.visibility</p:attrName>
+                                        </p:attrNameLst>
+                                      </p:cBhvr>
+                                      <p:to>
+                                        <p:strVal val="visible"/>
+                                      </p:to>
+                                    </p:set>
+                                  </p:childTnLst>
+                                </p:cTn>
+                              </p:par>
+                              <p:par>
+                                <p:cTn id="9" presetID="1" presetClass="entr" presetSubtype="0" fill="hold" nodeType="withEffect">
+                                  <p:stCondLst>
+                                    <p:cond delay="0"/>
+                                  </p:stCondLst>
+                                  <p:childTnLst>
+                                    <p:set>
+                                      <p:cBhvr>
+                                        <p:cTn id="10" dur="1" fill="hold">
+                                          <p:stCondLst>
+                                            <p:cond delay="0"/>
+                                          </p:stCondLst>
+                                        </p:cTn>
+                                        <p:tgtEl>
+                                          <p:spTgt spid="11"/>
+                                        </p:tgtEl>
+                                        <p:attrNameLst>
+                                          <p:attrName>style.visibility</p:attrName>
+                                        </p:attrNameLst>
+                                      </p:cBhvr>
+                                      <p:to>
+                                        <p:strVal val="visible"/>
+                                      </p:to>
+                                    </p:set>
+                                  </p:childTnLst>
+                                </p:cTn>
+                              </p:par>
+                            </p:childTnLst>
+                          </p:cTn>
+                        </p:par>
+                      </p:childTnLst>
+                    </p:cTn>
+                  </p:par>
+                </p:childTnLst>
+              </p:cTn>
+              <p:prevCondLst>
+                <p:cond evt="onPrev" delay="0">
+                  <p:tgtEl>
+                    <p:sldTgt/>
+                  </p:tgtEl>
+                </p:cond>
+              </p:prevCondLst>
+              <p:nextCondLst>
+                <p:cond evt="onNext" delay="0">
+                  <p:tgtEl>
+                    <p:sldTgt/>
+                  </p:tgtEl>
+                </p:cond>
+              </p:nextCondLst>
+            </p:seq>
+          </p:childTnLst>
+        </p:cTn>
+      </p:par>
+    </p:tnLst>
+  </p:timing>
+</p:sld>
+</file>
+
+<file path=ppt/slides/slide5.xml><?xml version="1.0" encoding="utf-8"?>
+<p:sld xmlns:a="http://schemas.openxmlformats.org/drawingml/2006/main" xmlns:r="http://schemas.openxmlformats.org/officeDocument/2006/relationships" xmlns:p="http://schemas.openxmlformats.org/presentationml/2006/main" showMasterSp="0">
+  <p:cSld>
+    <p:bg>
+      <p:bgPr>
+        <a:pattFill prst="pct50">
+          <a:fgClr>
+            <a:schemeClr val="accent1"/>
+          </a:fgClr>
+          <a:bgClr>
+            <a:schemeClr val="bg1"/>
+          </a:bgClr>
+        </a:pattFill>
+        <a:effectLst/>
+      </p:bgPr>
+    </p:bg>
+    <p:spTree>
+      <p:nvGrpSpPr>
+        <p:cNvPr id="1" name=""/>
+        <p:cNvGrpSpPr/>
+        <p:nvPr/>
+      </p:nvGrpSpPr>
+      <p:grpSpPr>
+        <a:xfrm>
+          <a:off x="0" y="0"/>
+          <a:ext cx="0" cy="0"/>
+          <a:chOff x="0" y="0"/>
+          <a:chExt cx="0" cy="0"/>
+        </a:xfrm>
+      </p:grpSpPr>
+      <p:pic>
+        <p:nvPicPr>
+          <p:cNvPr id="9" name="Picture 8" descr="A picture containing shape&#10;&#10;Description automatically generated">
+            <a:extLst>
+              <a:ext uri="{FF2B5EF4-FFF2-40B4-BE49-F238E27FC236}">
+                <a16:creationId xmlns:a16="http://schemas.microsoft.com/office/drawing/2014/main" id="{640A2ED7-81DC-4F59-BDAE-991A11EC9783}"/>
+              </a:ext>
+            </a:extLst>
+          </p:cNvPr>
+          <p:cNvPicPr>
+            <a:picLocks noChangeAspect="1"/>
+          </p:cNvPicPr>
+          <p:nvPr/>
+        </p:nvPicPr>
+        <p:blipFill>
+          <a:blip r:embed="rId2">
+            <a:extLst>
+              <a:ext uri="{28A0092B-C50C-407E-A947-70E740481C1C}">
+                <a14:useLocalDpi xmlns:a14="http://schemas.microsoft.com/office/drawing/2010/main" val="0"/>
+              </a:ext>
+            </a:extLst>
+          </a:blip>
+          <a:stretch>
+            <a:fillRect/>
+          </a:stretch>
+        </p:blipFill>
+        <p:spPr>
+          <a:xfrm>
+            <a:off x="1081474" y="3119848"/>
+            <a:ext cx="2355014" cy="1206153"/>
+          </a:xfrm>
+          <a:prstGeom prst="rect">
+            <a:avLst/>
+          </a:prstGeom>
+        </p:spPr>
+      </p:pic>
+      <p:pic>
+        <p:nvPicPr>
+          <p:cNvPr id="11" name="Picture 10" descr="A picture containing bed, night, lit, luggage&#10;&#10;Description automatically generated">
+            <a:extLst>
+              <a:ext uri="{FF2B5EF4-FFF2-40B4-BE49-F238E27FC236}">
+                <a16:creationId xmlns:a16="http://schemas.microsoft.com/office/drawing/2014/main" id="{7F52A877-C000-47F4-B95E-9CB834017FB5}"/>
+              </a:ext>
+            </a:extLst>
+          </p:cNvPr>
+          <p:cNvPicPr>
+            <a:picLocks noChangeAspect="1"/>
+          </p:cNvPicPr>
+          <p:nvPr/>
+        </p:nvPicPr>
+        <p:blipFill>
+          <a:blip r:embed="rId3">
+            <a:extLst>
+              <a:ext uri="{28A0092B-C50C-407E-A947-70E740481C1C}">
+                <a14:useLocalDpi xmlns:a14="http://schemas.microsoft.com/office/drawing/2010/main" val="0"/>
+              </a:ext>
+            </a:extLst>
+          </a:blip>
+          <a:stretch>
+            <a:fillRect/>
+          </a:stretch>
+        </p:blipFill>
+        <p:spPr>
+          <a:xfrm>
+            <a:off x="8152437" y="3054933"/>
+            <a:ext cx="1206153" cy="1206153"/>
+          </a:xfrm>
+          <a:prstGeom prst="rect">
+            <a:avLst/>
+          </a:prstGeom>
+        </p:spPr>
+      </p:pic>
+      <p:pic>
+        <p:nvPicPr>
+          <p:cNvPr id="14" name="Picture 13" descr="A picture containing shape&#10;&#10;Description automatically generated">
+            <a:extLst>
+              <a:ext uri="{FF2B5EF4-FFF2-40B4-BE49-F238E27FC236}">
+                <a16:creationId xmlns:a16="http://schemas.microsoft.com/office/drawing/2014/main" id="{1E8F0CEC-B4AB-4AFE-B553-491243E0CAAD}"/>
+              </a:ext>
+            </a:extLst>
+          </p:cNvPr>
+          <p:cNvPicPr>
+            <a:picLocks noChangeAspect="1"/>
+          </p:cNvPicPr>
+          <p:nvPr/>
+        </p:nvPicPr>
+        <p:blipFill>
+          <a:blip r:embed="rId4">
+            <a:extLst>
+              <a:ext uri="{28A0092B-C50C-407E-A947-70E740481C1C}">
+                <a14:useLocalDpi xmlns:a14="http://schemas.microsoft.com/office/drawing/2010/main" val="0"/>
+              </a:ext>
+            </a:extLst>
+          </a:blip>
+          <a:stretch>
+            <a:fillRect/>
+          </a:stretch>
+        </p:blipFill>
+        <p:spPr>
+          <a:xfrm>
+            <a:off x="5163793" y="3184761"/>
+            <a:ext cx="1076325" cy="1076325"/>
+          </a:xfrm>
+          <a:prstGeom prst="rect">
+            <a:avLst/>
+          </a:prstGeom>
+        </p:spPr>
+      </p:pic>
+      <p:sp>
+        <p:nvSpPr>
+          <p:cNvPr id="15" name="TextBox 14">
+            <a:extLst>
+              <a:ext uri="{FF2B5EF4-FFF2-40B4-BE49-F238E27FC236}">
+                <a16:creationId xmlns:a16="http://schemas.microsoft.com/office/drawing/2014/main" id="{F6F4B97B-03F7-4004-B779-66ED40C2CD4D}"/>
+              </a:ext>
+            </a:extLst>
+          </p:cNvPr>
+          <p:cNvSpPr txBox="1"/>
+          <p:nvPr/>
+        </p:nvSpPr>
+        <p:spPr>
+          <a:xfrm>
+            <a:off x="11186056" y="278212"/>
+            <a:ext cx="1203379" cy="1200329"/>
+          </a:xfrm>
+          <a:prstGeom prst="rect">
+            <a:avLst/>
+          </a:prstGeom>
+          <a:noFill/>
+        </p:spPr>
+        <p:txBody>
+          <a:bodyPr wrap="square" rtlCol="0">
+            <a:spAutoFit/>
+          </a:bodyPr>
+          <a:lstStyle/>
+          <a:p>
+            <a:r>
+              <a:rPr lang="en-US" dirty="0"/>
+              <a:t>Items</a:t>
+            </a:r>
+          </a:p>
+          <a:p>
+            <a:endParaRPr lang="en-US" dirty="0"/>
+          </a:p>
+          <a:p>
+            <a:r>
+              <a:rPr lang="en-US" dirty="0"/>
+              <a:t>1.Token A</a:t>
+            </a:r>
+          </a:p>
+          <a:p>
+            <a:r>
+              <a:rPr lang="en-US" dirty="0"/>
+              <a:t>2.iCloud</a:t>
+            </a:r>
+          </a:p>
+        </p:txBody>
+      </p:sp>
+      <p:sp>
+        <p:nvSpPr>
+          <p:cNvPr id="16" name="TextBox 15">
+            <a:extLst>
+              <a:ext uri="{FF2B5EF4-FFF2-40B4-BE49-F238E27FC236}">
+                <a16:creationId xmlns:a16="http://schemas.microsoft.com/office/drawing/2014/main" id="{D9E59151-58F1-4302-9479-D429E81B218D}"/>
+              </a:ext>
+            </a:extLst>
+          </p:cNvPr>
+          <p:cNvSpPr txBox="1"/>
+          <p:nvPr/>
+        </p:nvSpPr>
+        <p:spPr>
+          <a:xfrm>
+            <a:off x="516875" y="2563100"/>
+            <a:ext cx="4104908" cy="307777"/>
+          </a:xfrm>
+          <a:prstGeom prst="rect">
+            <a:avLst/>
+          </a:prstGeom>
+          <a:noFill/>
+        </p:spPr>
+        <p:txBody>
+          <a:bodyPr wrap="square" rtlCol="0">
+            <a:spAutoFit/>
+          </a:bodyPr>
+          <a:lstStyle/>
+          <a:p>
+            <a:r>
+              <a:rPr lang="en-US" sz="1400" dirty="0"/>
+              <a:t>Hi, I want to make MYR 400 for iCloud to Apple Inc</a:t>
+            </a:r>
+          </a:p>
+        </p:txBody>
+      </p:sp>
+      <p:sp>
+        <p:nvSpPr>
+          <p:cNvPr id="2" name="TextBox 1">
+            <a:extLst>
+              <a:ext uri="{FF2B5EF4-FFF2-40B4-BE49-F238E27FC236}">
+                <a16:creationId xmlns:a16="http://schemas.microsoft.com/office/drawing/2014/main" id="{2E47B98A-CD7F-4F1C-BB43-C241F2FA4066}"/>
+              </a:ext>
+            </a:extLst>
+          </p:cNvPr>
+          <p:cNvSpPr txBox="1"/>
+          <p:nvPr/>
+        </p:nvSpPr>
+        <p:spPr>
+          <a:xfrm>
+            <a:off x="4858070" y="2563100"/>
+            <a:ext cx="1867306" cy="307777"/>
+          </a:xfrm>
+          <a:prstGeom prst="rect">
+            <a:avLst/>
+          </a:prstGeom>
+          <a:noFill/>
+        </p:spPr>
+        <p:txBody>
+          <a:bodyPr wrap="none" rtlCol="0">
+            <a:spAutoFit/>
+          </a:bodyPr>
+          <a:lstStyle/>
+          <a:p>
+            <a:r>
+              <a:rPr lang="en-US" sz="1400" dirty="0"/>
+              <a:t>Token A  | MYR 400.00</a:t>
+            </a:r>
+          </a:p>
+        </p:txBody>
+      </p:sp>
+      <p:cxnSp>
+        <p:nvCxnSpPr>
+          <p:cNvPr id="4" name="Straight Arrow Connector 3">
+            <a:extLst>
+              <a:ext uri="{FF2B5EF4-FFF2-40B4-BE49-F238E27FC236}">
+                <a16:creationId xmlns:a16="http://schemas.microsoft.com/office/drawing/2014/main" id="{C27F9C5C-0047-4258-8D9F-5814D551B2E2}"/>
+              </a:ext>
+            </a:extLst>
+          </p:cNvPr>
+          <p:cNvCxnSpPr>
+            <a:cxnSpLocks/>
+            <a:stCxn id="9" idx="3"/>
+          </p:cNvCxnSpPr>
+          <p:nvPr/>
+        </p:nvCxnSpPr>
+        <p:spPr>
+          <a:xfrm flipV="1">
+            <a:off x="3436488" y="3722923"/>
+            <a:ext cx="764037" cy="2"/>
+          </a:xfrm>
+          <a:prstGeom prst="straightConnector1">
+            <a:avLst/>
+          </a:prstGeom>
+          <a:ln>
+            <a:tailEnd type="triangle"/>
+          </a:ln>
+        </p:spPr>
+        <p:style>
+          <a:lnRef idx="1">
+            <a:schemeClr val="accent1"/>
+          </a:lnRef>
+          <a:fillRef idx="0">
+            <a:schemeClr val="accent1"/>
+          </a:fillRef>
+          <a:effectRef idx="0">
+            <a:schemeClr val="accent1"/>
+          </a:effectRef>
+          <a:fontRef idx="minor">
+            <a:schemeClr val="tx1"/>
+          </a:fontRef>
+        </p:style>
+      </p:cxnSp>
+      <p:sp>
+        <p:nvSpPr>
+          <p:cNvPr id="24" name="TextBox 23">
+            <a:extLst>
+              <a:ext uri="{FF2B5EF4-FFF2-40B4-BE49-F238E27FC236}">
+                <a16:creationId xmlns:a16="http://schemas.microsoft.com/office/drawing/2014/main" id="{A52A5225-F2EC-4D80-ACED-3637410E4F53}"/>
+              </a:ext>
+            </a:extLst>
+          </p:cNvPr>
+          <p:cNvSpPr txBox="1"/>
+          <p:nvPr/>
+        </p:nvSpPr>
+        <p:spPr>
+          <a:xfrm>
+            <a:off x="10030732" y="278212"/>
+            <a:ext cx="833754" cy="1477328"/>
+          </a:xfrm>
+          <a:prstGeom prst="rect">
+            <a:avLst/>
+          </a:prstGeom>
+          <a:noFill/>
+        </p:spPr>
+        <p:txBody>
+          <a:bodyPr wrap="none" rtlCol="0">
+            <a:spAutoFit/>
+          </a:bodyPr>
+          <a:lstStyle/>
+          <a:p>
+            <a:r>
+              <a:rPr lang="en-US" dirty="0"/>
+              <a:t>Savings</a:t>
+            </a:r>
+          </a:p>
+          <a:p>
+            <a:endParaRPr lang="en-US" dirty="0"/>
+          </a:p>
+          <a:p>
+            <a:r>
+              <a:rPr lang="en-US" dirty="0"/>
+              <a:t>500.00</a:t>
+            </a:r>
+          </a:p>
+          <a:p>
+            <a:r>
+              <a:rPr lang="en-US" dirty="0"/>
+              <a:t>100.00</a:t>
+            </a:r>
+          </a:p>
+          <a:p>
+            <a:endParaRPr lang="en-US" dirty="0"/>
+          </a:p>
+        </p:txBody>
+      </p:sp>
+      <p:sp>
+        <p:nvSpPr>
+          <p:cNvPr id="27" name="TextBox 26">
+            <a:extLst>
+              <a:ext uri="{FF2B5EF4-FFF2-40B4-BE49-F238E27FC236}">
+                <a16:creationId xmlns:a16="http://schemas.microsoft.com/office/drawing/2014/main" id="{F5C412B5-F0C1-4CA8-830E-AEB8032E4DB0}"/>
+              </a:ext>
+            </a:extLst>
+          </p:cNvPr>
+          <p:cNvSpPr txBox="1"/>
+          <p:nvPr/>
+        </p:nvSpPr>
+        <p:spPr>
+          <a:xfrm flipH="1">
+            <a:off x="7197951" y="2455378"/>
+            <a:ext cx="4633937" cy="523220"/>
+          </a:xfrm>
+          <a:prstGeom prst="rect">
+            <a:avLst/>
+          </a:prstGeom>
+          <a:noFill/>
+        </p:spPr>
+        <p:txBody>
+          <a:bodyPr wrap="square" rtlCol="0">
+            <a:spAutoFit/>
+          </a:bodyPr>
+          <a:lstStyle/>
+          <a:p>
+            <a:r>
+              <a:rPr lang="en-US" sz="1400" dirty="0"/>
+              <a:t>Hi, here is the Token A. </a:t>
+            </a:r>
+            <a:br>
+              <a:rPr lang="en-US" sz="1400" dirty="0"/>
+            </a:br>
+            <a:r>
+              <a:rPr lang="en-US" sz="1400" dirty="0"/>
+              <a:t>Give me the receipt of MYR 400.00 and iCloud Subscription</a:t>
+            </a:r>
+          </a:p>
+        </p:txBody>
+      </p:sp>
+      <p:cxnSp>
+        <p:nvCxnSpPr>
+          <p:cNvPr id="37" name="Straight Arrow Connector 36">
+            <a:extLst>
+              <a:ext uri="{FF2B5EF4-FFF2-40B4-BE49-F238E27FC236}">
+                <a16:creationId xmlns:a16="http://schemas.microsoft.com/office/drawing/2014/main" id="{5518CB1C-F879-4246-BD0A-704DEF1B4B7C}"/>
+              </a:ext>
+            </a:extLst>
+          </p:cNvPr>
+          <p:cNvCxnSpPr>
+            <a:cxnSpLocks/>
+          </p:cNvCxnSpPr>
+          <p:nvPr/>
+        </p:nvCxnSpPr>
+        <p:spPr>
+          <a:xfrm flipV="1">
+            <a:off x="6815932" y="3658007"/>
+            <a:ext cx="764037" cy="2"/>
+          </a:xfrm>
+          <a:prstGeom prst="straightConnector1">
+            <a:avLst/>
+          </a:prstGeom>
+          <a:ln>
+            <a:tailEnd type="triangle"/>
+          </a:ln>
+        </p:spPr>
+        <p:style>
+          <a:lnRef idx="1">
+            <a:schemeClr val="accent1"/>
+          </a:lnRef>
+          <a:fillRef idx="0">
+            <a:schemeClr val="accent1"/>
+          </a:fillRef>
+          <a:effectRef idx="0">
+            <a:schemeClr val="accent1"/>
+          </a:effectRef>
+          <a:fontRef idx="minor">
+            <a:schemeClr val="tx1"/>
+          </a:fontRef>
+        </p:style>
+      </p:cxnSp>
+      <p:cxnSp>
+        <p:nvCxnSpPr>
+          <p:cNvPr id="5" name="Straight Connector 4">
+            <a:extLst>
+              <a:ext uri="{FF2B5EF4-FFF2-40B4-BE49-F238E27FC236}">
+                <a16:creationId xmlns:a16="http://schemas.microsoft.com/office/drawing/2014/main" id="{F2E4138E-1982-441B-AFD5-7F6D5B0F1766}"/>
+              </a:ext>
+            </a:extLst>
+          </p:cNvPr>
+          <p:cNvCxnSpPr/>
+          <p:nvPr/>
+        </p:nvCxnSpPr>
+        <p:spPr>
+          <a:xfrm>
+            <a:off x="10030732" y="997052"/>
+            <a:ext cx="833754" cy="0"/>
+          </a:xfrm>
+          <a:prstGeom prst="line">
+            <a:avLst/>
+          </a:prstGeom>
+        </p:spPr>
+        <p:style>
+          <a:lnRef idx="1">
+            <a:schemeClr val="accent1"/>
+          </a:lnRef>
+          <a:fillRef idx="0">
+            <a:schemeClr val="accent1"/>
+          </a:fillRef>
+          <a:effectRef idx="0">
+            <a:schemeClr val="accent1"/>
+          </a:effectRef>
+          <a:fontRef idx="minor">
+            <a:schemeClr val="tx1"/>
+          </a:fontRef>
+        </p:style>
+      </p:cxnSp>
+      <p:sp>
+        <p:nvSpPr>
+          <p:cNvPr id="7" name="TextBox 6">
+            <a:extLst>
+              <a:ext uri="{FF2B5EF4-FFF2-40B4-BE49-F238E27FC236}">
+                <a16:creationId xmlns:a16="http://schemas.microsoft.com/office/drawing/2014/main" id="{B1080114-8D3C-4B33-B0FD-23E281737307}"/>
+              </a:ext>
+            </a:extLst>
+          </p:cNvPr>
+          <p:cNvSpPr txBox="1"/>
+          <p:nvPr/>
+        </p:nvSpPr>
+        <p:spPr>
+          <a:xfrm>
+            <a:off x="148024" y="93546"/>
+            <a:ext cx="3263394" cy="369332"/>
+          </a:xfrm>
+          <a:prstGeom prst="rect">
+            <a:avLst/>
+          </a:prstGeom>
+          <a:noFill/>
+        </p:spPr>
+        <p:txBody>
+          <a:bodyPr wrap="none" rtlCol="0">
+            <a:spAutoFit/>
+          </a:bodyPr>
+          <a:lstStyle/>
+          <a:p>
+            <a:r>
+              <a:rPr lang="en-US" dirty="0"/>
+              <a:t>Scenario A |  Normal Transaction</a:t>
+            </a:r>
+          </a:p>
+        </p:txBody>
+      </p:sp>
+    </p:spTree>
+    <p:extLst>
+      <p:ext uri="{BB962C8B-B14F-4D97-AF65-F5344CB8AC3E}">
+        <p14:creationId xmlns:p14="http://schemas.microsoft.com/office/powerpoint/2010/main" val="570896715"/>
+      </p:ext>
+    </p:extLst>
+  </p:cSld>
+  <p:clrMapOvr>
+    <a:masterClrMapping/>
+  </p:clrMapOvr>
+  <p:timing>
+    <p:tnLst>
+      <p:par>
+        <p:cTn id="1" dur="indefinite" restart="never" nodeType="tmRoot">
+          <p:childTnLst>
+            <p:seq concurrent="1" nextAc="seek">
+              <p:cTn id="2" dur="indefinite" nodeType="mainSeq">
+                <p:childTnLst>
+                  <p:par>
+                    <p:cTn id="3" fill="hold">
+                      <p:stCondLst>
+                        <p:cond delay="indefinite"/>
+                      </p:stCondLst>
+                      <p:childTnLst>
+                        <p:par>
+                          <p:cTn id="4" fill="hold">
+                            <p:stCondLst>
+                              <p:cond delay="0"/>
+                            </p:stCondLst>
+                            <p:childTnLst>
+                              <p:par>
+                                <p:cTn id="5" presetID="1" presetClass="entr" presetSubtype="0" fill="hold" nodeType="clickEffect">
+                                  <p:stCondLst>
+                                    <p:cond delay="0"/>
+                                  </p:stCondLst>
+                                  <p:childTnLst>
+                                    <p:set>
+                                      <p:cBhvr>
+                                        <p:cTn id="6" dur="1" fill="hold">
+                                          <p:stCondLst>
+                                            <p:cond delay="0"/>
+                                          </p:stCondLst>
+                                        </p:cTn>
+                                        <p:tgtEl>
+                                          <p:spTgt spid="24">
+                                            <p:txEl>
+                                              <p:pRg st="2" end="2"/>
+                                            </p:txEl>
+                                          </p:spTgt>
+                                        </p:tgtEl>
+                                        <p:attrNameLst>
+                                          <p:attrName>style.visibility</p:attrName>
+                                        </p:attrNameLst>
+                                      </p:cBhvr>
+                                      <p:to>
+                                        <p:strVal val="visible"/>
+                                      </p:to>
+                                    </p:set>
+                                  </p:childTnLst>
+                                </p:cTn>
+                              </p:par>
+                            </p:childTnLst>
+                          </p:cTn>
+                        </p:par>
+                      </p:childTnLst>
+                    </p:cTn>
+                  </p:par>
+                  <p:par>
+                    <p:cTn id="7" fill="hold">
+                      <p:stCondLst>
+                        <p:cond delay="indefinite"/>
+                      </p:stCondLst>
+                      <p:childTnLst>
+                        <p:par>
+                          <p:cTn id="8" fill="hold">
+                            <p:stCondLst>
+                              <p:cond delay="0"/>
+                            </p:stCondLst>
+                            <p:childTnLst>
+                              <p:par>
+                                <p:cTn id="9" presetID="1" presetClass="entr" presetSubtype="0" fill="hold" grpId="0" nodeType="clickEffect">
+                                  <p:stCondLst>
+                                    <p:cond delay="0"/>
+                                  </p:stCondLst>
+                                  <p:childTnLst>
+                                    <p:set>
+                                      <p:cBhvr>
+                                        <p:cTn id="10" dur="1" fill="hold">
+                                          <p:stCondLst>
+                                            <p:cond delay="0"/>
+                                          </p:stCondLst>
+                                        </p:cTn>
+                                        <p:tgtEl>
+                                          <p:spTgt spid="16"/>
+                                        </p:tgtEl>
+                                        <p:attrNameLst>
+                                          <p:attrName>style.visibility</p:attrName>
+                                        </p:attrNameLst>
+                                      </p:cBhvr>
+                                      <p:to>
+                                        <p:strVal val="visible"/>
+                                      </p:to>
+                                    </p:set>
+                                  </p:childTnLst>
+                                </p:cTn>
+                              </p:par>
+                              <p:par>
+                                <p:cTn id="11" presetID="1" presetClass="entr" presetSubtype="0" fill="hold" nodeType="withEffect">
+                                  <p:stCondLst>
+                                    <p:cond delay="0"/>
+                                  </p:stCondLst>
+                                  <p:childTnLst>
+                                    <p:set>
+                                      <p:cBhvr>
+                                        <p:cTn id="12" dur="1" fill="hold">
+                                          <p:stCondLst>
+                                            <p:cond delay="0"/>
+                                          </p:stCondLst>
+                                        </p:cTn>
+                                        <p:tgtEl>
+                                          <p:spTgt spid="9"/>
+                                        </p:tgtEl>
+                                        <p:attrNameLst>
+                                          <p:attrName>style.visibility</p:attrName>
+                                        </p:attrNameLst>
+                                      </p:cBhvr>
+                                      <p:to>
+                                        <p:strVal val="visible"/>
+                                      </p:to>
+                                    </p:set>
+                                  </p:childTnLst>
+                                </p:cTn>
+                              </p:par>
+                            </p:childTnLst>
+                          </p:cTn>
+                        </p:par>
+                      </p:childTnLst>
+                    </p:cTn>
+                  </p:par>
+                  <p:par>
+                    <p:cTn id="13" fill="hold">
+                      <p:stCondLst>
+                        <p:cond delay="indefinite"/>
+                      </p:stCondLst>
+                      <p:childTnLst>
+                        <p:par>
+                          <p:cTn id="14" fill="hold">
+                            <p:stCondLst>
+                              <p:cond delay="0"/>
+                            </p:stCondLst>
+                            <p:childTnLst>
+                              <p:par>
+                                <p:cTn id="15" presetID="1" presetClass="entr" presetSubtype="0" fill="hold" nodeType="clickEffect">
+                                  <p:stCondLst>
+                                    <p:cond delay="0"/>
+                                  </p:stCondLst>
+                                  <p:childTnLst>
+                                    <p:set>
+                                      <p:cBhvr>
+                                        <p:cTn id="16" dur="1" fill="hold">
+                                          <p:stCondLst>
+                                            <p:cond delay="0"/>
+                                          </p:stCondLst>
+                                        </p:cTn>
+                                        <p:tgtEl>
+                                          <p:spTgt spid="4"/>
+                                        </p:tgtEl>
+                                        <p:attrNameLst>
+                                          <p:attrName>style.visibility</p:attrName>
+                                        </p:attrNameLst>
+                                      </p:cBhvr>
+                                      <p:to>
+                                        <p:strVal val="visible"/>
+                                      </p:to>
+                                    </p:set>
+                                  </p:childTnLst>
+                                </p:cTn>
+                              </p:par>
+                              <p:par>
+                                <p:cTn id="17" presetID="1" presetClass="entr" presetSubtype="0" fill="hold" grpId="0" nodeType="withEffect">
+                                  <p:stCondLst>
+                                    <p:cond delay="0"/>
+                                  </p:stCondLst>
+                                  <p:childTnLst>
+                                    <p:set>
+                                      <p:cBhvr>
+                                        <p:cTn id="18" dur="1" fill="hold">
+                                          <p:stCondLst>
+                                            <p:cond delay="0"/>
+                                          </p:stCondLst>
+                                        </p:cTn>
+                                        <p:tgtEl>
+                                          <p:spTgt spid="2"/>
+                                        </p:tgtEl>
+                                        <p:attrNameLst>
+                                          <p:attrName>style.visibility</p:attrName>
+                                        </p:attrNameLst>
+                                      </p:cBhvr>
+                                      <p:to>
+                                        <p:strVal val="visible"/>
+                                      </p:to>
+                                    </p:set>
+                                  </p:childTnLst>
+                                </p:cTn>
+                              </p:par>
+                              <p:par>
+                                <p:cTn id="19" presetID="1" presetClass="entr" presetSubtype="0" fill="hold" nodeType="withEffect">
+                                  <p:stCondLst>
+                                    <p:cond delay="0"/>
+                                  </p:stCondLst>
+                                  <p:childTnLst>
+                                    <p:set>
+                                      <p:cBhvr>
+                                        <p:cTn id="20" dur="1" fill="hold">
+                                          <p:stCondLst>
+                                            <p:cond delay="0"/>
+                                          </p:stCondLst>
+                                        </p:cTn>
+                                        <p:tgtEl>
+                                          <p:spTgt spid="14"/>
+                                        </p:tgtEl>
+                                        <p:attrNameLst>
+                                          <p:attrName>style.visibility</p:attrName>
+                                        </p:attrNameLst>
+                                      </p:cBhvr>
+                                      <p:to>
+                                        <p:strVal val="visible"/>
+                                      </p:to>
+                                    </p:set>
+                                  </p:childTnLst>
+                                </p:cTn>
+                              </p:par>
+                            </p:childTnLst>
+                          </p:cTn>
+                        </p:par>
+                      </p:childTnLst>
+                    </p:cTn>
+                  </p:par>
+                  <p:par>
+                    <p:cTn id="21" fill="hold">
+                      <p:stCondLst>
+                        <p:cond delay="indefinite"/>
+                      </p:stCondLst>
+                      <p:childTnLst>
+                        <p:par>
+                          <p:cTn id="22" fill="hold">
+                            <p:stCondLst>
+                              <p:cond delay="0"/>
+                            </p:stCondLst>
+                            <p:childTnLst>
+                              <p:par>
+                                <p:cTn id="23" presetID="1" presetClass="entr" presetSubtype="0" fill="hold" nodeType="clickEffect">
+                                  <p:stCondLst>
+                                    <p:cond delay="0"/>
+                                  </p:stCondLst>
+                                  <p:childTnLst>
+                                    <p:set>
+                                      <p:cBhvr>
+                                        <p:cTn id="24" dur="1" fill="hold">
+                                          <p:stCondLst>
+                                            <p:cond delay="0"/>
+                                          </p:stCondLst>
+                                        </p:cTn>
+                                        <p:tgtEl>
+                                          <p:spTgt spid="15">
+                                            <p:txEl>
+                                              <p:pRg st="2" end="2"/>
+                                            </p:txEl>
+                                          </p:spTgt>
+                                        </p:tgtEl>
+                                        <p:attrNameLst>
+                                          <p:attrName>style.visibility</p:attrName>
+                                        </p:attrNameLst>
+                                      </p:cBhvr>
+                                      <p:to>
+                                        <p:strVal val="visible"/>
+                                      </p:to>
+                                    </p:set>
+                                  </p:childTnLst>
+                                </p:cTn>
+                              </p:par>
+                            </p:childTnLst>
+                          </p:cTn>
+                        </p:par>
+                      </p:childTnLst>
+                    </p:cTn>
+                  </p:par>
+                  <p:par>
+                    <p:cTn id="25" fill="hold">
+                      <p:stCondLst>
+                        <p:cond delay="indefinite"/>
+                      </p:stCondLst>
+                      <p:childTnLst>
+                        <p:par>
+                          <p:cTn id="26" fill="hold">
+                            <p:stCondLst>
+                              <p:cond delay="0"/>
+                            </p:stCondLst>
+                            <p:childTnLst>
+                              <p:par>
+                                <p:cTn id="27" presetID="1" presetClass="entr" presetSubtype="0" fill="hold" nodeType="clickEffect">
+                                  <p:stCondLst>
+                                    <p:cond delay="0"/>
+                                  </p:stCondLst>
+                                  <p:childTnLst>
+                                    <p:set>
+                                      <p:cBhvr>
+                                        <p:cTn id="28" dur="1" fill="hold">
+                                          <p:stCondLst>
+                                            <p:cond delay="0"/>
+                                          </p:stCondLst>
+                                        </p:cTn>
+                                        <p:tgtEl>
+                                          <p:spTgt spid="37"/>
+                                        </p:tgtEl>
+                                        <p:attrNameLst>
+                                          <p:attrName>style.visibility</p:attrName>
+                                        </p:attrNameLst>
+                                      </p:cBhvr>
+                                      <p:to>
+                                        <p:strVal val="visible"/>
+                                      </p:to>
+                                    </p:set>
+                                  </p:childTnLst>
+                                </p:cTn>
+                              </p:par>
+                              <p:par>
+                                <p:cTn id="29" presetID="1" presetClass="entr" presetSubtype="0" fill="hold" grpId="0" nodeType="withEffect">
+                                  <p:stCondLst>
+                                    <p:cond delay="0"/>
+                                  </p:stCondLst>
+                                  <p:childTnLst>
+                                    <p:set>
+                                      <p:cBhvr>
+                                        <p:cTn id="30" dur="1" fill="hold">
+                                          <p:stCondLst>
+                                            <p:cond delay="0"/>
+                                          </p:stCondLst>
+                                        </p:cTn>
+                                        <p:tgtEl>
+                                          <p:spTgt spid="27"/>
+                                        </p:tgtEl>
+                                        <p:attrNameLst>
+                                          <p:attrName>style.visibility</p:attrName>
+                                        </p:attrNameLst>
+                                      </p:cBhvr>
+                                      <p:to>
+                                        <p:strVal val="visible"/>
+                                      </p:to>
+                                    </p:set>
+                                  </p:childTnLst>
+                                </p:cTn>
+                              </p:par>
+                              <p:par>
+                                <p:cTn id="31" presetID="1" presetClass="entr" presetSubtype="0" fill="hold" nodeType="withEffect">
+                                  <p:stCondLst>
+                                    <p:cond delay="0"/>
+                                  </p:stCondLst>
+                                  <p:childTnLst>
+                                    <p:set>
+                                      <p:cBhvr>
+                                        <p:cTn id="32" dur="1" fill="hold">
+                                          <p:stCondLst>
+                                            <p:cond delay="0"/>
+                                          </p:stCondLst>
+                                        </p:cTn>
+                                        <p:tgtEl>
+                                          <p:spTgt spid="11"/>
+                                        </p:tgtEl>
+                                        <p:attrNameLst>
+                                          <p:attrName>style.visibility</p:attrName>
+                                        </p:attrNameLst>
+                                      </p:cBhvr>
+                                      <p:to>
+                                        <p:strVal val="visible"/>
+                                      </p:to>
+                                    </p:set>
+                                  </p:childTnLst>
+                                </p:cTn>
+                              </p:par>
+                            </p:childTnLst>
+                          </p:cTn>
+                        </p:par>
+                      </p:childTnLst>
+                    </p:cTn>
+                  </p:par>
+                  <p:par>
+                    <p:cTn id="33" fill="hold">
+                      <p:stCondLst>
+                        <p:cond delay="indefinite"/>
+                      </p:stCondLst>
+                      <p:childTnLst>
+                        <p:par>
+                          <p:cTn id="34" fill="hold">
+                            <p:stCondLst>
+                              <p:cond delay="0"/>
+                            </p:stCondLst>
+                            <p:childTnLst>
+                              <p:par>
+                                <p:cTn id="35" presetID="1" presetClass="entr" presetSubtype="0" fill="hold" nodeType="clickEffect">
+                                  <p:stCondLst>
+                                    <p:cond delay="0"/>
+                                  </p:stCondLst>
+                                  <p:childTnLst>
+                                    <p:set>
+                                      <p:cBhvr>
+                                        <p:cTn id="36" dur="1" fill="hold">
+                                          <p:stCondLst>
+                                            <p:cond delay="0"/>
+                                          </p:stCondLst>
+                                        </p:cTn>
+                                        <p:tgtEl>
+                                          <p:spTgt spid="15">
+                                            <p:txEl>
+                                              <p:pRg st="3" end="3"/>
+                                            </p:txEl>
+                                          </p:spTgt>
+                                        </p:tgtEl>
+                                        <p:attrNameLst>
+                                          <p:attrName>style.visibility</p:attrName>
+                                        </p:attrNameLst>
+                                      </p:cBhvr>
+                                      <p:to>
+                                        <p:strVal val="visible"/>
+                                      </p:to>
+                                    </p:set>
+                                  </p:childTnLst>
+                                </p:cTn>
+                              </p:par>
+                            </p:childTnLst>
+                          </p:cTn>
+                        </p:par>
+                      </p:childTnLst>
+                    </p:cTn>
+                  </p:par>
+                  <p:par>
+                    <p:cTn id="37" fill="hold">
+                      <p:stCondLst>
+                        <p:cond delay="indefinite"/>
+                      </p:stCondLst>
+                      <p:childTnLst>
+                        <p:par>
+                          <p:cTn id="38" fill="hold">
+                            <p:stCondLst>
+                              <p:cond delay="0"/>
+                            </p:stCondLst>
+                            <p:childTnLst>
+                              <p:par>
+                                <p:cTn id="39" presetID="1" presetClass="entr" presetSubtype="0" fill="hold" nodeType="clickEffect">
+                                  <p:stCondLst>
+                                    <p:cond delay="0"/>
+                                  </p:stCondLst>
+                                  <p:childTnLst>
+                                    <p:set>
+                                      <p:cBhvr>
+                                        <p:cTn id="40" dur="1" fill="hold">
+                                          <p:stCondLst>
+                                            <p:cond delay="0"/>
+                                          </p:stCondLst>
+                                        </p:cTn>
+                                        <p:tgtEl>
+                                          <p:spTgt spid="5"/>
+                                        </p:tgtEl>
+                                        <p:attrNameLst>
+                                          <p:attrName>style.visibility</p:attrName>
+                                        </p:attrNameLst>
+                                      </p:cBhvr>
+                                      <p:to>
+                                        <p:strVal val="visible"/>
+                                      </p:to>
+                                    </p:set>
+                                  </p:childTnLst>
+                                </p:cTn>
+                              </p:par>
+                            </p:childTnLst>
+                          </p:cTn>
+                        </p:par>
+                      </p:childTnLst>
+                    </p:cTn>
+                  </p:par>
+                  <p:par>
+                    <p:cTn id="41" fill="hold">
+                      <p:stCondLst>
+                        <p:cond delay="indefinite"/>
+                      </p:stCondLst>
+                      <p:childTnLst>
+                        <p:par>
+                          <p:cTn id="42" fill="hold">
+                            <p:stCondLst>
+                              <p:cond delay="0"/>
+                            </p:stCondLst>
+                            <p:childTnLst>
+                              <p:par>
+                                <p:cTn id="43" presetID="1" presetClass="entr" presetSubtype="0" fill="hold" nodeType="clickEffect">
+                                  <p:stCondLst>
+                                    <p:cond delay="0"/>
+                                  </p:stCondLst>
+                                  <p:childTnLst>
+                                    <p:set>
+                                      <p:cBhvr>
+                                        <p:cTn id="44" dur="1" fill="hold">
+                                          <p:stCondLst>
+                                            <p:cond delay="0"/>
+                                          </p:stCondLst>
+                                        </p:cTn>
+                                        <p:tgtEl>
+                                          <p:spTgt spid="24">
+                                            <p:txEl>
+                                              <p:pRg st="3" end="3"/>
+                                            </p:txEl>
+                                          </p:spTgt>
+                                        </p:tgtEl>
+                                        <p:attrNameLst>
+                                          <p:attrName>style.visibility</p:attrName>
+                                        </p:attrNameLst>
+                                      </p:cBhvr>
+                                      <p:to>
+                                        <p:strVal val="visible"/>
+                                      </p:to>
+                                    </p:set>
+                                  </p:childTnLst>
+                                </p:cTn>
+                              </p:par>
+                            </p:childTnLst>
+                          </p:cTn>
+                        </p:par>
+                      </p:childTnLst>
+                    </p:cTn>
+                  </p:par>
+                </p:childTnLst>
+              </p:cTn>
+              <p:prevCondLst>
+                <p:cond evt="onPrev" delay="0">
+                  <p:tgtEl>
+                    <p:sldTgt/>
+                  </p:tgtEl>
+                </p:cond>
+              </p:prevCondLst>
+              <p:nextCondLst>
+                <p:cond evt="onNext" delay="0">
+                  <p:tgtEl>
+                    <p:sldTgt/>
+                  </p:tgtEl>
+                </p:cond>
+              </p:nextCondLst>
+            </p:seq>
+          </p:childTnLst>
+        </p:cTn>
+      </p:par>
+    </p:tnLst>
+    <p:bldLst>
+      <p:bldP spid="16" grpId="0"/>
+      <p:bldP spid="2" grpId="0"/>
+      <p:bldP spid="27" grpId="0"/>
+    </p:bldLst>
+  </p:timing>
+</p:sld>
+</file>
+
+<file path=ppt/slides/slide6.xml><?xml version="1.0" encoding="utf-8"?>
+<p:sld xmlns:a="http://schemas.openxmlformats.org/drawingml/2006/main" xmlns:r="http://schemas.openxmlformats.org/officeDocument/2006/relationships" xmlns:p="http://schemas.openxmlformats.org/presentationml/2006/main" showMasterSp="0">
+  <p:cSld>
+    <p:bg>
+      <p:bgPr>
+        <a:pattFill prst="pct50">
+          <a:fgClr>
+            <a:schemeClr val="accent1"/>
+          </a:fgClr>
+          <a:bgClr>
+            <a:schemeClr val="bg1"/>
+          </a:bgClr>
+        </a:pattFill>
+        <a:effectLst/>
+      </p:bgPr>
+    </p:bg>
+    <p:spTree>
+      <p:nvGrpSpPr>
+        <p:cNvPr id="1" name=""/>
+        <p:cNvGrpSpPr/>
+        <p:nvPr/>
+      </p:nvGrpSpPr>
+      <p:grpSpPr>
+        <a:xfrm>
+          <a:off x="0" y="0"/>
+          <a:ext cx="0" cy="0"/>
+          <a:chOff x="0" y="0"/>
+          <a:chExt cx="0" cy="0"/>
+        </a:xfrm>
+      </p:grpSpPr>
+      <p:pic>
+        <p:nvPicPr>
+          <p:cNvPr id="6" name="Picture 5" descr="A picture containing shape&#10;&#10;Description automatically generated">
+            <a:extLst>
+              <a:ext uri="{FF2B5EF4-FFF2-40B4-BE49-F238E27FC236}">
+                <a16:creationId xmlns:a16="http://schemas.microsoft.com/office/drawing/2014/main" id="{1B14F033-2A0D-4E8C-9100-06FB04523488}"/>
+              </a:ext>
+            </a:extLst>
+          </p:cNvPr>
+          <p:cNvPicPr>
+            <a:picLocks noChangeAspect="1"/>
+          </p:cNvPicPr>
+          <p:nvPr/>
+        </p:nvPicPr>
+        <p:blipFill>
+          <a:blip r:embed="rId2">
+            <a:extLst>
+              <a:ext uri="{28A0092B-C50C-407E-A947-70E740481C1C}">
+                <a14:useLocalDpi xmlns:a14="http://schemas.microsoft.com/office/drawing/2010/main" val="0"/>
+              </a:ext>
+            </a:extLst>
+          </a:blip>
+          <a:stretch>
+            <a:fillRect/>
+          </a:stretch>
+        </p:blipFill>
+        <p:spPr>
+          <a:xfrm>
+            <a:off x="957649" y="3349353"/>
+            <a:ext cx="2355014" cy="1206153"/>
+          </a:xfrm>
+          <a:prstGeom prst="rect">
+            <a:avLst/>
+          </a:prstGeom>
+        </p:spPr>
+      </p:pic>
+      <p:pic>
+        <p:nvPicPr>
+          <p:cNvPr id="9" name="Picture 8" descr="A picture containing shape&#10;&#10;Description automatically generated">
+            <a:extLst>
+              <a:ext uri="{FF2B5EF4-FFF2-40B4-BE49-F238E27FC236}">
+                <a16:creationId xmlns:a16="http://schemas.microsoft.com/office/drawing/2014/main" id="{640A2ED7-81DC-4F59-BDAE-991A11EC9783}"/>
+              </a:ext>
+            </a:extLst>
+          </p:cNvPr>
+          <p:cNvPicPr>
+            <a:picLocks noChangeAspect="1"/>
+          </p:cNvPicPr>
+          <p:nvPr/>
+        </p:nvPicPr>
+        <p:blipFill>
+          <a:blip r:embed="rId2">
+            <a:extLst>
+              <a:ext uri="{28A0092B-C50C-407E-A947-70E740481C1C}">
+                <a14:useLocalDpi xmlns:a14="http://schemas.microsoft.com/office/drawing/2010/main" val="0"/>
+              </a:ext>
+            </a:extLst>
+          </a:blip>
+          <a:stretch>
+            <a:fillRect/>
+          </a:stretch>
+        </p:blipFill>
+        <p:spPr>
+          <a:xfrm>
+            <a:off x="957649" y="1043398"/>
+            <a:ext cx="2355014" cy="1206153"/>
+          </a:xfrm>
+          <a:prstGeom prst="rect">
+            <a:avLst/>
+          </a:prstGeom>
+        </p:spPr>
+      </p:pic>
+      <p:pic>
+        <p:nvPicPr>
+          <p:cNvPr id="10" name="Picture 9" descr="A picture containing bed, night, lit, luggage&#10;&#10;Description automatically generated">
+            <a:extLst>
+              <a:ext uri="{FF2B5EF4-FFF2-40B4-BE49-F238E27FC236}">
+                <a16:creationId xmlns:a16="http://schemas.microsoft.com/office/drawing/2014/main" id="{39C203A7-ED7B-4E56-AA81-AED5EE791A71}"/>
+              </a:ext>
+            </a:extLst>
+          </p:cNvPr>
+          <p:cNvPicPr>
+            <a:picLocks noChangeAspect="1"/>
+          </p:cNvPicPr>
+          <p:nvPr/>
+        </p:nvPicPr>
+        <p:blipFill>
+          <a:blip r:embed="rId3">
+            <a:extLst>
+              <a:ext uri="{28A0092B-C50C-407E-A947-70E740481C1C}">
+                <a14:useLocalDpi xmlns:a14="http://schemas.microsoft.com/office/drawing/2010/main" val="0"/>
+              </a:ext>
+            </a:extLst>
+          </a:blip>
+          <a:stretch>
+            <a:fillRect/>
+          </a:stretch>
+        </p:blipFill>
+        <p:spPr>
+          <a:xfrm>
+            <a:off x="7041942" y="3300908"/>
+            <a:ext cx="1206153" cy="1206153"/>
+          </a:xfrm>
+          <a:prstGeom prst="rect">
+            <a:avLst/>
+          </a:prstGeom>
+        </p:spPr>
+      </p:pic>
+      <p:pic>
+        <p:nvPicPr>
+          <p:cNvPr id="11" name="Picture 10" descr="A picture containing bed, night, lit, luggage&#10;&#10;Description automatically generated">
+            <a:extLst>
+              <a:ext uri="{FF2B5EF4-FFF2-40B4-BE49-F238E27FC236}">
+                <a16:creationId xmlns:a16="http://schemas.microsoft.com/office/drawing/2014/main" id="{7F52A877-C000-47F4-B95E-9CB834017FB5}"/>
+              </a:ext>
+            </a:extLst>
+          </p:cNvPr>
+          <p:cNvPicPr>
+            <a:picLocks noChangeAspect="1"/>
+          </p:cNvPicPr>
+          <p:nvPr/>
+        </p:nvPicPr>
+        <p:blipFill>
+          <a:blip r:embed="rId3">
+            <a:extLst>
+              <a:ext uri="{28A0092B-C50C-407E-A947-70E740481C1C}">
+                <a14:useLocalDpi xmlns:a14="http://schemas.microsoft.com/office/drawing/2010/main" val="0"/>
+              </a:ext>
+            </a:extLst>
+          </a:blip>
+          <a:stretch>
+            <a:fillRect/>
+          </a:stretch>
+        </p:blipFill>
+        <p:spPr>
+          <a:xfrm>
+            <a:off x="7041942" y="1043398"/>
+            <a:ext cx="1206153" cy="1206153"/>
+          </a:xfrm>
+          <a:prstGeom prst="rect">
+            <a:avLst/>
+          </a:prstGeom>
+        </p:spPr>
+      </p:pic>
+      <p:pic>
+        <p:nvPicPr>
+          <p:cNvPr id="13" name="Picture 12" descr="A picture containing shape&#10;&#10;Description automatically generated">
+            <a:extLst>
+              <a:ext uri="{FF2B5EF4-FFF2-40B4-BE49-F238E27FC236}">
+                <a16:creationId xmlns:a16="http://schemas.microsoft.com/office/drawing/2014/main" id="{1BCD4B3C-173D-4DFA-96FD-AA4C0687B5A5}"/>
+              </a:ext>
+            </a:extLst>
+          </p:cNvPr>
+          <p:cNvPicPr>
+            <a:picLocks noChangeAspect="1"/>
+          </p:cNvPicPr>
+          <p:nvPr/>
+        </p:nvPicPr>
+        <p:blipFill>
+          <a:blip r:embed="rId4">
+            <a:extLst>
+              <a:ext uri="{28A0092B-C50C-407E-A947-70E740481C1C}">
+                <a14:useLocalDpi xmlns:a14="http://schemas.microsoft.com/office/drawing/2010/main" val="0"/>
+              </a:ext>
+            </a:extLst>
+          </a:blip>
+          <a:stretch>
+            <a:fillRect/>
+          </a:stretch>
+        </p:blipFill>
+        <p:spPr>
+          <a:xfrm>
+            <a:off x="4520491" y="3430736"/>
+            <a:ext cx="1076325" cy="1076325"/>
+          </a:xfrm>
+          <a:prstGeom prst="rect">
+            <a:avLst/>
+          </a:prstGeom>
+        </p:spPr>
+      </p:pic>
+      <p:pic>
+        <p:nvPicPr>
+          <p:cNvPr id="14" name="Picture 13" descr="A picture containing shape&#10;&#10;Description automatically generated">
+            <a:extLst>
+              <a:ext uri="{FF2B5EF4-FFF2-40B4-BE49-F238E27FC236}">
+                <a16:creationId xmlns:a16="http://schemas.microsoft.com/office/drawing/2014/main" id="{1E8F0CEC-B4AB-4AFE-B553-491243E0CAAD}"/>
+              </a:ext>
+            </a:extLst>
+          </p:cNvPr>
+          <p:cNvPicPr>
+            <a:picLocks noChangeAspect="1"/>
+          </p:cNvPicPr>
+          <p:nvPr/>
+        </p:nvPicPr>
+        <p:blipFill>
+          <a:blip r:embed="rId4">
+            <a:extLst>
+              <a:ext uri="{28A0092B-C50C-407E-A947-70E740481C1C}">
+                <a14:useLocalDpi xmlns:a14="http://schemas.microsoft.com/office/drawing/2010/main" val="0"/>
+              </a:ext>
+            </a:extLst>
+          </a:blip>
+          <a:stretch>
+            <a:fillRect/>
+          </a:stretch>
+        </p:blipFill>
+        <p:spPr>
+          <a:xfrm>
+            <a:off x="4520491" y="1043398"/>
+            <a:ext cx="1076325" cy="1076325"/>
+          </a:xfrm>
+          <a:prstGeom prst="rect">
+            <a:avLst/>
+          </a:prstGeom>
+        </p:spPr>
+      </p:pic>
+      <p:sp>
+        <p:nvSpPr>
+          <p:cNvPr id="15" name="TextBox 14">
+            <a:extLst>
+              <a:ext uri="{FF2B5EF4-FFF2-40B4-BE49-F238E27FC236}">
+                <a16:creationId xmlns:a16="http://schemas.microsoft.com/office/drawing/2014/main" id="{F6F4B97B-03F7-4004-B779-66ED40C2CD4D}"/>
+              </a:ext>
+            </a:extLst>
+          </p:cNvPr>
+          <p:cNvSpPr txBox="1"/>
+          <p:nvPr/>
+        </p:nvSpPr>
+        <p:spPr>
+          <a:xfrm>
+            <a:off x="11138431" y="316881"/>
+            <a:ext cx="1203379" cy="2031325"/>
+          </a:xfrm>
+          <a:prstGeom prst="rect">
+            <a:avLst/>
+          </a:prstGeom>
+          <a:noFill/>
+        </p:spPr>
+        <p:txBody>
+          <a:bodyPr wrap="square" rtlCol="0">
+            <a:spAutoFit/>
+          </a:bodyPr>
+          <a:lstStyle/>
+          <a:p>
+            <a:r>
+              <a:rPr lang="en-US" dirty="0"/>
+              <a:t>Items</a:t>
+            </a:r>
+          </a:p>
+          <a:p>
+            <a:endParaRPr lang="en-US" dirty="0"/>
+          </a:p>
+          <a:p>
+            <a:r>
+              <a:rPr lang="en-US" dirty="0"/>
+              <a:t>1)Token A</a:t>
+            </a:r>
+          </a:p>
+          <a:p>
+            <a:r>
+              <a:rPr lang="en-US" dirty="0"/>
+              <a:t>2)</a:t>
+            </a:r>
+            <a:r>
+              <a:rPr lang="en-US" dirty="0" err="1"/>
+              <a:t>TokenB</a:t>
+            </a:r>
+            <a:endParaRPr lang="en-US" dirty="0"/>
+          </a:p>
+          <a:p>
+            <a:r>
+              <a:rPr lang="en-US" dirty="0"/>
+              <a:t>3)iPhone</a:t>
+            </a:r>
+          </a:p>
+          <a:p>
+            <a:r>
+              <a:rPr lang="en-US" dirty="0"/>
+              <a:t>4)</a:t>
+            </a:r>
+            <a:r>
+              <a:rPr lang="en-US" dirty="0" err="1"/>
+              <a:t>TokenC</a:t>
+            </a:r>
+            <a:endParaRPr lang="en-US" dirty="0"/>
+          </a:p>
+          <a:p>
+            <a:r>
+              <a:rPr lang="en-US" dirty="0"/>
+              <a:t>5)PS5</a:t>
+            </a:r>
+          </a:p>
+        </p:txBody>
+      </p:sp>
+      <p:sp>
+        <p:nvSpPr>
+          <p:cNvPr id="16" name="TextBox 15">
+            <a:extLst>
+              <a:ext uri="{FF2B5EF4-FFF2-40B4-BE49-F238E27FC236}">
+                <a16:creationId xmlns:a16="http://schemas.microsoft.com/office/drawing/2014/main" id="{D9E59151-58F1-4302-9479-D429E81B218D}"/>
+              </a:ext>
+            </a:extLst>
+          </p:cNvPr>
+          <p:cNvSpPr txBox="1"/>
+          <p:nvPr/>
+        </p:nvSpPr>
+        <p:spPr>
+          <a:xfrm>
+            <a:off x="428625" y="699790"/>
+            <a:ext cx="3891283" cy="307777"/>
+          </a:xfrm>
+          <a:prstGeom prst="rect">
+            <a:avLst/>
+          </a:prstGeom>
+          <a:noFill/>
+        </p:spPr>
+        <p:txBody>
+          <a:bodyPr wrap="square" rtlCol="0">
+            <a:spAutoFit/>
+          </a:bodyPr>
+          <a:lstStyle/>
+          <a:p>
+            <a:r>
+              <a:rPr lang="en-US" sz="1400" dirty="0"/>
+              <a:t>Hi, I want to make 1.00 for FUN</a:t>
+            </a:r>
+          </a:p>
+        </p:txBody>
+      </p:sp>
+      <p:sp>
+        <p:nvSpPr>
+          <p:cNvPr id="2" name="TextBox 1">
+            <a:extLst>
+              <a:ext uri="{FF2B5EF4-FFF2-40B4-BE49-F238E27FC236}">
+                <a16:creationId xmlns:a16="http://schemas.microsoft.com/office/drawing/2014/main" id="{2E47B98A-CD7F-4F1C-BB43-C241F2FA4066}"/>
+              </a:ext>
+            </a:extLst>
+          </p:cNvPr>
+          <p:cNvSpPr txBox="1"/>
+          <p:nvPr/>
+        </p:nvSpPr>
+        <p:spPr>
+          <a:xfrm>
+            <a:off x="4319908" y="735621"/>
+            <a:ext cx="1687770" cy="307777"/>
+          </a:xfrm>
+          <a:prstGeom prst="rect">
+            <a:avLst/>
+          </a:prstGeom>
+          <a:noFill/>
+        </p:spPr>
+        <p:txBody>
+          <a:bodyPr wrap="none" rtlCol="0">
+            <a:spAutoFit/>
+          </a:bodyPr>
+          <a:lstStyle/>
+          <a:p>
+            <a:r>
+              <a:rPr lang="en-US" sz="1400" dirty="0"/>
+              <a:t>Token A  | MYR 1.00</a:t>
+            </a:r>
+          </a:p>
+        </p:txBody>
+      </p:sp>
+      <p:sp>
+        <p:nvSpPr>
+          <p:cNvPr id="12" name="TextBox 11">
+            <a:extLst>
+              <a:ext uri="{FF2B5EF4-FFF2-40B4-BE49-F238E27FC236}">
+                <a16:creationId xmlns:a16="http://schemas.microsoft.com/office/drawing/2014/main" id="{B3F77267-8081-4553-B18E-2DF74ECEE742}"/>
+              </a:ext>
+            </a:extLst>
+          </p:cNvPr>
+          <p:cNvSpPr txBox="1"/>
+          <p:nvPr/>
+        </p:nvSpPr>
+        <p:spPr>
+          <a:xfrm>
+            <a:off x="4161050" y="3013446"/>
+            <a:ext cx="2005485" cy="307777"/>
+          </a:xfrm>
+          <a:prstGeom prst="rect">
+            <a:avLst/>
+          </a:prstGeom>
+          <a:noFill/>
+        </p:spPr>
+        <p:txBody>
+          <a:bodyPr wrap="none" rtlCol="0">
+            <a:spAutoFit/>
+          </a:bodyPr>
+          <a:lstStyle/>
+          <a:p>
+            <a:r>
+              <a:rPr lang="en-US" sz="1400" dirty="0"/>
+              <a:t>Token B  | MYR 6000.00 </a:t>
+            </a:r>
+          </a:p>
+        </p:txBody>
+      </p:sp>
+      <p:sp>
+        <p:nvSpPr>
+          <p:cNvPr id="17" name="TextBox 16">
+            <a:extLst>
+              <a:ext uri="{FF2B5EF4-FFF2-40B4-BE49-F238E27FC236}">
+                <a16:creationId xmlns:a16="http://schemas.microsoft.com/office/drawing/2014/main" id="{CAAE5540-790D-42FA-B374-A3DEEC3D6E9E}"/>
+              </a:ext>
+            </a:extLst>
+          </p:cNvPr>
+          <p:cNvSpPr txBox="1"/>
+          <p:nvPr/>
+        </p:nvSpPr>
+        <p:spPr>
+          <a:xfrm>
+            <a:off x="428624" y="3013445"/>
+            <a:ext cx="3891283" cy="307777"/>
+          </a:xfrm>
+          <a:prstGeom prst="rect">
+            <a:avLst/>
+          </a:prstGeom>
+          <a:noFill/>
+        </p:spPr>
+        <p:txBody>
+          <a:bodyPr wrap="square" rtlCol="0">
+            <a:spAutoFit/>
+          </a:bodyPr>
+          <a:lstStyle/>
+          <a:p>
+            <a:r>
+              <a:rPr lang="en-US" sz="1400" dirty="0"/>
+              <a:t>Hi, I want to make MYR 6000 for iPhone</a:t>
+            </a:r>
+          </a:p>
+        </p:txBody>
+      </p:sp>
+      <p:cxnSp>
+        <p:nvCxnSpPr>
+          <p:cNvPr id="4" name="Straight Arrow Connector 3">
+            <a:extLst>
+              <a:ext uri="{FF2B5EF4-FFF2-40B4-BE49-F238E27FC236}">
+                <a16:creationId xmlns:a16="http://schemas.microsoft.com/office/drawing/2014/main" id="{C27F9C5C-0047-4258-8D9F-5814D551B2E2}"/>
+              </a:ext>
+            </a:extLst>
+          </p:cNvPr>
+          <p:cNvCxnSpPr>
+            <a:cxnSpLocks/>
+            <a:stCxn id="9" idx="3"/>
+          </p:cNvCxnSpPr>
+          <p:nvPr/>
+        </p:nvCxnSpPr>
+        <p:spPr>
+          <a:xfrm flipV="1">
+            <a:off x="3312663" y="1646473"/>
+            <a:ext cx="764037" cy="2"/>
+          </a:xfrm>
+          <a:prstGeom prst="straightConnector1">
+            <a:avLst/>
+          </a:prstGeom>
+          <a:ln>
+            <a:tailEnd type="triangle"/>
+          </a:ln>
+        </p:spPr>
+        <p:style>
+          <a:lnRef idx="1">
+            <a:schemeClr val="accent1"/>
+          </a:lnRef>
+          <a:fillRef idx="0">
+            <a:schemeClr val="accent1"/>
+          </a:fillRef>
+          <a:effectRef idx="0">
+            <a:schemeClr val="accent1"/>
+          </a:effectRef>
+          <a:fontRef idx="minor">
+            <a:schemeClr val="tx1"/>
+          </a:fontRef>
+        </p:style>
+      </p:cxnSp>
+      <p:cxnSp>
+        <p:nvCxnSpPr>
+          <p:cNvPr id="18" name="Connector: Elbow 17">
+            <a:extLst>
+              <a:ext uri="{FF2B5EF4-FFF2-40B4-BE49-F238E27FC236}">
+                <a16:creationId xmlns:a16="http://schemas.microsoft.com/office/drawing/2014/main" id="{789478CF-6B07-424A-A247-7421A1F39095}"/>
+              </a:ext>
+            </a:extLst>
+          </p:cNvPr>
+          <p:cNvCxnSpPr>
+            <a:cxnSpLocks/>
+            <a:stCxn id="14" idx="3"/>
+          </p:cNvCxnSpPr>
+          <p:nvPr/>
+        </p:nvCxnSpPr>
+        <p:spPr>
+          <a:xfrm flipH="1">
+            <a:off x="57150" y="1581561"/>
+            <a:ext cx="5539666" cy="777503"/>
+          </a:xfrm>
+          <a:prstGeom prst="bentConnector3">
+            <a:avLst>
+              <a:gd name="adj1" fmla="val -15819"/>
+            </a:avLst>
+          </a:prstGeom>
+          <a:ln>
+            <a:tailEnd type="triangle"/>
+          </a:ln>
+        </p:spPr>
+        <p:style>
+          <a:lnRef idx="1">
+            <a:schemeClr val="accent1"/>
+          </a:lnRef>
+          <a:fillRef idx="0">
+            <a:schemeClr val="accent1"/>
+          </a:fillRef>
+          <a:effectRef idx="0">
+            <a:schemeClr val="accent1"/>
+          </a:effectRef>
+          <a:fontRef idx="minor">
+            <a:schemeClr val="tx1"/>
+          </a:fontRef>
+        </p:style>
+      </p:cxnSp>
+      <p:cxnSp>
+        <p:nvCxnSpPr>
+          <p:cNvPr id="23" name="Straight Arrow Connector 22">
+            <a:extLst>
+              <a:ext uri="{FF2B5EF4-FFF2-40B4-BE49-F238E27FC236}">
+                <a16:creationId xmlns:a16="http://schemas.microsoft.com/office/drawing/2014/main" id="{C47586F9-6E37-491C-B357-0503D92D18DC}"/>
+              </a:ext>
+            </a:extLst>
+          </p:cNvPr>
+          <p:cNvCxnSpPr>
+            <a:cxnSpLocks/>
+          </p:cNvCxnSpPr>
+          <p:nvPr/>
+        </p:nvCxnSpPr>
+        <p:spPr>
+          <a:xfrm flipV="1">
+            <a:off x="3397013" y="3924297"/>
+            <a:ext cx="764037" cy="2"/>
+          </a:xfrm>
+          <a:prstGeom prst="straightConnector1">
+            <a:avLst/>
+          </a:prstGeom>
+          <a:ln>
+            <a:tailEnd type="triangle"/>
+          </a:ln>
+        </p:spPr>
+        <p:style>
+          <a:lnRef idx="1">
+            <a:schemeClr val="accent1"/>
+          </a:lnRef>
+          <a:fillRef idx="0">
+            <a:schemeClr val="accent1"/>
+          </a:fillRef>
+          <a:effectRef idx="0">
+            <a:schemeClr val="accent1"/>
+          </a:effectRef>
+          <a:fontRef idx="minor">
+            <a:schemeClr val="tx1"/>
+          </a:fontRef>
+        </p:style>
+      </p:cxnSp>
+      <p:sp>
+        <p:nvSpPr>
+          <p:cNvPr id="24" name="TextBox 23">
+            <a:extLst>
+              <a:ext uri="{FF2B5EF4-FFF2-40B4-BE49-F238E27FC236}">
+                <a16:creationId xmlns:a16="http://schemas.microsoft.com/office/drawing/2014/main" id="{A52A5225-F2EC-4D80-ACED-3637410E4F53}"/>
+              </a:ext>
+            </a:extLst>
+          </p:cNvPr>
+          <p:cNvSpPr txBox="1"/>
+          <p:nvPr/>
+        </p:nvSpPr>
+        <p:spPr>
+          <a:xfrm>
+            <a:off x="10086151" y="296553"/>
+            <a:ext cx="992579" cy="1477328"/>
+          </a:xfrm>
+          <a:prstGeom prst="rect">
+            <a:avLst/>
+          </a:prstGeom>
+          <a:noFill/>
+        </p:spPr>
+        <p:txBody>
+          <a:bodyPr wrap="none" rtlCol="0">
+            <a:spAutoFit/>
+          </a:bodyPr>
+          <a:lstStyle/>
+          <a:p>
+            <a:r>
+              <a:rPr lang="en-US" dirty="0"/>
+              <a:t>Savings</a:t>
+            </a:r>
+          </a:p>
+          <a:p>
+            <a:endParaRPr lang="en-US" dirty="0"/>
+          </a:p>
+          <a:p>
+            <a:r>
+              <a:rPr lang="en-US" dirty="0"/>
+              <a:t>7000.00 </a:t>
+            </a:r>
+          </a:p>
+          <a:p>
+            <a:r>
+              <a:rPr lang="en-US" dirty="0"/>
+              <a:t>6999.00</a:t>
+            </a:r>
+          </a:p>
+          <a:p>
+            <a:endParaRPr lang="en-US" dirty="0"/>
+          </a:p>
+        </p:txBody>
+      </p:sp>
+      <p:cxnSp>
+        <p:nvCxnSpPr>
+          <p:cNvPr id="26" name="Straight Arrow Connector 25">
+            <a:extLst>
+              <a:ext uri="{FF2B5EF4-FFF2-40B4-BE49-F238E27FC236}">
+                <a16:creationId xmlns:a16="http://schemas.microsoft.com/office/drawing/2014/main" id="{8383D265-15DC-4DA4-A45C-9197AE9C4D68}"/>
+              </a:ext>
+            </a:extLst>
+          </p:cNvPr>
+          <p:cNvCxnSpPr>
+            <a:cxnSpLocks/>
+          </p:cNvCxnSpPr>
+          <p:nvPr/>
+        </p:nvCxnSpPr>
+        <p:spPr>
+          <a:xfrm flipV="1">
+            <a:off x="5970238" y="3923029"/>
+            <a:ext cx="764037" cy="2"/>
+          </a:xfrm>
+          <a:prstGeom prst="straightConnector1">
+            <a:avLst/>
+          </a:prstGeom>
+          <a:ln>
+            <a:tailEnd type="triangle"/>
+          </a:ln>
+        </p:spPr>
+        <p:style>
+          <a:lnRef idx="1">
+            <a:schemeClr val="accent1"/>
+          </a:lnRef>
+          <a:fillRef idx="0">
+            <a:schemeClr val="accent1"/>
+          </a:fillRef>
+          <a:effectRef idx="0">
+            <a:schemeClr val="accent1"/>
+          </a:effectRef>
+          <a:fontRef idx="minor">
+            <a:schemeClr val="tx1"/>
+          </a:fontRef>
+        </p:style>
+      </p:cxnSp>
+      <p:sp>
+        <p:nvSpPr>
+          <p:cNvPr id="27" name="TextBox 26">
+            <a:extLst>
+              <a:ext uri="{FF2B5EF4-FFF2-40B4-BE49-F238E27FC236}">
+                <a16:creationId xmlns:a16="http://schemas.microsoft.com/office/drawing/2014/main" id="{F5C412B5-F0C1-4CA8-830E-AEB8032E4DB0}"/>
+              </a:ext>
+            </a:extLst>
+          </p:cNvPr>
+          <p:cNvSpPr txBox="1"/>
+          <p:nvPr/>
+        </p:nvSpPr>
+        <p:spPr>
+          <a:xfrm flipH="1">
+            <a:off x="6734275" y="2818169"/>
+            <a:ext cx="3913714" cy="523220"/>
+          </a:xfrm>
+          <a:prstGeom prst="rect">
+            <a:avLst/>
+          </a:prstGeom>
+          <a:noFill/>
+        </p:spPr>
+        <p:txBody>
+          <a:bodyPr wrap="square" rtlCol="0">
+            <a:spAutoFit/>
+          </a:bodyPr>
+          <a:lstStyle/>
+          <a:p>
+            <a:r>
+              <a:rPr lang="en-US" sz="1400" dirty="0"/>
+              <a:t>Hi, here is the </a:t>
+            </a:r>
+            <a:r>
+              <a:rPr lang="en-US" sz="1400" b="1" dirty="0"/>
+              <a:t>Token </a:t>
+            </a:r>
+            <a:r>
+              <a:rPr lang="en-US" sz="1400" b="1" dirty="0">
+                <a:solidFill>
+                  <a:srgbClr val="FF0000"/>
+                </a:solidFill>
+              </a:rPr>
+              <a:t>A</a:t>
+            </a:r>
+            <a:r>
+              <a:rPr lang="en-US" sz="1400" b="1" dirty="0"/>
+              <a:t>. </a:t>
+            </a:r>
+            <a:br>
+              <a:rPr lang="en-US" sz="1400" dirty="0"/>
+            </a:br>
+            <a:r>
+              <a:rPr lang="en-US" sz="1400" dirty="0"/>
+              <a:t>Give me the receipt of MYR 6000.00 and iPhone</a:t>
+            </a:r>
+          </a:p>
+        </p:txBody>
+      </p:sp>
+      <p:pic>
+        <p:nvPicPr>
+          <p:cNvPr id="28" name="Picture 27" descr="A picture containing shape&#10;&#10;Description automatically generated">
+            <a:extLst>
+              <a:ext uri="{FF2B5EF4-FFF2-40B4-BE49-F238E27FC236}">
+                <a16:creationId xmlns:a16="http://schemas.microsoft.com/office/drawing/2014/main" id="{9E78E9DD-0901-4C33-850C-D539BEE5661E}"/>
+              </a:ext>
+            </a:extLst>
+          </p:cNvPr>
+          <p:cNvPicPr>
+            <a:picLocks noChangeAspect="1"/>
+          </p:cNvPicPr>
+          <p:nvPr/>
+        </p:nvPicPr>
+        <p:blipFill>
+          <a:blip r:embed="rId2">
+            <a:extLst>
+              <a:ext uri="{28A0092B-C50C-407E-A947-70E740481C1C}">
+                <a14:useLocalDpi xmlns:a14="http://schemas.microsoft.com/office/drawing/2010/main" val="0"/>
+              </a:ext>
+            </a:extLst>
+          </a:blip>
+          <a:stretch>
+            <a:fillRect/>
+          </a:stretch>
+        </p:blipFill>
+        <p:spPr>
+          <a:xfrm>
+            <a:off x="957649" y="5404962"/>
+            <a:ext cx="2355014" cy="1206153"/>
+          </a:xfrm>
+          <a:prstGeom prst="rect">
+            <a:avLst/>
+          </a:prstGeom>
+        </p:spPr>
+      </p:pic>
+      <p:pic>
+        <p:nvPicPr>
+          <p:cNvPr id="29" name="Picture 28" descr="A picture containing bed, night, lit, luggage&#10;&#10;Description automatically generated">
+            <a:extLst>
+              <a:ext uri="{FF2B5EF4-FFF2-40B4-BE49-F238E27FC236}">
+                <a16:creationId xmlns:a16="http://schemas.microsoft.com/office/drawing/2014/main" id="{6470C364-4EE1-4D0A-AF21-FD6390DACB72}"/>
+              </a:ext>
+            </a:extLst>
+          </p:cNvPr>
+          <p:cNvPicPr>
+            <a:picLocks noChangeAspect="1"/>
+          </p:cNvPicPr>
+          <p:nvPr/>
+        </p:nvPicPr>
+        <p:blipFill>
+          <a:blip r:embed="rId3">
+            <a:extLst>
+              <a:ext uri="{28A0092B-C50C-407E-A947-70E740481C1C}">
+                <a14:useLocalDpi xmlns:a14="http://schemas.microsoft.com/office/drawing/2010/main" val="0"/>
+              </a:ext>
+            </a:extLst>
+          </a:blip>
+          <a:stretch>
+            <a:fillRect/>
+          </a:stretch>
+        </p:blipFill>
+        <p:spPr>
+          <a:xfrm>
+            <a:off x="7041942" y="5356517"/>
+            <a:ext cx="1206153" cy="1206153"/>
+          </a:xfrm>
+          <a:prstGeom prst="rect">
+            <a:avLst/>
+          </a:prstGeom>
+        </p:spPr>
+      </p:pic>
+      <p:pic>
+        <p:nvPicPr>
+          <p:cNvPr id="30" name="Picture 29" descr="A picture containing shape&#10;&#10;Description automatically generated">
+            <a:extLst>
+              <a:ext uri="{FF2B5EF4-FFF2-40B4-BE49-F238E27FC236}">
+                <a16:creationId xmlns:a16="http://schemas.microsoft.com/office/drawing/2014/main" id="{59F5E6CD-4F04-436B-BDFC-5EF3ECE029BD}"/>
+              </a:ext>
+            </a:extLst>
+          </p:cNvPr>
+          <p:cNvPicPr>
+            <a:picLocks noChangeAspect="1"/>
+          </p:cNvPicPr>
+          <p:nvPr/>
+        </p:nvPicPr>
+        <p:blipFill>
+          <a:blip r:embed="rId4">
+            <a:extLst>
+              <a:ext uri="{28A0092B-C50C-407E-A947-70E740481C1C}">
+                <a14:useLocalDpi xmlns:a14="http://schemas.microsoft.com/office/drawing/2010/main" val="0"/>
+              </a:ext>
+            </a:extLst>
+          </a:blip>
+          <a:stretch>
+            <a:fillRect/>
+          </a:stretch>
+        </p:blipFill>
+        <p:spPr>
+          <a:xfrm>
+            <a:off x="4520491" y="5486345"/>
+            <a:ext cx="1076325" cy="1076325"/>
+          </a:xfrm>
+          <a:prstGeom prst="rect">
+            <a:avLst/>
+          </a:prstGeom>
+        </p:spPr>
+      </p:pic>
+      <p:sp>
+        <p:nvSpPr>
+          <p:cNvPr id="31" name="TextBox 30">
+            <a:extLst>
+              <a:ext uri="{FF2B5EF4-FFF2-40B4-BE49-F238E27FC236}">
+                <a16:creationId xmlns:a16="http://schemas.microsoft.com/office/drawing/2014/main" id="{82A75FA6-2190-4B67-B294-94842F894008}"/>
+              </a:ext>
+            </a:extLst>
+          </p:cNvPr>
+          <p:cNvSpPr txBox="1"/>
+          <p:nvPr/>
+        </p:nvSpPr>
+        <p:spPr>
+          <a:xfrm>
+            <a:off x="4161050" y="5069055"/>
+            <a:ext cx="2031133" cy="307777"/>
+          </a:xfrm>
+          <a:prstGeom prst="rect">
+            <a:avLst/>
+          </a:prstGeom>
+          <a:noFill/>
+        </p:spPr>
+        <p:txBody>
+          <a:bodyPr wrap="none" rtlCol="0">
+            <a:spAutoFit/>
+          </a:bodyPr>
+          <a:lstStyle/>
+          <a:p>
+            <a:r>
+              <a:rPr lang="en-US" sz="1400" dirty="0"/>
+              <a:t>Token C  | MYR 2500.00 </a:t>
+            </a:r>
+          </a:p>
+        </p:txBody>
+      </p:sp>
+      <p:sp>
+        <p:nvSpPr>
+          <p:cNvPr id="32" name="TextBox 31">
+            <a:extLst>
+              <a:ext uri="{FF2B5EF4-FFF2-40B4-BE49-F238E27FC236}">
+                <a16:creationId xmlns:a16="http://schemas.microsoft.com/office/drawing/2014/main" id="{C99E2E26-6A27-4D91-912D-4D9A82031FF3}"/>
+              </a:ext>
+            </a:extLst>
+          </p:cNvPr>
+          <p:cNvSpPr txBox="1"/>
+          <p:nvPr/>
+        </p:nvSpPr>
+        <p:spPr>
+          <a:xfrm>
+            <a:off x="428624" y="5069054"/>
+            <a:ext cx="3891283" cy="307777"/>
+          </a:xfrm>
+          <a:prstGeom prst="rect">
+            <a:avLst/>
+          </a:prstGeom>
+          <a:noFill/>
+        </p:spPr>
+        <p:txBody>
+          <a:bodyPr wrap="square" rtlCol="0">
+            <a:spAutoFit/>
+          </a:bodyPr>
+          <a:lstStyle/>
+          <a:p>
+            <a:r>
+              <a:rPr lang="en-US" sz="1400" dirty="0"/>
+              <a:t>Hi, I want to make MYR 2500 for PS5</a:t>
+            </a:r>
+          </a:p>
+        </p:txBody>
+      </p:sp>
+      <p:cxnSp>
+        <p:nvCxnSpPr>
+          <p:cNvPr id="33" name="Straight Arrow Connector 32">
+            <a:extLst>
+              <a:ext uri="{FF2B5EF4-FFF2-40B4-BE49-F238E27FC236}">
+                <a16:creationId xmlns:a16="http://schemas.microsoft.com/office/drawing/2014/main" id="{3472CEEC-2443-4B7A-998C-FBC9F74D1AF3}"/>
+              </a:ext>
+            </a:extLst>
+          </p:cNvPr>
+          <p:cNvCxnSpPr>
+            <a:cxnSpLocks/>
+          </p:cNvCxnSpPr>
+          <p:nvPr/>
+        </p:nvCxnSpPr>
+        <p:spPr>
+          <a:xfrm flipV="1">
+            <a:off x="3397013" y="5979906"/>
+            <a:ext cx="764037" cy="2"/>
+          </a:xfrm>
+          <a:prstGeom prst="straightConnector1">
+            <a:avLst/>
+          </a:prstGeom>
+          <a:ln>
+            <a:tailEnd type="triangle"/>
+          </a:ln>
+        </p:spPr>
+        <p:style>
+          <a:lnRef idx="1">
+            <a:schemeClr val="accent1"/>
+          </a:lnRef>
+          <a:fillRef idx="0">
+            <a:schemeClr val="accent1"/>
+          </a:fillRef>
+          <a:effectRef idx="0">
+            <a:schemeClr val="accent1"/>
+          </a:effectRef>
+          <a:fontRef idx="minor">
+            <a:schemeClr val="tx1"/>
+          </a:fontRef>
+        </p:style>
+      </p:cxnSp>
+      <p:cxnSp>
+        <p:nvCxnSpPr>
+          <p:cNvPr id="34" name="Straight Arrow Connector 33">
+            <a:extLst>
+              <a:ext uri="{FF2B5EF4-FFF2-40B4-BE49-F238E27FC236}">
+                <a16:creationId xmlns:a16="http://schemas.microsoft.com/office/drawing/2014/main" id="{472FCCEA-4856-4631-9532-C8C9336CFE0F}"/>
+              </a:ext>
+            </a:extLst>
+          </p:cNvPr>
+          <p:cNvCxnSpPr>
+            <a:cxnSpLocks/>
+          </p:cNvCxnSpPr>
+          <p:nvPr/>
+        </p:nvCxnSpPr>
+        <p:spPr>
+          <a:xfrm flipV="1">
+            <a:off x="5970238" y="5978638"/>
+            <a:ext cx="764037" cy="2"/>
+          </a:xfrm>
+          <a:prstGeom prst="straightConnector1">
+            <a:avLst/>
+          </a:prstGeom>
+          <a:ln>
+            <a:tailEnd type="triangle"/>
+          </a:ln>
+        </p:spPr>
+        <p:style>
+          <a:lnRef idx="1">
+            <a:schemeClr val="accent1"/>
+          </a:lnRef>
+          <a:fillRef idx="0">
+            <a:schemeClr val="accent1"/>
+          </a:fillRef>
+          <a:effectRef idx="0">
+            <a:schemeClr val="accent1"/>
+          </a:effectRef>
+          <a:fontRef idx="minor">
+            <a:schemeClr val="tx1"/>
+          </a:fontRef>
+        </p:style>
+      </p:cxnSp>
+      <p:sp>
+        <p:nvSpPr>
+          <p:cNvPr id="35" name="TextBox 34">
+            <a:extLst>
+              <a:ext uri="{FF2B5EF4-FFF2-40B4-BE49-F238E27FC236}">
+                <a16:creationId xmlns:a16="http://schemas.microsoft.com/office/drawing/2014/main" id="{583BA53B-9D6D-4292-BF61-A238DB2DF3DC}"/>
+              </a:ext>
+            </a:extLst>
+          </p:cNvPr>
+          <p:cNvSpPr txBox="1"/>
+          <p:nvPr/>
+        </p:nvSpPr>
+        <p:spPr>
+          <a:xfrm flipH="1">
+            <a:off x="6734275" y="4881742"/>
+            <a:ext cx="3913714" cy="523220"/>
+          </a:xfrm>
+          <a:prstGeom prst="rect">
+            <a:avLst/>
+          </a:prstGeom>
+          <a:noFill/>
+        </p:spPr>
+        <p:txBody>
+          <a:bodyPr wrap="square" rtlCol="0">
+            <a:spAutoFit/>
+          </a:bodyPr>
+          <a:lstStyle/>
+          <a:p>
+            <a:r>
+              <a:rPr lang="en-US" sz="1400" dirty="0"/>
+              <a:t>Hi, here is the </a:t>
+            </a:r>
+            <a:r>
+              <a:rPr lang="en-US" sz="1400" b="1" dirty="0"/>
+              <a:t>Token</a:t>
+            </a:r>
+            <a:r>
+              <a:rPr lang="en-US" sz="1400" b="1" dirty="0">
+                <a:solidFill>
+                  <a:srgbClr val="FF0000"/>
+                </a:solidFill>
+              </a:rPr>
+              <a:t> A. </a:t>
+            </a:r>
+            <a:br>
+              <a:rPr lang="en-US" sz="1400" dirty="0"/>
+            </a:br>
+            <a:r>
+              <a:rPr lang="en-US" sz="1400" dirty="0"/>
+              <a:t>Give me the receipt of MYR 2500.00 and PS5</a:t>
+            </a:r>
+          </a:p>
+        </p:txBody>
+      </p:sp>
+      <p:sp>
+        <p:nvSpPr>
+          <p:cNvPr id="36" name="TextBox 35">
+            <a:extLst>
+              <a:ext uri="{FF2B5EF4-FFF2-40B4-BE49-F238E27FC236}">
+                <a16:creationId xmlns:a16="http://schemas.microsoft.com/office/drawing/2014/main" id="{93A93BBD-3D34-4843-A5A7-9CC91496FD1E}"/>
+              </a:ext>
+            </a:extLst>
+          </p:cNvPr>
+          <p:cNvSpPr txBox="1"/>
+          <p:nvPr/>
+        </p:nvSpPr>
+        <p:spPr>
+          <a:xfrm>
+            <a:off x="6551500" y="779035"/>
+            <a:ext cx="3058401" cy="307777"/>
+          </a:xfrm>
+          <a:prstGeom prst="rect">
+            <a:avLst/>
+          </a:prstGeom>
+          <a:noFill/>
+        </p:spPr>
+        <p:txBody>
+          <a:bodyPr wrap="none" rtlCol="0">
+            <a:spAutoFit/>
+          </a:bodyPr>
+          <a:lstStyle/>
+          <a:p>
+            <a:r>
+              <a:rPr lang="en-US" sz="1400" dirty="0"/>
+              <a:t>I don’t want to proceed the transaction</a:t>
+            </a:r>
+          </a:p>
+        </p:txBody>
+      </p:sp>
+      <p:sp>
+        <p:nvSpPr>
+          <p:cNvPr id="38" name="Multiplication Sign 37">
+            <a:extLst>
+              <a:ext uri="{FF2B5EF4-FFF2-40B4-BE49-F238E27FC236}">
+                <a16:creationId xmlns:a16="http://schemas.microsoft.com/office/drawing/2014/main" id="{069FC50D-6B5A-41D0-B4F0-07C2DFCEC885}"/>
+              </a:ext>
+            </a:extLst>
+          </p:cNvPr>
+          <p:cNvSpPr/>
+          <p:nvPr/>
+        </p:nvSpPr>
+        <p:spPr>
+          <a:xfrm>
+            <a:off x="7124643" y="1168771"/>
+            <a:ext cx="914400" cy="914400"/>
+          </a:xfrm>
+          <a:prstGeom prst="mathMultiply">
+            <a:avLst/>
+          </a:prstGeom>
+        </p:spPr>
+        <p:style>
+          <a:lnRef idx="2">
+            <a:schemeClr val="accent1">
+              <a:shade val="50000"/>
+            </a:schemeClr>
+          </a:lnRef>
+          <a:fillRef idx="1">
+            <a:schemeClr val="accent1"/>
+          </a:fillRef>
+          <a:effectRef idx="0">
+            <a:schemeClr val="accent1"/>
+          </a:effectRef>
+          <a:fontRef idx="minor">
+            <a:schemeClr val="lt1"/>
+          </a:fontRef>
+        </p:style>
+        <p:txBody>
+          <a:bodyPr rtlCol="0" anchor="ctr"/>
+          <a:lstStyle/>
+          <a:p>
+            <a:pPr algn="ctr"/>
+            <a:endParaRPr lang="en-US"/>
+          </a:p>
+        </p:txBody>
+      </p:sp>
+      <p:cxnSp>
+        <p:nvCxnSpPr>
+          <p:cNvPr id="44" name="Straight Connector 43">
+            <a:extLst>
+              <a:ext uri="{FF2B5EF4-FFF2-40B4-BE49-F238E27FC236}">
+                <a16:creationId xmlns:a16="http://schemas.microsoft.com/office/drawing/2014/main" id="{32FA9C5E-7A40-4963-A60B-7F94120FA5B9}"/>
+              </a:ext>
+            </a:extLst>
+          </p:cNvPr>
+          <p:cNvCxnSpPr/>
+          <p:nvPr/>
+        </p:nvCxnSpPr>
+        <p:spPr>
+          <a:xfrm>
+            <a:off x="10086151" y="1007567"/>
+            <a:ext cx="905699" cy="0"/>
+          </a:xfrm>
+          <a:prstGeom prst="line">
+            <a:avLst/>
+          </a:prstGeom>
+        </p:spPr>
+        <p:style>
+          <a:lnRef idx="1">
+            <a:schemeClr val="accent1"/>
+          </a:lnRef>
+          <a:fillRef idx="0">
+            <a:schemeClr val="accent1"/>
+          </a:fillRef>
+          <a:effectRef idx="0">
+            <a:schemeClr val="accent1"/>
+          </a:effectRef>
+          <a:fontRef idx="minor">
+            <a:schemeClr val="tx1"/>
+          </a:fontRef>
+        </p:style>
+      </p:cxnSp>
+      <p:cxnSp>
+        <p:nvCxnSpPr>
+          <p:cNvPr id="50" name="Straight Connector 49">
+            <a:extLst>
+              <a:ext uri="{FF2B5EF4-FFF2-40B4-BE49-F238E27FC236}">
+                <a16:creationId xmlns:a16="http://schemas.microsoft.com/office/drawing/2014/main" id="{5A2E12FA-6577-4017-9A7B-3D95B3BC6543}"/>
+              </a:ext>
+            </a:extLst>
+          </p:cNvPr>
+          <p:cNvCxnSpPr/>
+          <p:nvPr/>
+        </p:nvCxnSpPr>
+        <p:spPr>
+          <a:xfrm>
+            <a:off x="10086151" y="1285875"/>
+            <a:ext cx="905699" cy="0"/>
+          </a:xfrm>
+          <a:prstGeom prst="line">
+            <a:avLst/>
+          </a:prstGeom>
+        </p:spPr>
+        <p:style>
+          <a:lnRef idx="1">
+            <a:schemeClr val="accent1"/>
+          </a:lnRef>
+          <a:fillRef idx="0">
+            <a:schemeClr val="accent1"/>
+          </a:fillRef>
+          <a:effectRef idx="0">
+            <a:schemeClr val="accent1"/>
+          </a:effectRef>
+          <a:fontRef idx="minor">
+            <a:schemeClr val="tx1"/>
+          </a:fontRef>
+        </p:style>
+      </p:cxnSp>
+      <p:sp>
+        <p:nvSpPr>
+          <p:cNvPr id="52" name="TextBox 51">
+            <a:extLst>
+              <a:ext uri="{FF2B5EF4-FFF2-40B4-BE49-F238E27FC236}">
+                <a16:creationId xmlns:a16="http://schemas.microsoft.com/office/drawing/2014/main" id="{4ABA63A0-284A-4420-A208-BC607305850D}"/>
+              </a:ext>
+            </a:extLst>
+          </p:cNvPr>
+          <p:cNvSpPr txBox="1"/>
+          <p:nvPr/>
+        </p:nvSpPr>
+        <p:spPr>
+          <a:xfrm>
+            <a:off x="10086151" y="1379517"/>
+            <a:ext cx="928459" cy="369332"/>
+          </a:xfrm>
+          <a:prstGeom prst="rect">
+            <a:avLst/>
+          </a:prstGeom>
+          <a:noFill/>
+        </p:spPr>
+        <p:txBody>
+          <a:bodyPr wrap="none" rtlCol="0">
+            <a:spAutoFit/>
+          </a:bodyPr>
+          <a:lstStyle/>
+          <a:p>
+            <a:r>
+              <a:rPr lang="en-US" dirty="0"/>
+              <a:t>6998.00</a:t>
+            </a:r>
+          </a:p>
+        </p:txBody>
+      </p:sp>
+      <p:sp>
+        <p:nvSpPr>
+          <p:cNvPr id="54" name="TextBox 53">
+            <a:extLst>
+              <a:ext uri="{FF2B5EF4-FFF2-40B4-BE49-F238E27FC236}">
+                <a16:creationId xmlns:a16="http://schemas.microsoft.com/office/drawing/2014/main" id="{17F8B892-83B9-4D0C-83BB-45B93C776FAE}"/>
+              </a:ext>
+            </a:extLst>
+          </p:cNvPr>
+          <p:cNvSpPr txBox="1"/>
+          <p:nvPr/>
+        </p:nvSpPr>
+        <p:spPr>
+          <a:xfrm>
+            <a:off x="148024" y="93546"/>
+            <a:ext cx="2894895" cy="369332"/>
+          </a:xfrm>
+          <a:prstGeom prst="rect">
+            <a:avLst/>
+          </a:prstGeom>
+          <a:noFill/>
+        </p:spPr>
+        <p:txBody>
+          <a:bodyPr wrap="none" rtlCol="0">
+            <a:spAutoFit/>
+          </a:bodyPr>
+          <a:lstStyle/>
+          <a:p>
+            <a:r>
+              <a:rPr lang="en-US" dirty="0"/>
+              <a:t>Scenario B | Fake Transaction</a:t>
+            </a:r>
+          </a:p>
+        </p:txBody>
+      </p:sp>
+    </p:spTree>
+    <p:extLst>
+      <p:ext uri="{BB962C8B-B14F-4D97-AF65-F5344CB8AC3E}">
+        <p14:creationId xmlns:p14="http://schemas.microsoft.com/office/powerpoint/2010/main" val="945562051"/>
+      </p:ext>
+    </p:extLst>
+  </p:cSld>
+  <p:clrMapOvr>
+    <a:masterClrMapping/>
+  </p:clrMapOvr>
+  <p:timing>
+    <p:tnLst>
+      <p:par>
+        <p:cTn id="1" dur="indefinite" restart="never" nodeType="tmRoot">
+          <p:childTnLst>
+            <p:seq concurrent="1" nextAc="seek">
+              <p:cTn id="2" dur="indefinite" nodeType="mainSeq">
+                <p:childTnLst>
+                  <p:par>
+                    <p:cTn id="3" fill="hold">
+                      <p:stCondLst>
+                        <p:cond delay="indefinite"/>
+                      </p:stCondLst>
+                      <p:childTnLst>
+                        <p:par>
+                          <p:cTn id="4" fill="hold">
+                            <p:stCondLst>
+                              <p:cond delay="0"/>
+                            </p:stCondLst>
+                            <p:childTnLst>
+                              <p:par>
+                                <p:cTn id="5" presetID="1" presetClass="entr" presetSubtype="0" fill="hold" grpId="0" nodeType="clickEffect">
+                                  <p:stCondLst>
+                                    <p:cond delay="0"/>
+                                  </p:stCondLst>
+                                  <p:childTnLst>
+                                    <p:set>
+                                      <p:cBhvr>
+                                        <p:cTn id="6" dur="1" fill="hold">
+                                          <p:stCondLst>
+                                            <p:cond delay="0"/>
+                                          </p:stCondLst>
+                                        </p:cTn>
+                                        <p:tgtEl>
+                                          <p:spTgt spid="16"/>
+                                        </p:tgtEl>
+                                        <p:attrNameLst>
+                                          <p:attrName>style.visibility</p:attrName>
+                                        </p:attrNameLst>
+                                      </p:cBhvr>
+                                      <p:to>
+                                        <p:strVal val="visible"/>
+                                      </p:to>
+                                    </p:set>
+                                  </p:childTnLst>
+                                </p:cTn>
+                              </p:par>
+                              <p:par>
+                                <p:cTn id="7" presetID="1" presetClass="entr" presetSubtype="0" fill="hold" nodeType="withEffect">
+                                  <p:stCondLst>
+                                    <p:cond delay="0"/>
+                                  </p:stCondLst>
+                                  <p:childTnLst>
+                                    <p:set>
+                                      <p:cBhvr>
+                                        <p:cTn id="8" dur="1" fill="hold">
+                                          <p:stCondLst>
+                                            <p:cond delay="0"/>
+                                          </p:stCondLst>
+                                        </p:cTn>
+                                        <p:tgtEl>
+                                          <p:spTgt spid="9"/>
+                                        </p:tgtEl>
+                                        <p:attrNameLst>
+                                          <p:attrName>style.visibility</p:attrName>
+                                        </p:attrNameLst>
+                                      </p:cBhvr>
+                                      <p:to>
+                                        <p:strVal val="visible"/>
+                                      </p:to>
+                                    </p:set>
+                                  </p:childTnLst>
+                                </p:cTn>
+                              </p:par>
+                            </p:childTnLst>
+                          </p:cTn>
+                        </p:par>
+                      </p:childTnLst>
+                    </p:cTn>
+                  </p:par>
+                  <p:par>
+                    <p:cTn id="9" fill="hold">
+                      <p:stCondLst>
+                        <p:cond delay="indefinite"/>
+                      </p:stCondLst>
+                      <p:childTnLst>
+                        <p:par>
+                          <p:cTn id="10" fill="hold">
+                            <p:stCondLst>
+                              <p:cond delay="0"/>
+                            </p:stCondLst>
+                            <p:childTnLst>
+                              <p:par>
+                                <p:cTn id="11" presetID="1" presetClass="entr" presetSubtype="0" fill="hold" nodeType="clickEffect">
+                                  <p:stCondLst>
+                                    <p:cond delay="0"/>
+                                  </p:stCondLst>
+                                  <p:childTnLst>
+                                    <p:set>
+                                      <p:cBhvr>
+                                        <p:cTn id="12" dur="1" fill="hold">
+                                          <p:stCondLst>
+                                            <p:cond delay="0"/>
+                                          </p:stCondLst>
+                                        </p:cTn>
+                                        <p:tgtEl>
+                                          <p:spTgt spid="4"/>
+                                        </p:tgtEl>
+                                        <p:attrNameLst>
+                                          <p:attrName>style.visibility</p:attrName>
+                                        </p:attrNameLst>
+                                      </p:cBhvr>
+                                      <p:to>
+                                        <p:strVal val="visible"/>
+                                      </p:to>
+                                    </p:set>
+                                  </p:childTnLst>
+                                </p:cTn>
+                              </p:par>
+                              <p:par>
+                                <p:cTn id="13" presetID="1" presetClass="entr" presetSubtype="0" fill="hold" grpId="0" nodeType="withEffect">
+                                  <p:stCondLst>
+                                    <p:cond delay="0"/>
+                                  </p:stCondLst>
+                                  <p:childTnLst>
+                                    <p:set>
+                                      <p:cBhvr>
+                                        <p:cTn id="14" dur="1" fill="hold">
+                                          <p:stCondLst>
+                                            <p:cond delay="0"/>
+                                          </p:stCondLst>
+                                        </p:cTn>
+                                        <p:tgtEl>
+                                          <p:spTgt spid="2"/>
+                                        </p:tgtEl>
+                                        <p:attrNameLst>
+                                          <p:attrName>style.visibility</p:attrName>
+                                        </p:attrNameLst>
+                                      </p:cBhvr>
+                                      <p:to>
+                                        <p:strVal val="visible"/>
+                                      </p:to>
+                                    </p:set>
+                                  </p:childTnLst>
+                                </p:cTn>
+                              </p:par>
+                              <p:par>
+                                <p:cTn id="15" presetID="1" presetClass="entr" presetSubtype="0" fill="hold" nodeType="withEffect">
+                                  <p:stCondLst>
+                                    <p:cond delay="0"/>
+                                  </p:stCondLst>
+                                  <p:childTnLst>
+                                    <p:set>
+                                      <p:cBhvr>
+                                        <p:cTn id="16" dur="1" fill="hold">
+                                          <p:stCondLst>
+                                            <p:cond delay="0"/>
+                                          </p:stCondLst>
+                                        </p:cTn>
+                                        <p:tgtEl>
+                                          <p:spTgt spid="14"/>
+                                        </p:tgtEl>
+                                        <p:attrNameLst>
+                                          <p:attrName>style.visibility</p:attrName>
+                                        </p:attrNameLst>
+                                      </p:cBhvr>
+                                      <p:to>
+                                        <p:strVal val="visible"/>
+                                      </p:to>
+                                    </p:set>
+                                  </p:childTnLst>
+                                </p:cTn>
+                              </p:par>
+                            </p:childTnLst>
+                          </p:cTn>
+                        </p:par>
+                      </p:childTnLst>
+                    </p:cTn>
+                  </p:par>
+                  <p:par>
+                    <p:cTn id="17" fill="hold">
+                      <p:stCondLst>
+                        <p:cond delay="indefinite"/>
+                      </p:stCondLst>
+                      <p:childTnLst>
+                        <p:par>
+                          <p:cTn id="18" fill="hold">
+                            <p:stCondLst>
+                              <p:cond delay="0"/>
+                            </p:stCondLst>
+                            <p:childTnLst>
+                              <p:par>
+                                <p:cTn id="19" presetID="1" presetClass="entr" presetSubtype="0" fill="hold" nodeType="clickEffect">
+                                  <p:stCondLst>
+                                    <p:cond delay="0"/>
+                                  </p:stCondLst>
+                                  <p:childTnLst>
+                                    <p:set>
+                                      <p:cBhvr>
+                                        <p:cTn id="20" dur="1" fill="hold">
+                                          <p:stCondLst>
+                                            <p:cond delay="0"/>
+                                          </p:stCondLst>
+                                        </p:cTn>
+                                        <p:tgtEl>
+                                          <p:spTgt spid="15">
+                                            <p:txEl>
+                                              <p:pRg st="2" end="2"/>
+                                            </p:txEl>
+                                          </p:spTgt>
+                                        </p:tgtEl>
+                                        <p:attrNameLst>
+                                          <p:attrName>style.visibility</p:attrName>
+                                        </p:attrNameLst>
+                                      </p:cBhvr>
+                                      <p:to>
+                                        <p:strVal val="visible"/>
+                                      </p:to>
+                                    </p:set>
+                                  </p:childTnLst>
+                                </p:cTn>
+                              </p:par>
+                            </p:childTnLst>
+                          </p:cTn>
+                        </p:par>
+                      </p:childTnLst>
+                    </p:cTn>
+                  </p:par>
+                  <p:par>
+                    <p:cTn id="21" fill="hold">
+                      <p:stCondLst>
+                        <p:cond delay="indefinite"/>
+                      </p:stCondLst>
+                      <p:childTnLst>
+                        <p:par>
+                          <p:cTn id="22" fill="hold">
+                            <p:stCondLst>
+                              <p:cond delay="0"/>
+                            </p:stCondLst>
+                            <p:childTnLst>
+                              <p:par>
+                                <p:cTn id="23" presetID="1" presetClass="entr" presetSubtype="0" fill="hold" grpId="0" nodeType="clickEffect">
+                                  <p:stCondLst>
+                                    <p:cond delay="0"/>
+                                  </p:stCondLst>
+                                  <p:childTnLst>
+                                    <p:set>
+                                      <p:cBhvr>
+                                        <p:cTn id="24" dur="1" fill="hold">
+                                          <p:stCondLst>
+                                            <p:cond delay="0"/>
+                                          </p:stCondLst>
+                                        </p:cTn>
+                                        <p:tgtEl>
+                                          <p:spTgt spid="36"/>
+                                        </p:tgtEl>
+                                        <p:attrNameLst>
+                                          <p:attrName>style.visibility</p:attrName>
+                                        </p:attrNameLst>
+                                      </p:cBhvr>
+                                      <p:to>
+                                        <p:strVal val="visible"/>
+                                      </p:to>
+                                    </p:set>
+                                  </p:childTnLst>
+                                </p:cTn>
+                              </p:par>
+                              <p:par>
+                                <p:cTn id="25" presetID="1" presetClass="entr" presetSubtype="0" fill="hold" grpId="0" nodeType="withEffect">
+                                  <p:stCondLst>
+                                    <p:cond delay="0"/>
+                                  </p:stCondLst>
+                                  <p:childTnLst>
+                                    <p:set>
+                                      <p:cBhvr>
+                                        <p:cTn id="26" dur="1" fill="hold">
+                                          <p:stCondLst>
+                                            <p:cond delay="0"/>
+                                          </p:stCondLst>
+                                        </p:cTn>
+                                        <p:tgtEl>
+                                          <p:spTgt spid="38"/>
+                                        </p:tgtEl>
+                                        <p:attrNameLst>
+                                          <p:attrName>style.visibility</p:attrName>
+                                        </p:attrNameLst>
+                                      </p:cBhvr>
+                                      <p:to>
+                                        <p:strVal val="visible"/>
+                                      </p:to>
+                                    </p:set>
+                                  </p:childTnLst>
+                                </p:cTn>
+                              </p:par>
+                              <p:par>
+                                <p:cTn id="27" presetID="1" presetClass="entr" presetSubtype="0" fill="hold" nodeType="withEffect">
+                                  <p:stCondLst>
+                                    <p:cond delay="0"/>
+                                  </p:stCondLst>
+                                  <p:childTnLst>
+                                    <p:set>
+                                      <p:cBhvr>
+                                        <p:cTn id="28" dur="1" fill="hold">
+                                          <p:stCondLst>
+                                            <p:cond delay="0"/>
+                                          </p:stCondLst>
+                                        </p:cTn>
+                                        <p:tgtEl>
+                                          <p:spTgt spid="11"/>
+                                        </p:tgtEl>
+                                        <p:attrNameLst>
+                                          <p:attrName>style.visibility</p:attrName>
+                                        </p:attrNameLst>
+                                      </p:cBhvr>
+                                      <p:to>
+                                        <p:strVal val="visible"/>
+                                      </p:to>
+                                    </p:set>
+                                  </p:childTnLst>
+                                </p:cTn>
+                              </p:par>
+                              <p:par>
+                                <p:cTn id="29" presetID="1" presetClass="entr" presetSubtype="0" fill="hold" nodeType="withEffect">
+                                  <p:stCondLst>
+                                    <p:cond delay="0"/>
+                                  </p:stCondLst>
+                                  <p:childTnLst>
+                                    <p:set>
+                                      <p:cBhvr>
+                                        <p:cTn id="30" dur="1" fill="hold">
+                                          <p:stCondLst>
+                                            <p:cond delay="0"/>
+                                          </p:stCondLst>
+                                        </p:cTn>
+                                        <p:tgtEl>
+                                          <p:spTgt spid="18"/>
+                                        </p:tgtEl>
+                                        <p:attrNameLst>
+                                          <p:attrName>style.visibility</p:attrName>
+                                        </p:attrNameLst>
+                                      </p:cBhvr>
+                                      <p:to>
+                                        <p:strVal val="visible"/>
+                                      </p:to>
+                                    </p:set>
+                                  </p:childTnLst>
+                                </p:cTn>
+                              </p:par>
+                            </p:childTnLst>
+                          </p:cTn>
+                        </p:par>
+                      </p:childTnLst>
+                    </p:cTn>
+                  </p:par>
+                  <p:par>
+                    <p:cTn id="31" fill="hold">
+                      <p:stCondLst>
+                        <p:cond delay="indefinite"/>
+                      </p:stCondLst>
+                      <p:childTnLst>
+                        <p:par>
+                          <p:cTn id="32" fill="hold">
+                            <p:stCondLst>
+                              <p:cond delay="0"/>
+                            </p:stCondLst>
+                            <p:childTnLst>
+                              <p:par>
+                                <p:cTn id="33" presetID="1" presetClass="entr" presetSubtype="0" fill="hold" grpId="0" nodeType="clickEffect">
+                                  <p:stCondLst>
+                                    <p:cond delay="0"/>
+                                  </p:stCondLst>
+                                  <p:childTnLst>
+                                    <p:set>
+                                      <p:cBhvr>
+                                        <p:cTn id="34" dur="1" fill="hold">
+                                          <p:stCondLst>
+                                            <p:cond delay="0"/>
+                                          </p:stCondLst>
+                                        </p:cTn>
+                                        <p:tgtEl>
+                                          <p:spTgt spid="17"/>
+                                        </p:tgtEl>
+                                        <p:attrNameLst>
+                                          <p:attrName>style.visibility</p:attrName>
+                                        </p:attrNameLst>
+                                      </p:cBhvr>
+                                      <p:to>
+                                        <p:strVal val="visible"/>
+                                      </p:to>
+                                    </p:set>
+                                  </p:childTnLst>
+                                </p:cTn>
+                              </p:par>
+                              <p:par>
+                                <p:cTn id="35" presetID="1" presetClass="entr" presetSubtype="0" fill="hold" nodeType="withEffect">
+                                  <p:stCondLst>
+                                    <p:cond delay="0"/>
+                                  </p:stCondLst>
+                                  <p:childTnLst>
+                                    <p:set>
+                                      <p:cBhvr>
+                                        <p:cTn id="36" dur="1" fill="hold">
+                                          <p:stCondLst>
+                                            <p:cond delay="0"/>
+                                          </p:stCondLst>
+                                        </p:cTn>
+                                        <p:tgtEl>
+                                          <p:spTgt spid="6"/>
+                                        </p:tgtEl>
+                                        <p:attrNameLst>
+                                          <p:attrName>style.visibility</p:attrName>
+                                        </p:attrNameLst>
+                                      </p:cBhvr>
+                                      <p:to>
+                                        <p:strVal val="visible"/>
+                                      </p:to>
+                                    </p:set>
+                                  </p:childTnLst>
+                                </p:cTn>
+                              </p:par>
+                            </p:childTnLst>
+                          </p:cTn>
+                        </p:par>
+                      </p:childTnLst>
+                    </p:cTn>
+                  </p:par>
+                  <p:par>
+                    <p:cTn id="37" fill="hold">
+                      <p:stCondLst>
+                        <p:cond delay="indefinite"/>
+                      </p:stCondLst>
+                      <p:childTnLst>
+                        <p:par>
+                          <p:cTn id="38" fill="hold">
+                            <p:stCondLst>
+                              <p:cond delay="0"/>
+                            </p:stCondLst>
+                            <p:childTnLst>
+                              <p:par>
+                                <p:cTn id="39" presetID="1" presetClass="entr" presetSubtype="0" fill="hold" nodeType="clickEffect">
+                                  <p:stCondLst>
+                                    <p:cond delay="0"/>
+                                  </p:stCondLst>
+                                  <p:childTnLst>
+                                    <p:set>
+                                      <p:cBhvr>
+                                        <p:cTn id="40" dur="1" fill="hold">
+                                          <p:stCondLst>
+                                            <p:cond delay="0"/>
+                                          </p:stCondLst>
+                                        </p:cTn>
+                                        <p:tgtEl>
+                                          <p:spTgt spid="23"/>
+                                        </p:tgtEl>
+                                        <p:attrNameLst>
+                                          <p:attrName>style.visibility</p:attrName>
+                                        </p:attrNameLst>
+                                      </p:cBhvr>
+                                      <p:to>
+                                        <p:strVal val="visible"/>
+                                      </p:to>
+                                    </p:set>
+                                  </p:childTnLst>
+                                </p:cTn>
+                              </p:par>
+                              <p:par>
+                                <p:cTn id="41" presetID="1" presetClass="entr" presetSubtype="0" fill="hold" grpId="0" nodeType="withEffect">
+                                  <p:stCondLst>
+                                    <p:cond delay="0"/>
+                                  </p:stCondLst>
+                                  <p:childTnLst>
+                                    <p:set>
+                                      <p:cBhvr>
+                                        <p:cTn id="42" dur="1" fill="hold">
+                                          <p:stCondLst>
+                                            <p:cond delay="0"/>
+                                          </p:stCondLst>
+                                        </p:cTn>
+                                        <p:tgtEl>
+                                          <p:spTgt spid="12"/>
+                                        </p:tgtEl>
+                                        <p:attrNameLst>
+                                          <p:attrName>style.visibility</p:attrName>
+                                        </p:attrNameLst>
+                                      </p:cBhvr>
+                                      <p:to>
+                                        <p:strVal val="visible"/>
+                                      </p:to>
+                                    </p:set>
+                                  </p:childTnLst>
+                                </p:cTn>
+                              </p:par>
+                              <p:par>
+                                <p:cTn id="43" presetID="1" presetClass="entr" presetSubtype="0" fill="hold" nodeType="withEffect">
+                                  <p:stCondLst>
+                                    <p:cond delay="0"/>
+                                  </p:stCondLst>
+                                  <p:childTnLst>
+                                    <p:set>
+                                      <p:cBhvr>
+                                        <p:cTn id="44" dur="1" fill="hold">
+                                          <p:stCondLst>
+                                            <p:cond delay="0"/>
+                                          </p:stCondLst>
+                                        </p:cTn>
+                                        <p:tgtEl>
+                                          <p:spTgt spid="13"/>
+                                        </p:tgtEl>
+                                        <p:attrNameLst>
+                                          <p:attrName>style.visibility</p:attrName>
+                                        </p:attrNameLst>
+                                      </p:cBhvr>
+                                      <p:to>
+                                        <p:strVal val="visible"/>
+                                      </p:to>
+                                    </p:set>
+                                  </p:childTnLst>
+                                </p:cTn>
+                              </p:par>
+                            </p:childTnLst>
+                          </p:cTn>
+                        </p:par>
+                      </p:childTnLst>
+                    </p:cTn>
+                  </p:par>
+                  <p:par>
+                    <p:cTn id="45" fill="hold">
+                      <p:stCondLst>
+                        <p:cond delay="indefinite"/>
+                      </p:stCondLst>
+                      <p:childTnLst>
+                        <p:par>
+                          <p:cTn id="46" fill="hold">
+                            <p:stCondLst>
+                              <p:cond delay="0"/>
+                            </p:stCondLst>
+                            <p:childTnLst>
+                              <p:par>
+                                <p:cTn id="47" presetID="1" presetClass="entr" presetSubtype="0" fill="hold" nodeType="clickEffect">
+                                  <p:stCondLst>
+                                    <p:cond delay="0"/>
+                                  </p:stCondLst>
+                                  <p:childTnLst>
+                                    <p:set>
+                                      <p:cBhvr>
+                                        <p:cTn id="48" dur="1" fill="hold">
+                                          <p:stCondLst>
+                                            <p:cond delay="0"/>
+                                          </p:stCondLst>
+                                        </p:cTn>
+                                        <p:tgtEl>
+                                          <p:spTgt spid="15">
+                                            <p:txEl>
+                                              <p:pRg st="3" end="3"/>
+                                            </p:txEl>
+                                          </p:spTgt>
+                                        </p:tgtEl>
+                                        <p:attrNameLst>
+                                          <p:attrName>style.visibility</p:attrName>
+                                        </p:attrNameLst>
+                                      </p:cBhvr>
+                                      <p:to>
+                                        <p:strVal val="visible"/>
+                                      </p:to>
+                                    </p:set>
+                                  </p:childTnLst>
+                                </p:cTn>
+                              </p:par>
+                            </p:childTnLst>
+                          </p:cTn>
+                        </p:par>
+                      </p:childTnLst>
+                    </p:cTn>
+                  </p:par>
+                  <p:par>
+                    <p:cTn id="49" fill="hold">
+                      <p:stCondLst>
+                        <p:cond delay="indefinite"/>
+                      </p:stCondLst>
+                      <p:childTnLst>
+                        <p:par>
+                          <p:cTn id="50" fill="hold">
+                            <p:stCondLst>
+                              <p:cond delay="0"/>
+                            </p:stCondLst>
+                            <p:childTnLst>
+                              <p:par>
+                                <p:cTn id="51" presetID="1" presetClass="entr" presetSubtype="0" fill="hold" nodeType="clickEffect">
+                                  <p:stCondLst>
+                                    <p:cond delay="0"/>
+                                  </p:stCondLst>
+                                  <p:childTnLst>
+                                    <p:set>
+                                      <p:cBhvr>
+                                        <p:cTn id="52" dur="1" fill="hold">
+                                          <p:stCondLst>
+                                            <p:cond delay="0"/>
+                                          </p:stCondLst>
+                                        </p:cTn>
+                                        <p:tgtEl>
+                                          <p:spTgt spid="26"/>
+                                        </p:tgtEl>
+                                        <p:attrNameLst>
+                                          <p:attrName>style.visibility</p:attrName>
+                                        </p:attrNameLst>
+                                      </p:cBhvr>
+                                      <p:to>
+                                        <p:strVal val="visible"/>
+                                      </p:to>
+                                    </p:set>
+                                  </p:childTnLst>
+                                </p:cTn>
+                              </p:par>
+                              <p:par>
+                                <p:cTn id="53" presetID="1" presetClass="entr" presetSubtype="0" fill="hold" nodeType="withEffect">
+                                  <p:stCondLst>
+                                    <p:cond delay="0"/>
+                                  </p:stCondLst>
+                                  <p:childTnLst>
+                                    <p:set>
+                                      <p:cBhvr>
+                                        <p:cTn id="54" dur="1" fill="hold">
+                                          <p:stCondLst>
+                                            <p:cond delay="0"/>
+                                          </p:stCondLst>
+                                        </p:cTn>
+                                        <p:tgtEl>
+                                          <p:spTgt spid="10"/>
+                                        </p:tgtEl>
+                                        <p:attrNameLst>
+                                          <p:attrName>style.visibility</p:attrName>
+                                        </p:attrNameLst>
+                                      </p:cBhvr>
+                                      <p:to>
+                                        <p:strVal val="visible"/>
+                                      </p:to>
+                                    </p:set>
+                                  </p:childTnLst>
+                                </p:cTn>
+                              </p:par>
+                              <p:par>
+                                <p:cTn id="55" presetID="1" presetClass="entr" presetSubtype="0" fill="hold" grpId="0" nodeType="withEffect">
+                                  <p:stCondLst>
+                                    <p:cond delay="0"/>
+                                  </p:stCondLst>
+                                  <p:childTnLst>
+                                    <p:set>
+                                      <p:cBhvr>
+                                        <p:cTn id="56" dur="1" fill="hold">
+                                          <p:stCondLst>
+                                            <p:cond delay="0"/>
+                                          </p:stCondLst>
+                                        </p:cTn>
+                                        <p:tgtEl>
+                                          <p:spTgt spid="27"/>
+                                        </p:tgtEl>
+                                        <p:attrNameLst>
+                                          <p:attrName>style.visibility</p:attrName>
+                                        </p:attrNameLst>
+                                      </p:cBhvr>
+                                      <p:to>
+                                        <p:strVal val="visible"/>
+                                      </p:to>
+                                    </p:set>
+                                  </p:childTnLst>
+                                </p:cTn>
+                              </p:par>
+                            </p:childTnLst>
+                          </p:cTn>
+                        </p:par>
+                      </p:childTnLst>
+                    </p:cTn>
+                  </p:par>
+                  <p:par>
+                    <p:cTn id="57" fill="hold">
+                      <p:stCondLst>
+                        <p:cond delay="indefinite"/>
+                      </p:stCondLst>
+                      <p:childTnLst>
+                        <p:par>
+                          <p:cTn id="58" fill="hold">
+                            <p:stCondLst>
+                              <p:cond delay="0"/>
+                            </p:stCondLst>
+                            <p:childTnLst>
+                              <p:par>
+                                <p:cTn id="59" presetID="1" presetClass="entr" presetSubtype="0" fill="hold" nodeType="clickEffect">
+                                  <p:stCondLst>
+                                    <p:cond delay="0"/>
+                                  </p:stCondLst>
+                                  <p:childTnLst>
+                                    <p:set>
+                                      <p:cBhvr>
+                                        <p:cTn id="60" dur="1" fill="hold">
+                                          <p:stCondLst>
+                                            <p:cond delay="0"/>
+                                          </p:stCondLst>
+                                        </p:cTn>
+                                        <p:tgtEl>
+                                          <p:spTgt spid="15">
+                                            <p:txEl>
+                                              <p:pRg st="4" end="4"/>
+                                            </p:txEl>
+                                          </p:spTgt>
+                                        </p:tgtEl>
+                                        <p:attrNameLst>
+                                          <p:attrName>style.visibility</p:attrName>
+                                        </p:attrNameLst>
+                                      </p:cBhvr>
+                                      <p:to>
+                                        <p:strVal val="visible"/>
+                                      </p:to>
+                                    </p:set>
+                                  </p:childTnLst>
+                                </p:cTn>
+                              </p:par>
+                            </p:childTnLst>
+                          </p:cTn>
+                        </p:par>
+                      </p:childTnLst>
+                    </p:cTn>
+                  </p:par>
+                  <p:par>
+                    <p:cTn id="61" fill="hold">
+                      <p:stCondLst>
+                        <p:cond delay="indefinite"/>
+                      </p:stCondLst>
+                      <p:childTnLst>
+                        <p:par>
+                          <p:cTn id="62" fill="hold">
+                            <p:stCondLst>
+                              <p:cond delay="0"/>
+                            </p:stCondLst>
+                            <p:childTnLst>
+                              <p:par>
+                                <p:cTn id="63" presetID="1" presetClass="entr" presetSubtype="0" fill="hold" nodeType="clickEffect">
+                                  <p:stCondLst>
+                                    <p:cond delay="0"/>
+                                  </p:stCondLst>
+                                  <p:childTnLst>
+                                    <p:set>
+                                      <p:cBhvr>
+                                        <p:cTn id="64" dur="1" fill="hold">
+                                          <p:stCondLst>
+                                            <p:cond delay="0"/>
+                                          </p:stCondLst>
+                                        </p:cTn>
+                                        <p:tgtEl>
+                                          <p:spTgt spid="44"/>
+                                        </p:tgtEl>
+                                        <p:attrNameLst>
+                                          <p:attrName>style.visibility</p:attrName>
+                                        </p:attrNameLst>
+                                      </p:cBhvr>
+                                      <p:to>
+                                        <p:strVal val="visible"/>
+                                      </p:to>
+                                    </p:set>
+                                  </p:childTnLst>
+                                </p:cTn>
+                              </p:par>
+                            </p:childTnLst>
+                          </p:cTn>
+                        </p:par>
+                      </p:childTnLst>
+                    </p:cTn>
+                  </p:par>
+                  <p:par>
+                    <p:cTn id="65" fill="hold">
+                      <p:stCondLst>
+                        <p:cond delay="indefinite"/>
+                      </p:stCondLst>
+                      <p:childTnLst>
+                        <p:par>
+                          <p:cTn id="66" fill="hold">
+                            <p:stCondLst>
+                              <p:cond delay="0"/>
+                            </p:stCondLst>
+                            <p:childTnLst>
+                              <p:par>
+                                <p:cTn id="67" presetID="1" presetClass="entr" presetSubtype="0" fill="hold" nodeType="clickEffect">
+                                  <p:stCondLst>
+                                    <p:cond delay="0"/>
+                                  </p:stCondLst>
+                                  <p:childTnLst>
+                                    <p:set>
+                                      <p:cBhvr>
+                                        <p:cTn id="68" dur="1" fill="hold">
+                                          <p:stCondLst>
+                                            <p:cond delay="0"/>
+                                          </p:stCondLst>
+                                        </p:cTn>
+                                        <p:tgtEl>
+                                          <p:spTgt spid="24">
+                                            <p:txEl>
+                                              <p:pRg st="3" end="3"/>
+                                            </p:txEl>
+                                          </p:spTgt>
+                                        </p:tgtEl>
+                                        <p:attrNameLst>
+                                          <p:attrName>style.visibility</p:attrName>
+                                        </p:attrNameLst>
+                                      </p:cBhvr>
+                                      <p:to>
+                                        <p:strVal val="visible"/>
+                                      </p:to>
+                                    </p:set>
+                                  </p:childTnLst>
+                                </p:cTn>
+                              </p:par>
+                            </p:childTnLst>
+                          </p:cTn>
+                        </p:par>
+                      </p:childTnLst>
+                    </p:cTn>
+                  </p:par>
+                  <p:par>
+                    <p:cTn id="69" fill="hold">
+                      <p:stCondLst>
+                        <p:cond delay="indefinite"/>
+                      </p:stCondLst>
+                      <p:childTnLst>
+                        <p:par>
+                          <p:cTn id="70" fill="hold">
+                            <p:stCondLst>
+                              <p:cond delay="0"/>
+                            </p:stCondLst>
+                            <p:childTnLst>
+                              <p:par>
+                                <p:cTn id="71" presetID="1" presetClass="entr" presetSubtype="0" fill="hold" nodeType="clickEffect">
+                                  <p:stCondLst>
+                                    <p:cond delay="0"/>
+                                  </p:stCondLst>
+                                  <p:childTnLst>
+                                    <p:set>
+                                      <p:cBhvr>
+                                        <p:cTn id="72" dur="1" fill="hold">
+                                          <p:stCondLst>
+                                            <p:cond delay="0"/>
+                                          </p:stCondLst>
+                                        </p:cTn>
+                                        <p:tgtEl>
+                                          <p:spTgt spid="28"/>
+                                        </p:tgtEl>
+                                        <p:attrNameLst>
+                                          <p:attrName>style.visibility</p:attrName>
+                                        </p:attrNameLst>
+                                      </p:cBhvr>
+                                      <p:to>
+                                        <p:strVal val="visible"/>
+                                      </p:to>
+                                    </p:set>
+                                  </p:childTnLst>
+                                </p:cTn>
+                              </p:par>
+                              <p:par>
+                                <p:cTn id="73" presetID="1" presetClass="entr" presetSubtype="0" fill="hold" grpId="0" nodeType="withEffect">
+                                  <p:stCondLst>
+                                    <p:cond delay="0"/>
+                                  </p:stCondLst>
+                                  <p:childTnLst>
+                                    <p:set>
+                                      <p:cBhvr>
+                                        <p:cTn id="74" dur="1" fill="hold">
+                                          <p:stCondLst>
+                                            <p:cond delay="0"/>
+                                          </p:stCondLst>
+                                        </p:cTn>
+                                        <p:tgtEl>
+                                          <p:spTgt spid="32"/>
+                                        </p:tgtEl>
+                                        <p:attrNameLst>
+                                          <p:attrName>style.visibility</p:attrName>
+                                        </p:attrNameLst>
+                                      </p:cBhvr>
+                                      <p:to>
+                                        <p:strVal val="visible"/>
+                                      </p:to>
+                                    </p:set>
+                                  </p:childTnLst>
+                                </p:cTn>
+                              </p:par>
+                            </p:childTnLst>
+                          </p:cTn>
+                        </p:par>
+                      </p:childTnLst>
+                    </p:cTn>
+                  </p:par>
+                  <p:par>
+                    <p:cTn id="75" fill="hold">
+                      <p:stCondLst>
+                        <p:cond delay="indefinite"/>
+                      </p:stCondLst>
+                      <p:childTnLst>
+                        <p:par>
+                          <p:cTn id="76" fill="hold">
+                            <p:stCondLst>
+                              <p:cond delay="0"/>
+                            </p:stCondLst>
+                            <p:childTnLst>
+                              <p:par>
+                                <p:cTn id="77" presetID="1" presetClass="entr" presetSubtype="0" fill="hold" nodeType="clickEffect">
+                                  <p:stCondLst>
+                                    <p:cond delay="0"/>
+                                  </p:stCondLst>
+                                  <p:childTnLst>
+                                    <p:set>
+                                      <p:cBhvr>
+                                        <p:cTn id="78" dur="1" fill="hold">
+                                          <p:stCondLst>
+                                            <p:cond delay="0"/>
+                                          </p:stCondLst>
+                                        </p:cTn>
+                                        <p:tgtEl>
+                                          <p:spTgt spid="33"/>
+                                        </p:tgtEl>
+                                        <p:attrNameLst>
+                                          <p:attrName>style.visibility</p:attrName>
+                                        </p:attrNameLst>
+                                      </p:cBhvr>
+                                      <p:to>
+                                        <p:strVal val="visible"/>
+                                      </p:to>
+                                    </p:set>
+                                  </p:childTnLst>
+                                </p:cTn>
+                              </p:par>
+                              <p:par>
+                                <p:cTn id="79" presetID="1" presetClass="entr" presetSubtype="0" fill="hold" nodeType="withEffect">
+                                  <p:stCondLst>
+                                    <p:cond delay="0"/>
+                                  </p:stCondLst>
+                                  <p:childTnLst>
+                                    <p:set>
+                                      <p:cBhvr>
+                                        <p:cTn id="80" dur="1" fill="hold">
+                                          <p:stCondLst>
+                                            <p:cond delay="0"/>
+                                          </p:stCondLst>
+                                        </p:cTn>
+                                        <p:tgtEl>
+                                          <p:spTgt spid="30"/>
+                                        </p:tgtEl>
+                                        <p:attrNameLst>
+                                          <p:attrName>style.visibility</p:attrName>
+                                        </p:attrNameLst>
+                                      </p:cBhvr>
+                                      <p:to>
+                                        <p:strVal val="visible"/>
+                                      </p:to>
+                                    </p:set>
+                                  </p:childTnLst>
+                                </p:cTn>
+                              </p:par>
+                              <p:par>
+                                <p:cTn id="81" presetID="1" presetClass="entr" presetSubtype="0" fill="hold" grpId="0" nodeType="withEffect">
+                                  <p:stCondLst>
+                                    <p:cond delay="0"/>
+                                  </p:stCondLst>
+                                  <p:childTnLst>
+                                    <p:set>
+                                      <p:cBhvr>
+                                        <p:cTn id="82" dur="1" fill="hold">
+                                          <p:stCondLst>
+                                            <p:cond delay="0"/>
+                                          </p:stCondLst>
+                                        </p:cTn>
+                                        <p:tgtEl>
+                                          <p:spTgt spid="31"/>
+                                        </p:tgtEl>
+                                        <p:attrNameLst>
+                                          <p:attrName>style.visibility</p:attrName>
+                                        </p:attrNameLst>
+                                      </p:cBhvr>
+                                      <p:to>
+                                        <p:strVal val="visible"/>
+                                      </p:to>
+                                    </p:set>
+                                  </p:childTnLst>
+                                </p:cTn>
+                              </p:par>
+                            </p:childTnLst>
+                          </p:cTn>
+                        </p:par>
+                      </p:childTnLst>
+                    </p:cTn>
+                  </p:par>
+                  <p:par>
+                    <p:cTn id="83" fill="hold">
+                      <p:stCondLst>
+                        <p:cond delay="indefinite"/>
+                      </p:stCondLst>
+                      <p:childTnLst>
+                        <p:par>
+                          <p:cTn id="84" fill="hold">
+                            <p:stCondLst>
+                              <p:cond delay="0"/>
+                            </p:stCondLst>
+                            <p:childTnLst>
+                              <p:par>
+                                <p:cTn id="85" presetID="1" presetClass="entr" presetSubtype="0" fill="hold" nodeType="clickEffect">
+                                  <p:stCondLst>
+                                    <p:cond delay="0"/>
+                                  </p:stCondLst>
+                                  <p:childTnLst>
+                                    <p:set>
+                                      <p:cBhvr>
+                                        <p:cTn id="86" dur="1" fill="hold">
+                                          <p:stCondLst>
+                                            <p:cond delay="0"/>
+                                          </p:stCondLst>
+                                        </p:cTn>
+                                        <p:tgtEl>
+                                          <p:spTgt spid="15">
+                                            <p:txEl>
+                                              <p:pRg st="5" end="5"/>
+                                            </p:txEl>
+                                          </p:spTgt>
+                                        </p:tgtEl>
+                                        <p:attrNameLst>
+                                          <p:attrName>style.visibility</p:attrName>
+                                        </p:attrNameLst>
+                                      </p:cBhvr>
+                                      <p:to>
+                                        <p:strVal val="visible"/>
+                                      </p:to>
+                                    </p:set>
+                                  </p:childTnLst>
+                                </p:cTn>
+                              </p:par>
+                            </p:childTnLst>
+                          </p:cTn>
+                        </p:par>
+                      </p:childTnLst>
+                    </p:cTn>
+                  </p:par>
+                  <p:par>
+                    <p:cTn id="87" fill="hold">
+                      <p:stCondLst>
+                        <p:cond delay="indefinite"/>
+                      </p:stCondLst>
+                      <p:childTnLst>
+                        <p:par>
+                          <p:cTn id="88" fill="hold">
+                            <p:stCondLst>
+                              <p:cond delay="0"/>
+                            </p:stCondLst>
+                            <p:childTnLst>
+                              <p:par>
+                                <p:cTn id="89" presetID="1" presetClass="entr" presetSubtype="0" fill="hold" nodeType="clickEffect">
+                                  <p:stCondLst>
+                                    <p:cond delay="0"/>
+                                  </p:stCondLst>
+                                  <p:childTnLst>
+                                    <p:set>
+                                      <p:cBhvr>
+                                        <p:cTn id="90" dur="1" fill="hold">
+                                          <p:stCondLst>
+                                            <p:cond delay="0"/>
+                                          </p:stCondLst>
+                                        </p:cTn>
+                                        <p:tgtEl>
+                                          <p:spTgt spid="29"/>
+                                        </p:tgtEl>
+                                        <p:attrNameLst>
+                                          <p:attrName>style.visibility</p:attrName>
+                                        </p:attrNameLst>
+                                      </p:cBhvr>
+                                      <p:to>
+                                        <p:strVal val="visible"/>
+                                      </p:to>
+                                    </p:set>
+                                  </p:childTnLst>
+                                </p:cTn>
+                              </p:par>
+                              <p:par>
+                                <p:cTn id="91" presetID="1" presetClass="entr" presetSubtype="0" fill="hold" nodeType="withEffect">
+                                  <p:stCondLst>
+                                    <p:cond delay="0"/>
+                                  </p:stCondLst>
+                                  <p:childTnLst>
+                                    <p:set>
+                                      <p:cBhvr>
+                                        <p:cTn id="92" dur="1" fill="hold">
+                                          <p:stCondLst>
+                                            <p:cond delay="0"/>
+                                          </p:stCondLst>
+                                        </p:cTn>
+                                        <p:tgtEl>
+                                          <p:spTgt spid="34"/>
+                                        </p:tgtEl>
+                                        <p:attrNameLst>
+                                          <p:attrName>style.visibility</p:attrName>
+                                        </p:attrNameLst>
+                                      </p:cBhvr>
+                                      <p:to>
+                                        <p:strVal val="visible"/>
+                                      </p:to>
+                                    </p:set>
+                                  </p:childTnLst>
+                                </p:cTn>
+                              </p:par>
+                              <p:par>
+                                <p:cTn id="93" presetID="1" presetClass="entr" presetSubtype="0" fill="hold" grpId="0" nodeType="withEffect">
+                                  <p:stCondLst>
+                                    <p:cond delay="0"/>
+                                  </p:stCondLst>
+                                  <p:childTnLst>
+                                    <p:set>
+                                      <p:cBhvr>
+                                        <p:cTn id="94" dur="1" fill="hold">
+                                          <p:stCondLst>
+                                            <p:cond delay="0"/>
+                                          </p:stCondLst>
+                                        </p:cTn>
+                                        <p:tgtEl>
+                                          <p:spTgt spid="35"/>
+                                        </p:tgtEl>
+                                        <p:attrNameLst>
+                                          <p:attrName>style.visibility</p:attrName>
+                                        </p:attrNameLst>
+                                      </p:cBhvr>
+                                      <p:to>
+                                        <p:strVal val="visible"/>
+                                      </p:to>
+                                    </p:set>
+                                  </p:childTnLst>
+                                </p:cTn>
+                              </p:par>
+                            </p:childTnLst>
+                          </p:cTn>
+                        </p:par>
+                      </p:childTnLst>
+                    </p:cTn>
+                  </p:par>
+                  <p:par>
+                    <p:cTn id="95" fill="hold">
+                      <p:stCondLst>
+                        <p:cond delay="indefinite"/>
+                      </p:stCondLst>
+                      <p:childTnLst>
+                        <p:par>
+                          <p:cTn id="96" fill="hold">
+                            <p:stCondLst>
+                              <p:cond delay="0"/>
+                            </p:stCondLst>
+                            <p:childTnLst>
+                              <p:par>
+                                <p:cTn id="97" presetID="1" presetClass="entr" presetSubtype="0" fill="hold" nodeType="clickEffect">
+                                  <p:stCondLst>
+                                    <p:cond delay="0"/>
+                                  </p:stCondLst>
+                                  <p:childTnLst>
+                                    <p:set>
+                                      <p:cBhvr>
+                                        <p:cTn id="98" dur="1" fill="hold">
+                                          <p:stCondLst>
+                                            <p:cond delay="0"/>
+                                          </p:stCondLst>
+                                        </p:cTn>
+                                        <p:tgtEl>
+                                          <p:spTgt spid="15">
+                                            <p:txEl>
+                                              <p:pRg st="6" end="6"/>
+                                            </p:txEl>
+                                          </p:spTgt>
+                                        </p:tgtEl>
+                                        <p:attrNameLst>
+                                          <p:attrName>style.visibility</p:attrName>
+                                        </p:attrNameLst>
+                                      </p:cBhvr>
+                                      <p:to>
+                                        <p:strVal val="visible"/>
+                                      </p:to>
+                                    </p:set>
+                                  </p:childTnLst>
+                                </p:cTn>
+                              </p:par>
+                            </p:childTnLst>
+                          </p:cTn>
+                        </p:par>
+                      </p:childTnLst>
+                    </p:cTn>
+                  </p:par>
+                  <p:par>
+                    <p:cTn id="99" fill="hold">
+                      <p:stCondLst>
+                        <p:cond delay="indefinite"/>
+                      </p:stCondLst>
+                      <p:childTnLst>
+                        <p:par>
+                          <p:cTn id="100" fill="hold">
+                            <p:stCondLst>
+                              <p:cond delay="0"/>
+                            </p:stCondLst>
+                            <p:childTnLst>
+                              <p:par>
+                                <p:cTn id="101" presetID="1" presetClass="entr" presetSubtype="0" fill="hold" nodeType="clickEffect">
+                                  <p:stCondLst>
+                                    <p:cond delay="0"/>
+                                  </p:stCondLst>
+                                  <p:childTnLst>
+                                    <p:set>
+                                      <p:cBhvr>
+                                        <p:cTn id="102" dur="1" fill="hold">
+                                          <p:stCondLst>
+                                            <p:cond delay="0"/>
+                                          </p:stCondLst>
+                                        </p:cTn>
+                                        <p:tgtEl>
+                                          <p:spTgt spid="50"/>
+                                        </p:tgtEl>
+                                        <p:attrNameLst>
+                                          <p:attrName>style.visibility</p:attrName>
+                                        </p:attrNameLst>
+                                      </p:cBhvr>
+                                      <p:to>
+                                        <p:strVal val="visible"/>
+                                      </p:to>
+                                    </p:set>
+                                  </p:childTnLst>
+                                </p:cTn>
+                              </p:par>
+                            </p:childTnLst>
+                          </p:cTn>
+                        </p:par>
+                      </p:childTnLst>
+                    </p:cTn>
+                  </p:par>
+                  <p:par>
+                    <p:cTn id="103" fill="hold">
+                      <p:stCondLst>
+                        <p:cond delay="indefinite"/>
+                      </p:stCondLst>
+                      <p:childTnLst>
+                        <p:par>
+                          <p:cTn id="104" fill="hold">
+                            <p:stCondLst>
+                              <p:cond delay="0"/>
+                            </p:stCondLst>
+                            <p:childTnLst>
+                              <p:par>
+                                <p:cTn id="105" presetID="1" presetClass="entr" presetSubtype="0" fill="hold" grpId="0" nodeType="clickEffect">
+                                  <p:stCondLst>
+                                    <p:cond delay="0"/>
+                                  </p:stCondLst>
+                                  <p:childTnLst>
+                                    <p:set>
+                                      <p:cBhvr>
+                                        <p:cTn id="106" dur="1" fill="hold">
+                                          <p:stCondLst>
+                                            <p:cond delay="0"/>
+                                          </p:stCondLst>
+                                        </p:cTn>
+                                        <p:tgtEl>
+                                          <p:spTgt spid="52"/>
+                                        </p:tgtEl>
+                                        <p:attrNameLst>
+                                          <p:attrName>style.visibility</p:attrName>
+                                        </p:attrNameLst>
+                                      </p:cBhvr>
+                                      <p:to>
+                                        <p:strVal val="visible"/>
+                                      </p:to>
+                                    </p:set>
+                                  </p:childTnLst>
+                                </p:cTn>
+                              </p:par>
+                            </p:childTnLst>
+                          </p:cTn>
+                        </p:par>
+                      </p:childTnLst>
+                    </p:cTn>
+                  </p:par>
+                </p:childTnLst>
+              </p:cTn>
+              <p:prevCondLst>
+                <p:cond evt="onPrev" delay="0">
+                  <p:tgtEl>
+                    <p:sldTgt/>
+                  </p:tgtEl>
+                </p:cond>
+              </p:prevCondLst>
+              <p:nextCondLst>
+                <p:cond evt="onNext" delay="0">
+                  <p:tgtEl>
+                    <p:sldTgt/>
+                  </p:tgtEl>
+                </p:cond>
+              </p:nextCondLst>
+            </p:seq>
+          </p:childTnLst>
+        </p:cTn>
+      </p:par>
+    </p:tnLst>
+    <p:bldLst>
+      <p:bldP spid="16" grpId="0"/>
+      <p:bldP spid="2" grpId="0"/>
+      <p:bldP spid="12" grpId="0"/>
+      <p:bldP spid="17" grpId="0"/>
+      <p:bldP spid="27" grpId="0"/>
+      <p:bldP spid="31" grpId="0"/>
+      <p:bldP spid="32" grpId="0"/>
+      <p:bldP spid="35" grpId="0"/>
+      <p:bldP spid="36" grpId="0"/>
+      <p:bldP spid="38" grpId="0" animBg="1"/>
+      <p:bldP spid="52" grpId="0"/>
+    </p:bldLst>
+  </p:timing>
+</p:sld>
+</file>
+
+<file path=ppt/slides/slide7.xml><?xml version="1.0" encoding="utf-8"?>
+<p:sld xmlns:a="http://schemas.openxmlformats.org/drawingml/2006/main" xmlns:r="http://schemas.openxmlformats.org/officeDocument/2006/relationships" xmlns:p="http://schemas.openxmlformats.org/presentationml/2006/main">
+  <p:cSld>
+    <p:spTree>
+      <p:nvGrpSpPr>
+        <p:cNvPr id="1" name=""/>
+        <p:cNvGrpSpPr/>
+        <p:nvPr/>
+      </p:nvGrpSpPr>
+      <p:grpSpPr>
+        <a:xfrm>
+          <a:off x="0" y="0"/>
+          <a:ext cx="0" cy="0"/>
+          <a:chOff x="0" y="0"/>
+          <a:chExt cx="0" cy="0"/>
+        </a:xfrm>
+      </p:grpSpPr>
+      <p:pic>
+        <p:nvPicPr>
+          <p:cNvPr id="5" name="Content Placeholder 4" descr="A picture containing shape&#10;&#10;Description automatically generated">
+            <a:extLst>
+              <a:ext uri="{FF2B5EF4-FFF2-40B4-BE49-F238E27FC236}">
+                <a16:creationId xmlns:a16="http://schemas.microsoft.com/office/drawing/2014/main" id="{015BC766-1309-4896-891A-88068529CB50}"/>
+              </a:ext>
+            </a:extLst>
+          </p:cNvPr>
+          <p:cNvPicPr>
+            <a:picLocks noGrp="1" noChangeAspect="1"/>
+          </p:cNvPicPr>
+          <p:nvPr>
+            <p:ph idx="1"/>
+          </p:nvPr>
+        </p:nvPicPr>
+        <p:blipFill>
+          <a:blip r:embed="rId2">
+            <a:extLst>
+              <a:ext uri="{28A0092B-C50C-407E-A947-70E740481C1C}">
+                <a14:useLocalDpi xmlns:a14="http://schemas.microsoft.com/office/drawing/2010/main" val="0"/>
+              </a:ext>
+            </a:extLst>
+          </a:blip>
+          <a:stretch>
+            <a:fillRect/>
+          </a:stretch>
+        </p:blipFill>
+        <p:spPr>
+          <a:xfrm>
+            <a:off x="2805501" y="1653502"/>
+            <a:ext cx="2140237" cy="2140237"/>
+          </a:xfrm>
+        </p:spPr>
+      </p:pic>
+      <p:pic>
+        <p:nvPicPr>
+          <p:cNvPr id="9" name="Picture 8" descr="A picture containing shape&#10;&#10;Description automatically generated">
+            <a:extLst>
+              <a:ext uri="{FF2B5EF4-FFF2-40B4-BE49-F238E27FC236}">
+                <a16:creationId xmlns:a16="http://schemas.microsoft.com/office/drawing/2014/main" id="{5B7495C5-D73B-4359-92BD-D2FC55AE2142}"/>
+              </a:ext>
+            </a:extLst>
+          </p:cNvPr>
+          <p:cNvPicPr>
+            <a:picLocks noChangeAspect="1"/>
+          </p:cNvPicPr>
+          <p:nvPr/>
+        </p:nvPicPr>
+        <p:blipFill>
+          <a:blip r:embed="rId3">
+            <a:extLst>
+              <a:ext uri="{28A0092B-C50C-407E-A947-70E740481C1C}">
+                <a14:useLocalDpi xmlns:a14="http://schemas.microsoft.com/office/drawing/2010/main" val="0"/>
+              </a:ext>
+            </a:extLst>
+          </a:blip>
+          <a:stretch>
+            <a:fillRect/>
+          </a:stretch>
+        </p:blipFill>
+        <p:spPr>
+          <a:xfrm>
+            <a:off x="7085975" y="1797884"/>
+            <a:ext cx="1851471" cy="1851471"/>
+          </a:xfrm>
+          <a:prstGeom prst="rect">
+            <a:avLst/>
+          </a:prstGeom>
+        </p:spPr>
+      </p:pic>
+      <p:cxnSp>
+        <p:nvCxnSpPr>
+          <p:cNvPr id="11" name="Straight Arrow Connector 10">
+            <a:extLst>
+              <a:ext uri="{FF2B5EF4-FFF2-40B4-BE49-F238E27FC236}">
+                <a16:creationId xmlns:a16="http://schemas.microsoft.com/office/drawing/2014/main" id="{14E595CF-E91E-4271-9BD3-54762DA3B3A0}"/>
+              </a:ext>
+            </a:extLst>
+          </p:cNvPr>
+          <p:cNvCxnSpPr>
+            <a:cxnSpLocks/>
+          </p:cNvCxnSpPr>
+          <p:nvPr/>
+        </p:nvCxnSpPr>
+        <p:spPr>
+          <a:xfrm>
+            <a:off x="4945738" y="2723621"/>
+            <a:ext cx="1551144" cy="0"/>
+          </a:xfrm>
+          <a:prstGeom prst="straightConnector1">
+            <a:avLst/>
+          </a:prstGeom>
+          <a:ln>
+            <a:tailEnd type="triangle"/>
+          </a:ln>
+        </p:spPr>
+        <p:style>
+          <a:lnRef idx="1">
+            <a:schemeClr val="accent1"/>
+          </a:lnRef>
+          <a:fillRef idx="0">
+            <a:schemeClr val="accent1"/>
+          </a:fillRef>
+          <a:effectRef idx="0">
+            <a:schemeClr val="accent1"/>
+          </a:effectRef>
+          <a:fontRef idx="minor">
+            <a:schemeClr val="tx1"/>
+          </a:fontRef>
+        </p:style>
+      </p:cxnSp>
+      <p:sp>
+        <p:nvSpPr>
+          <p:cNvPr id="17" name="TextBox 16">
+            <a:extLst>
+              <a:ext uri="{FF2B5EF4-FFF2-40B4-BE49-F238E27FC236}">
+                <a16:creationId xmlns:a16="http://schemas.microsoft.com/office/drawing/2014/main" id="{EAF3C16A-181F-487F-B9A1-83306DB0F217}"/>
+              </a:ext>
+            </a:extLst>
+          </p:cNvPr>
+          <p:cNvSpPr txBox="1"/>
+          <p:nvPr/>
+        </p:nvSpPr>
+        <p:spPr>
+          <a:xfrm>
+            <a:off x="5518085" y="3154434"/>
+            <a:ext cx="1155829" cy="369332"/>
+          </a:xfrm>
+          <a:prstGeom prst="rect">
+            <a:avLst/>
+          </a:prstGeom>
+          <a:noFill/>
+        </p:spPr>
+        <p:txBody>
+          <a:bodyPr wrap="square" rtlCol="0">
+            <a:spAutoFit/>
+          </a:bodyPr>
+          <a:lstStyle/>
+          <a:p>
+            <a:r>
+              <a:rPr lang="en-US" dirty="0"/>
+              <a:t>I love you </a:t>
+            </a:r>
+          </a:p>
+        </p:txBody>
+      </p:sp>
+      <p:pic>
+        <p:nvPicPr>
+          <p:cNvPr id="19" name="Picture 18" descr="Shape&#10;&#10;Description automatically generated">
+            <a:extLst>
+              <a:ext uri="{FF2B5EF4-FFF2-40B4-BE49-F238E27FC236}">
+                <a16:creationId xmlns:a16="http://schemas.microsoft.com/office/drawing/2014/main" id="{1A3F79A1-A541-4CD8-81E4-2CAAE47A0A46}"/>
+              </a:ext>
+            </a:extLst>
+          </p:cNvPr>
+          <p:cNvPicPr>
+            <a:picLocks noChangeAspect="1"/>
+          </p:cNvPicPr>
+          <p:nvPr/>
+        </p:nvPicPr>
+        <p:blipFill>
+          <a:blip r:embed="rId4">
+            <a:extLst>
+              <a:ext uri="{28A0092B-C50C-407E-A947-70E740481C1C}">
+                <a14:useLocalDpi xmlns:a14="http://schemas.microsoft.com/office/drawing/2010/main" val="0"/>
+              </a:ext>
+            </a:extLst>
+          </a:blip>
+          <a:stretch>
+            <a:fillRect/>
+          </a:stretch>
+        </p:blipFill>
+        <p:spPr>
+          <a:xfrm>
+            <a:off x="5444402" y="2846831"/>
+            <a:ext cx="476876" cy="274566"/>
+          </a:xfrm>
+          <a:prstGeom prst="rect">
+            <a:avLst/>
+          </a:prstGeom>
+        </p:spPr>
+      </p:pic>
+      <p:sp>
+        <p:nvSpPr>
+          <p:cNvPr id="20" name="TextBox 19">
+            <a:extLst>
+              <a:ext uri="{FF2B5EF4-FFF2-40B4-BE49-F238E27FC236}">
+                <a16:creationId xmlns:a16="http://schemas.microsoft.com/office/drawing/2014/main" id="{DD674189-6B31-4E17-8872-F8737400DBBA}"/>
+              </a:ext>
+            </a:extLst>
+          </p:cNvPr>
+          <p:cNvSpPr txBox="1"/>
+          <p:nvPr/>
+        </p:nvSpPr>
+        <p:spPr>
+          <a:xfrm>
+            <a:off x="7601086" y="3649355"/>
+            <a:ext cx="758541" cy="646331"/>
+          </a:xfrm>
+          <a:prstGeom prst="rect">
+            <a:avLst/>
+          </a:prstGeom>
+          <a:noFill/>
+        </p:spPr>
+        <p:txBody>
+          <a:bodyPr wrap="none" rtlCol="0">
+            <a:spAutoFit/>
+          </a:bodyPr>
+          <a:lstStyle/>
+          <a:p>
+            <a:r>
+              <a:rPr lang="en-US" dirty="0"/>
+              <a:t>Crush</a:t>
+            </a:r>
+          </a:p>
+          <a:p>
+            <a:r>
+              <a:rPr lang="en-US" dirty="0"/>
+              <a:t> </a:t>
+            </a:r>
+          </a:p>
+        </p:txBody>
+      </p:sp>
+      <p:sp>
+        <p:nvSpPr>
+          <p:cNvPr id="21" name="TextBox 20">
+            <a:extLst>
+              <a:ext uri="{FF2B5EF4-FFF2-40B4-BE49-F238E27FC236}">
+                <a16:creationId xmlns:a16="http://schemas.microsoft.com/office/drawing/2014/main" id="{78B64545-75A3-4DB5-A21A-4CB7F9C6A629}"/>
+              </a:ext>
+            </a:extLst>
+          </p:cNvPr>
+          <p:cNvSpPr txBox="1"/>
+          <p:nvPr/>
+        </p:nvSpPr>
+        <p:spPr>
+          <a:xfrm>
+            <a:off x="3607614" y="3649354"/>
+            <a:ext cx="474810" cy="646331"/>
+          </a:xfrm>
+          <a:prstGeom prst="rect">
+            <a:avLst/>
+          </a:prstGeom>
+          <a:noFill/>
+        </p:spPr>
+        <p:txBody>
+          <a:bodyPr wrap="none" rtlCol="0">
+            <a:spAutoFit/>
+          </a:bodyPr>
+          <a:lstStyle/>
+          <a:p>
+            <a:r>
+              <a:rPr lang="en-US" dirty="0"/>
+              <a:t>Me</a:t>
+            </a:r>
+          </a:p>
+          <a:p>
+            <a:r>
+              <a:rPr lang="en-US" dirty="0"/>
+              <a:t> </a:t>
+            </a:r>
+          </a:p>
+        </p:txBody>
+      </p:sp>
+      <p:sp>
+        <p:nvSpPr>
+          <p:cNvPr id="2" name="TextBox 1">
+            <a:extLst>
+              <a:ext uri="{FF2B5EF4-FFF2-40B4-BE49-F238E27FC236}">
+                <a16:creationId xmlns:a16="http://schemas.microsoft.com/office/drawing/2014/main" id="{CF06E5C7-7C96-49C4-9213-AFB44EF67BEB}"/>
+              </a:ext>
+            </a:extLst>
+          </p:cNvPr>
+          <p:cNvSpPr txBox="1"/>
+          <p:nvPr/>
+        </p:nvSpPr>
+        <p:spPr>
+          <a:xfrm>
+            <a:off x="600075" y="504825"/>
+            <a:ext cx="1179490" cy="369332"/>
+          </a:xfrm>
+          <a:prstGeom prst="rect">
+            <a:avLst/>
+          </a:prstGeom>
+          <a:noFill/>
+        </p:spPr>
+        <p:txBody>
+          <a:bodyPr wrap="none" rtlCol="0">
+            <a:spAutoFit/>
+          </a:bodyPr>
+          <a:lstStyle/>
+          <a:p>
+            <a:r>
+              <a:rPr lang="en-US" dirty="0"/>
+              <a:t>Scenario A</a:t>
+            </a:r>
+          </a:p>
+        </p:txBody>
+      </p:sp>
+      <p:pic>
+        <p:nvPicPr>
+          <p:cNvPr id="4" name="Picture 3">
+            <a:extLst>
+              <a:ext uri="{FF2B5EF4-FFF2-40B4-BE49-F238E27FC236}">
+                <a16:creationId xmlns:a16="http://schemas.microsoft.com/office/drawing/2014/main" id="{EFF05B6A-CCE5-42FF-B50C-48E9549EE53D}"/>
+              </a:ext>
+            </a:extLst>
+          </p:cNvPr>
+          <p:cNvPicPr>
+            <a:picLocks noChangeAspect="1"/>
+          </p:cNvPicPr>
+          <p:nvPr/>
+        </p:nvPicPr>
+        <p:blipFill>
+          <a:blip r:embed="rId5"/>
+          <a:stretch>
+            <a:fillRect/>
+          </a:stretch>
+        </p:blipFill>
+        <p:spPr>
+          <a:xfrm>
+            <a:off x="6380684" y="4190745"/>
+            <a:ext cx="5291302" cy="1956412"/>
+          </a:xfrm>
+          <a:prstGeom prst="rect">
+            <a:avLst/>
+          </a:prstGeom>
+        </p:spPr>
+      </p:pic>
+    </p:spTree>
+    <p:extLst>
+      <p:ext uri="{BB962C8B-B14F-4D97-AF65-F5344CB8AC3E}">
+        <p14:creationId xmlns:p14="http://schemas.microsoft.com/office/powerpoint/2010/main" val="3042689943"/>
+      </p:ext>
+    </p:extLst>
+  </p:cSld>
+  <p:clrMapOvr>
+    <a:masterClrMapping/>
+  </p:clrMapOvr>
+</p:sld>
+</file>
+
+<file path=ppt/slides/slide8.xml><?xml version="1.0" encoding="utf-8"?>
+<p:sld xmlns:a="http://schemas.openxmlformats.org/drawingml/2006/main" xmlns:r="http://schemas.openxmlformats.org/officeDocument/2006/relationships" xmlns:p="http://schemas.openxmlformats.org/presentationml/2006/main">
+  <p:cSld>
+    <p:spTree>
+      <p:nvGrpSpPr>
+        <p:cNvPr id="1" name=""/>
+        <p:cNvGrpSpPr/>
+        <p:nvPr/>
+      </p:nvGrpSpPr>
+      <p:grpSpPr>
+        <a:xfrm>
+          <a:off x="0" y="0"/>
+          <a:ext cx="0" cy="0"/>
+          <a:chOff x="0" y="0"/>
+          <a:chExt cx="0" cy="0"/>
+        </a:xfrm>
+      </p:grpSpPr>
+      <p:pic>
+        <p:nvPicPr>
           <p:cNvPr id="5" name="Content Placeholder 4" descr="A picture containing shape&#10;&#10;Description automatically generated">
             <a:extLst>
               <a:ext uri="{FF2B5EF4-FFF2-40B4-BE49-F238E27FC236}">
@@ -4538,7 +8875,7 @@
         <p:spPr>
           <a:xfrm>
             <a:off x="9136923" y="3763580"/>
-            <a:ext cx="668773" cy="646331"/>
+            <a:ext cx="758541" cy="646331"/>
           </a:xfrm>
           <a:prstGeom prst="rect">
             <a:avLst/>
@@ -4553,7 +8890,7 @@
           <a:p>
             <a:r>
               <a:rPr lang="en-US" dirty="0"/>
-              <a:t>Mom</a:t>
+              <a:t>Crush</a:t>
             </a:r>
           </a:p>
           <a:p>
@@ -4564,6 +8901,226 @@
           </a:p>
         </p:txBody>
       </p:sp>
+      <p:cxnSp>
+        <p:nvCxnSpPr>
+          <p:cNvPr id="4" name="Straight Arrow Connector 3">
+            <a:extLst>
+              <a:ext uri="{FF2B5EF4-FFF2-40B4-BE49-F238E27FC236}">
+                <a16:creationId xmlns:a16="http://schemas.microsoft.com/office/drawing/2014/main" id="{09683171-2EFB-4947-8C12-D63E0FA0E575}"/>
+              </a:ext>
+            </a:extLst>
+          </p:cNvPr>
+          <p:cNvCxnSpPr/>
+          <p:nvPr/>
+        </p:nvCxnSpPr>
+        <p:spPr>
+          <a:xfrm>
+            <a:off x="5947795" y="1182848"/>
+            <a:ext cx="0" cy="553673"/>
+          </a:xfrm>
+          <a:prstGeom prst="straightConnector1">
+            <a:avLst/>
+          </a:prstGeom>
+          <a:ln>
+            <a:tailEnd type="triangle"/>
+          </a:ln>
+        </p:spPr>
+        <p:style>
+          <a:lnRef idx="1">
+            <a:schemeClr val="accent1"/>
+          </a:lnRef>
+          <a:fillRef idx="0">
+            <a:schemeClr val="accent1"/>
+          </a:fillRef>
+          <a:effectRef idx="0">
+            <a:schemeClr val="accent1"/>
+          </a:effectRef>
+          <a:fontRef idx="minor">
+            <a:schemeClr val="tx1"/>
+          </a:fontRef>
+        </p:style>
+      </p:cxnSp>
+      <p:sp>
+        <p:nvSpPr>
+          <p:cNvPr id="6" name="TextBox 5">
+            <a:extLst>
+              <a:ext uri="{FF2B5EF4-FFF2-40B4-BE49-F238E27FC236}">
+                <a16:creationId xmlns:a16="http://schemas.microsoft.com/office/drawing/2014/main" id="{DD9776C7-0BE4-498C-899B-1383F972F6B0}"/>
+              </a:ext>
+            </a:extLst>
+          </p:cNvPr>
+          <p:cNvSpPr txBox="1"/>
+          <p:nvPr/>
+        </p:nvSpPr>
+        <p:spPr>
+          <a:xfrm>
+            <a:off x="4182320" y="676233"/>
+            <a:ext cx="4382995" cy="369332"/>
+          </a:xfrm>
+          <a:prstGeom prst="rect">
+            <a:avLst/>
+          </a:prstGeom>
+          <a:noFill/>
+        </p:spPr>
+        <p:txBody>
+          <a:bodyPr wrap="none" rtlCol="0">
+            <a:spAutoFit/>
+          </a:bodyPr>
+          <a:lstStyle/>
+          <a:p>
+            <a:r>
+              <a:rPr lang="en-US" dirty="0"/>
+              <a:t>Ask POSTMAN/FRIEND to deliver my letter</a:t>
+            </a:r>
+          </a:p>
+        </p:txBody>
+      </p:sp>
+      <p:sp>
+        <p:nvSpPr>
+          <p:cNvPr id="17" name="TextBox 16">
+            <a:extLst>
+              <a:ext uri="{FF2B5EF4-FFF2-40B4-BE49-F238E27FC236}">
+                <a16:creationId xmlns:a16="http://schemas.microsoft.com/office/drawing/2014/main" id="{93F2A3C4-4052-4033-9124-D4D93B3FC871}"/>
+              </a:ext>
+            </a:extLst>
+          </p:cNvPr>
+          <p:cNvSpPr txBox="1"/>
+          <p:nvPr/>
+        </p:nvSpPr>
+        <p:spPr>
+          <a:xfrm>
+            <a:off x="600075" y="504825"/>
+            <a:ext cx="1178528" cy="369332"/>
+          </a:xfrm>
+          <a:prstGeom prst="rect">
+            <a:avLst/>
+          </a:prstGeom>
+          <a:noFill/>
+        </p:spPr>
+        <p:txBody>
+          <a:bodyPr wrap="none" rtlCol="0">
+            <a:spAutoFit/>
+          </a:bodyPr>
+          <a:lstStyle/>
+          <a:p>
+            <a:r>
+              <a:rPr lang="en-US" dirty="0"/>
+              <a:t>Scenario B</a:t>
+            </a:r>
+          </a:p>
+        </p:txBody>
+      </p:sp>
+      <p:pic>
+        <p:nvPicPr>
+          <p:cNvPr id="18" name="Picture 17">
+            <a:extLst>
+              <a:ext uri="{FF2B5EF4-FFF2-40B4-BE49-F238E27FC236}">
+                <a16:creationId xmlns:a16="http://schemas.microsoft.com/office/drawing/2014/main" id="{441335B6-39DE-4FBA-AE11-9DB69BC0332F}"/>
+              </a:ext>
+            </a:extLst>
+          </p:cNvPr>
+          <p:cNvPicPr>
+            <a:picLocks noChangeAspect="1"/>
+          </p:cNvPicPr>
+          <p:nvPr/>
+        </p:nvPicPr>
+        <p:blipFill rotWithShape="1">
+          <a:blip r:embed="rId6"/>
+          <a:srcRect t="40832"/>
+          <a:stretch/>
+        </p:blipFill>
+        <p:spPr>
+          <a:xfrm>
+            <a:off x="2224197" y="4298638"/>
+            <a:ext cx="7844401" cy="2483640"/>
+          </a:xfrm>
+          <a:prstGeom prst="rect">
+            <a:avLst/>
+          </a:prstGeom>
+        </p:spPr>
+      </p:pic>
+      <p:cxnSp>
+        <p:nvCxnSpPr>
+          <p:cNvPr id="22" name="Straight Arrow Connector 21">
+            <a:extLst>
+              <a:ext uri="{FF2B5EF4-FFF2-40B4-BE49-F238E27FC236}">
+                <a16:creationId xmlns:a16="http://schemas.microsoft.com/office/drawing/2014/main" id="{3B06FB8F-8A35-44C3-9AA8-F528D9FC4D9E}"/>
+              </a:ext>
+            </a:extLst>
+          </p:cNvPr>
+          <p:cNvCxnSpPr>
+            <a:cxnSpLocks/>
+          </p:cNvCxnSpPr>
+          <p:nvPr/>
+        </p:nvCxnSpPr>
+        <p:spPr>
+          <a:xfrm>
+            <a:off x="4577791" y="3533170"/>
+            <a:ext cx="364000" cy="694009"/>
+          </a:xfrm>
+          <a:prstGeom prst="straightConnector1">
+            <a:avLst/>
+          </a:prstGeom>
+          <a:ln w="76200">
+            <a:tailEnd type="triangle"/>
+          </a:ln>
+        </p:spPr>
+        <p:style>
+          <a:lnRef idx="3">
+            <a:schemeClr val="dk1"/>
+          </a:lnRef>
+          <a:fillRef idx="0">
+            <a:schemeClr val="dk1"/>
+          </a:fillRef>
+          <a:effectRef idx="2">
+            <a:schemeClr val="dk1"/>
+          </a:effectRef>
+          <a:fontRef idx="minor">
+            <a:schemeClr val="tx1"/>
+          </a:fontRef>
+        </p:style>
+      </p:cxnSp>
+      <p:cxnSp>
+        <p:nvCxnSpPr>
+          <p:cNvPr id="23" name="Straight Arrow Connector 22">
+            <a:extLst>
+              <a:ext uri="{FF2B5EF4-FFF2-40B4-BE49-F238E27FC236}">
+                <a16:creationId xmlns:a16="http://schemas.microsoft.com/office/drawing/2014/main" id="{B03F2962-343A-412A-9BB5-FB1724F09E4E}"/>
+              </a:ext>
+            </a:extLst>
+          </p:cNvPr>
+          <p:cNvCxnSpPr>
+            <a:cxnSpLocks/>
+          </p:cNvCxnSpPr>
+          <p:nvPr/>
+        </p:nvCxnSpPr>
+        <p:spPr>
+          <a:xfrm flipH="1">
+            <a:off x="7294429" y="3381822"/>
+            <a:ext cx="332248" cy="910039"/>
+          </a:xfrm>
+          <a:prstGeom prst="straightConnector1">
+            <a:avLst/>
+          </a:prstGeom>
+          <a:ln w="76200">
+            <a:tailEnd type="triangle"/>
+          </a:ln>
+        </p:spPr>
+        <p:style>
+          <a:lnRef idx="3">
+            <a:schemeClr val="dk1"/>
+          </a:lnRef>
+          <a:fillRef idx="0">
+            <a:schemeClr val="dk1"/>
+          </a:fillRef>
+          <a:effectRef idx="2">
+            <a:schemeClr val="dk1"/>
+          </a:effectRef>
+          <a:fontRef idx="minor">
+            <a:schemeClr val="tx1"/>
+          </a:fontRef>
+        </p:style>
+      </p:cxnSp>
     </p:spTree>
     <p:extLst>
       <p:ext uri="{BB962C8B-B14F-4D97-AF65-F5344CB8AC3E}">
@@ -4577,7 +9134,7 @@
 </p:sld>
 </file>
 
-<file path=ppt/slides/slide5.xml><?xml version="1.0" encoding="utf-8"?>
+<file path=ppt/slides/slide9.xml><?xml version="1.0" encoding="utf-8"?>
 <p:sld xmlns:a="http://schemas.openxmlformats.org/drawingml/2006/main" xmlns:r="http://schemas.openxmlformats.org/officeDocument/2006/relationships" xmlns:p="http://schemas.openxmlformats.org/presentationml/2006/main">
   <p:cSld>
     <p:spTree>
@@ -4984,7 +9541,7 @@
           <a:p>
             <a:r>
               <a:rPr lang="en-US" dirty="0"/>
-              <a:t>Mom</a:t>
+              <a:t>Crush</a:t>
             </a:r>
           </a:p>
           <a:p>
@@ -5100,7 +9657,7 @@
         </p:blipFill>
         <p:spPr>
           <a:xfrm>
-            <a:off x="8677668" y="2188220"/>
+            <a:off x="8737196" y="2179570"/>
             <a:ext cx="1612864" cy="1612864"/>
           </a:xfrm>
           <a:prstGeom prst="rect">
@@ -5417,8 +9974,8 @@
         </p:nvSpPr>
         <p:spPr>
           <a:xfrm>
-            <a:off x="3853535" y="3269744"/>
-            <a:ext cx="1217679" cy="646331"/>
+            <a:off x="3571189" y="3245886"/>
+            <a:ext cx="1463786" cy="923330"/>
           </a:xfrm>
           <a:prstGeom prst="rect">
             <a:avLst/>
@@ -5433,6 +9990,12 @@
           <a:p>
             <a:r>
               <a:rPr lang="en-US" dirty="0"/>
+              <a:t>Submit form</a:t>
+            </a:r>
+          </a:p>
+          <a:p>
+            <a:r>
+              <a:rPr lang="en-US" dirty="0"/>
               <a:t>Token A</a:t>
             </a:r>
           </a:p>
@@ -5455,8 +10018,8 @@
         </p:nvSpPr>
         <p:spPr>
           <a:xfrm>
-            <a:off x="7976749" y="3278127"/>
-            <a:ext cx="6101080" cy="369332"/>
+            <a:off x="7725026" y="3278127"/>
+            <a:ext cx="1435604" cy="646331"/>
           </a:xfrm>
           <a:prstGeom prst="rect">
             <a:avLst/>
@@ -5471,11 +10034,82 @@
           <a:p>
             <a:r>
               <a:rPr lang="en-US" dirty="0"/>
+              <a:t>Submit form</a:t>
+            </a:r>
+          </a:p>
+          <a:p>
+            <a:r>
+              <a:rPr lang="en-US" dirty="0"/>
               <a:t>Token B</a:t>
             </a:r>
           </a:p>
         </p:txBody>
       </p:sp>
+      <p:sp>
+        <p:nvSpPr>
+          <p:cNvPr id="29" name="TextBox 28">
+            <a:extLst>
+              <a:ext uri="{FF2B5EF4-FFF2-40B4-BE49-F238E27FC236}">
+                <a16:creationId xmlns:a16="http://schemas.microsoft.com/office/drawing/2014/main" id="{29D3C46D-6F7A-4A6F-8CEB-A2D88E7BC615}"/>
+              </a:ext>
+            </a:extLst>
+          </p:cNvPr>
+          <p:cNvSpPr txBox="1"/>
+          <p:nvPr/>
+        </p:nvSpPr>
+        <p:spPr>
+          <a:xfrm>
+            <a:off x="600075" y="504825"/>
+            <a:ext cx="1178528" cy="369332"/>
+          </a:xfrm>
+          <a:prstGeom prst="rect">
+            <a:avLst/>
+          </a:prstGeom>
+          <a:noFill/>
+        </p:spPr>
+        <p:txBody>
+          <a:bodyPr wrap="none" rtlCol="0">
+            <a:spAutoFit/>
+          </a:bodyPr>
+          <a:lstStyle/>
+          <a:p>
+            <a:r>
+              <a:rPr lang="en-US" dirty="0"/>
+              <a:t>Scenario B</a:t>
+            </a:r>
+          </a:p>
+        </p:txBody>
+      </p:sp>
+      <p:pic>
+        <p:nvPicPr>
+          <p:cNvPr id="3" name="Picture 2">
+            <a:extLst>
+              <a:ext uri="{FF2B5EF4-FFF2-40B4-BE49-F238E27FC236}">
+                <a16:creationId xmlns:a16="http://schemas.microsoft.com/office/drawing/2014/main" id="{AEF05EE6-78AF-416D-9712-46DC46B6E5ED}"/>
+              </a:ext>
+            </a:extLst>
+          </p:cNvPr>
+          <p:cNvPicPr>
+            <a:picLocks noChangeAspect="1"/>
+          </p:cNvPicPr>
+          <p:nvPr/>
+        </p:nvPicPr>
+        <p:blipFill>
+          <a:blip r:embed="rId9"/>
+          <a:stretch>
+            <a:fillRect/>
+          </a:stretch>
+        </p:blipFill>
+        <p:spPr>
+          <a:xfrm>
+            <a:off x="4179630" y="4368301"/>
+            <a:ext cx="4461378" cy="2387323"/>
+          </a:xfrm>
+          <a:prstGeom prst="rect">
+            <a:avLst/>
+          </a:prstGeom>
+        </p:spPr>
+      </p:pic>
     </p:spTree>
     <p:extLst>
       <p:ext uri="{BB962C8B-B14F-4D97-AF65-F5344CB8AC3E}">

--- a/What Hacker Do In Their Daily Task/Slides.pptx
+++ b/What Hacker Do In Their Daily Task/Slides.pptx
@@ -132,48 +132,6 @@
 </p:cmAuthorLst>
 </file>
 
-<file path=ppt/comments/comment1.xml><?xml version="1.0" encoding="utf-8"?>
-<p:cmLst xmlns:a="http://schemas.openxmlformats.org/drawingml/2006/main" xmlns:r="http://schemas.openxmlformats.org/officeDocument/2006/relationships" xmlns:p="http://schemas.openxmlformats.org/presentationml/2006/main">
-  <p:cm authorId="1" dt="2020-11-29T23:12:28.267" idx="1">
-    <p:pos x="46" y="16"/>
-    <p:text/>
-    <p:extLst>
-      <p:ext uri="{C676402C-5697-4E1C-873F-D02D1690AC5C}">
-        <p15:threadingInfo xmlns:p15="http://schemas.microsoft.com/office/powerpoint/2012/main" timeZoneBias="-480"/>
-      </p:ext>
-    </p:extLst>
-  </p:cm>
-</p:cmLst>
-</file>
-
-<file path=ppt/comments/comment2.xml><?xml version="1.0" encoding="utf-8"?>
-<p:cmLst xmlns:a="http://schemas.openxmlformats.org/drawingml/2006/main" xmlns:r="http://schemas.openxmlformats.org/officeDocument/2006/relationships" xmlns:p="http://schemas.openxmlformats.org/presentationml/2006/main">
-  <p:cm authorId="1" dt="2020-11-29T23:12:28.267" idx="1">
-    <p:pos x="46" y="16"/>
-    <p:text/>
-    <p:extLst>
-      <p:ext uri="{C676402C-5697-4E1C-873F-D02D1690AC5C}">
-        <p15:threadingInfo xmlns:p15="http://schemas.microsoft.com/office/powerpoint/2012/main" timeZoneBias="-480"/>
-      </p:ext>
-    </p:extLst>
-  </p:cm>
-</p:cmLst>
-</file>
-
-<file path=ppt/comments/comment3.xml><?xml version="1.0" encoding="utf-8"?>
-<p:cmLst xmlns:a="http://schemas.openxmlformats.org/drawingml/2006/main" xmlns:r="http://schemas.openxmlformats.org/officeDocument/2006/relationships" xmlns:p="http://schemas.openxmlformats.org/presentationml/2006/main">
-  <p:cm authorId="1" dt="2020-11-29T23:12:28.267" idx="1">
-    <p:pos x="10" y="10"/>
-    <p:text/>
-    <p:extLst>
-      <p:ext uri="{C676402C-5697-4E1C-873F-D02D1690AC5C}">
-        <p15:threadingInfo xmlns:p15="http://schemas.microsoft.com/office/powerpoint/2012/main" timeZoneBias="-480"/>
-      </p:ext>
-    </p:extLst>
-  </p:cm>
-</p:cmLst>
-</file>
-
 <file path=ppt/slideLayouts/slideLayout1.xml><?xml version="1.0" encoding="utf-8"?>
 <p:sldLayout xmlns:a="http://schemas.openxmlformats.org/drawingml/2006/main" xmlns:r="http://schemas.openxmlformats.org/officeDocument/2006/relationships" xmlns:p="http://schemas.openxmlformats.org/presentationml/2006/main" type="title" preserve="1">
   <p:cSld name="Title Slide">
@@ -313,7 +271,7 @@
           <a:p>
             <a:fld id="{78D5F2A6-235C-4FDE-80DE-EAE49DBB97FA}" type="datetimeFigureOut">
               <a:rPr lang="en-US" smtClean="0"/>
-              <a:t>11/30/2020</a:t>
+              <a:t>12/1/2020</a:t>
             </a:fld>
             <a:endParaRPr lang="en-US"/>
           </a:p>
@@ -524,7 +482,7 @@
           <a:p>
             <a:fld id="{78D5F2A6-235C-4FDE-80DE-EAE49DBB97FA}" type="datetimeFigureOut">
               <a:rPr lang="en-US" smtClean="0"/>
-              <a:t>11/30/2020</a:t>
+              <a:t>12/1/2020</a:t>
             </a:fld>
             <a:endParaRPr lang="en-US"/>
           </a:p>
@@ -739,7 +697,7 @@
           <a:p>
             <a:fld id="{78D5F2A6-235C-4FDE-80DE-EAE49DBB97FA}" type="datetimeFigureOut">
               <a:rPr lang="en-US" smtClean="0"/>
-              <a:t>11/30/2020</a:t>
+              <a:t>12/1/2020</a:t>
             </a:fld>
             <a:endParaRPr lang="en-US"/>
           </a:p>
@@ -940,7 +898,7 @@
           <a:p>
             <a:fld id="{78D5F2A6-235C-4FDE-80DE-EAE49DBB97FA}" type="datetimeFigureOut">
               <a:rPr lang="en-US" smtClean="0"/>
-              <a:t>11/30/2020</a:t>
+              <a:t>12/1/2020</a:t>
             </a:fld>
             <a:endParaRPr lang="en-US"/>
           </a:p>
@@ -1219,7 +1177,7 @@
           <a:p>
             <a:fld id="{78D5F2A6-235C-4FDE-80DE-EAE49DBB97FA}" type="datetimeFigureOut">
               <a:rPr lang="en-US" smtClean="0"/>
-              <a:t>11/30/2020</a:t>
+              <a:t>12/1/2020</a:t>
             </a:fld>
             <a:endParaRPr lang="en-US"/>
           </a:p>
@@ -1487,7 +1445,7 @@
           <a:p>
             <a:fld id="{78D5F2A6-235C-4FDE-80DE-EAE49DBB97FA}" type="datetimeFigureOut">
               <a:rPr lang="en-US" smtClean="0"/>
-              <a:t>11/30/2020</a:t>
+              <a:t>12/1/2020</a:t>
             </a:fld>
             <a:endParaRPr lang="en-US"/>
           </a:p>
@@ -1903,7 +1861,7 @@
           <a:p>
             <a:fld id="{78D5F2A6-235C-4FDE-80DE-EAE49DBB97FA}" type="datetimeFigureOut">
               <a:rPr lang="en-US" smtClean="0"/>
-              <a:t>11/30/2020</a:t>
+              <a:t>12/1/2020</a:t>
             </a:fld>
             <a:endParaRPr lang="en-US"/>
           </a:p>
@@ -2052,7 +2010,7 @@
           <a:p>
             <a:fld id="{78D5F2A6-235C-4FDE-80DE-EAE49DBB97FA}" type="datetimeFigureOut">
               <a:rPr lang="en-US" smtClean="0"/>
-              <a:t>11/30/2020</a:t>
+              <a:t>12/1/2020</a:t>
             </a:fld>
             <a:endParaRPr lang="en-US"/>
           </a:p>
@@ -2178,7 +2136,7 @@
           <a:p>
             <a:fld id="{78D5F2A6-235C-4FDE-80DE-EAE49DBB97FA}" type="datetimeFigureOut">
               <a:rPr lang="en-US" smtClean="0"/>
-              <a:t>11/30/2020</a:t>
+              <a:t>12/1/2020</a:t>
             </a:fld>
             <a:endParaRPr lang="en-US"/>
           </a:p>
@@ -2429,7 +2387,7 @@
           <a:p>
             <a:fld id="{78D5F2A6-235C-4FDE-80DE-EAE49DBB97FA}" type="datetimeFigureOut">
               <a:rPr lang="en-US" smtClean="0"/>
-              <a:t>11/30/2020</a:t>
+              <a:t>12/1/2020</a:t>
             </a:fld>
             <a:endParaRPr lang="en-US"/>
           </a:p>
@@ -2874,7 +2832,7 @@
           <a:p>
             <a:fld id="{78D5F2A6-235C-4FDE-80DE-EAE49DBB97FA}" type="datetimeFigureOut">
               <a:rPr lang="en-US" smtClean="0"/>
-              <a:t>11/30/2020</a:t>
+              <a:t>12/1/2020</a:t>
             </a:fld>
             <a:endParaRPr lang="en-US"/>
           </a:p>
@@ -3201,7 +3159,7 @@
           <a:p>
             <a:fld id="{78D5F2A6-235C-4FDE-80DE-EAE49DBB97FA}" type="datetimeFigureOut">
               <a:rPr lang="en-US" smtClean="0"/>
-              <a:t>11/30/2020</a:t>
+              <a:t>12/1/2020</a:t>
             </a:fld>
             <a:endParaRPr lang="en-US"/>
           </a:p>
